--- a/中期PPT-王建坤.pptx
+++ b/中期PPT-王建坤.pptx
@@ -226,7 +226,7 @@
           <a:p>
             <a:fld id="{A4993278-BEDC-410D-8D8A-17342E535FDF}" type="datetimeFigureOut">
               <a:rPr lang="zh-CN" altLang="en-US" smtClean="0"/>
-              <a:t>2019/2/27</a:t>
+              <a:t>2019/3/1</a:t>
             </a:fld>
             <a:endParaRPr lang="zh-CN" altLang="en-US"/>
           </a:p>
@@ -528,7 +528,7 @@
           <a:p>
             <a:fld id="{43A07DD8-6722-4182-892A-E3676524296F}" type="datetimeFigureOut">
               <a:rPr lang="zh-CN" altLang="en-US" smtClean="0"/>
-              <a:t>2019/2/27</a:t>
+              <a:t>2019/3/1</a:t>
             </a:fld>
             <a:endParaRPr lang="zh-CN" altLang="en-US"/>
           </a:p>
@@ -1919,7 +1919,7 @@
           <a:p>
             <a:fld id="{43A07DD8-6722-4182-892A-E3676524296F}" type="datetimeFigureOut">
               <a:rPr lang="zh-CN" altLang="en-US" smtClean="0"/>
-              <a:t>2019/2/27</a:t>
+              <a:t>2019/3/1</a:t>
             </a:fld>
             <a:endParaRPr lang="zh-CN" altLang="en-US"/>
           </a:p>
@@ -2897,7 +2897,7 @@
           <a:p>
             <a:fld id="{43A07DD8-6722-4182-892A-E3676524296F}" type="datetimeFigureOut">
               <a:rPr lang="zh-CN" altLang="en-US" smtClean="0"/>
-              <a:t>2019/2/27</a:t>
+              <a:t>2019/3/1</a:t>
             </a:fld>
             <a:endParaRPr lang="zh-CN" altLang="en-US"/>
           </a:p>
@@ -3402,7 +3402,7 @@
           <a:p>
             <a:fld id="{43A07DD8-6722-4182-892A-E3676524296F}" type="datetimeFigureOut">
               <a:rPr lang="zh-CN" altLang="en-US" smtClean="0"/>
-              <a:t>2019/2/27</a:t>
+              <a:t>2019/3/1</a:t>
             </a:fld>
             <a:endParaRPr lang="zh-CN" altLang="en-US"/>
           </a:p>
@@ -3542,7 +3542,7 @@
           <a:p>
             <a:fld id="{43A07DD8-6722-4182-892A-E3676524296F}" type="datetimeFigureOut">
               <a:rPr lang="zh-CN" altLang="en-US" smtClean="0"/>
-              <a:t>2019/2/27</a:t>
+              <a:t>2019/3/1</a:t>
             </a:fld>
             <a:endParaRPr lang="zh-CN" altLang="en-US"/>
           </a:p>
@@ -5059,7 +5059,7 @@
           <a:p>
             <a:fld id="{43A07DD8-6722-4182-892A-E3676524296F}" type="datetimeFigureOut">
               <a:rPr lang="zh-CN" altLang="en-US" smtClean="0"/>
-              <a:t>2019/2/27</a:t>
+              <a:t>2019/3/1</a:t>
             </a:fld>
             <a:endParaRPr lang="zh-CN" altLang="en-US"/>
           </a:p>
@@ -5484,7 +5484,15 @@
           <a:p>
             <a:r>
               <a:rPr lang="zh-CN" altLang="zh-CN" dirty="0"/>
-              <a:t>基于视觉的小型雾化器装配检测方法研究</a:t>
+              <a:t>基于视觉</a:t>
+            </a:r>
+            <a:r>
+              <a:rPr lang="zh-CN" altLang="zh-CN" dirty="0" smtClean="0"/>
+              <a:t>的雾化器</a:t>
+            </a:r>
+            <a:r>
+              <a:rPr lang="zh-CN" altLang="zh-CN" dirty="0"/>
+              <a:t>装配检测方法研究</a:t>
             </a:r>
             <a:endParaRPr lang="zh-CN" altLang="en-US" dirty="0"/>
           </a:p>
@@ -6523,39 +6531,6 @@
           </a:fontRef>
         </p:style>
       </p:cxnSp>
-      <p:pic>
-        <p:nvPicPr>
-          <p:cNvPr id="22" name="图片 21"/>
-          <p:cNvPicPr/>
-          <p:nvPr/>
-        </p:nvPicPr>
-        <p:blipFill>
-          <a:blip r:embed="rId6">
-            <a:extLst>
-              <a:ext uri="{28A0092B-C50C-407E-A947-70E740481C1C}">
-                <a14:useLocalDpi xmlns:a14="http://schemas.microsoft.com/office/drawing/2010/main" val="0"/>
-              </a:ext>
-            </a:extLst>
-          </a:blip>
-          <a:stretch>
-            <a:fillRect/>
-          </a:stretch>
-        </p:blipFill>
-        <p:spPr>
-          <a:xfrm>
-            <a:off x="7968485" y="3626192"/>
-            <a:ext cx="719455" cy="839470"/>
-          </a:xfrm>
-          <a:prstGeom prst="rect">
-            <a:avLst/>
-          </a:prstGeom>
-          <a:ln>
-            <a:solidFill>
-              <a:schemeClr val="tx1"/>
-            </a:solidFill>
-          </a:ln>
-        </p:spPr>
-      </p:pic>
       <p:sp>
         <p:nvSpPr>
           <p:cNvPr id="18" name="矩形 17"/>
@@ -6869,6 +6844,36 @@
           </a:p>
         </p:txBody>
       </p:sp>
+      <p:pic>
+        <p:nvPicPr>
+          <p:cNvPr id="3" name="图片 2"/>
+          <p:cNvPicPr>
+            <a:picLocks noChangeAspect="1"/>
+          </p:cNvPicPr>
+          <p:nvPr/>
+        </p:nvPicPr>
+        <p:blipFill>
+          <a:blip r:embed="rId6">
+            <a:extLst>
+              <a:ext uri="{28A0092B-C50C-407E-A947-70E740481C1C}">
+                <a14:useLocalDpi xmlns:a14="http://schemas.microsoft.com/office/drawing/2010/main" val="0"/>
+              </a:ext>
+            </a:extLst>
+          </a:blip>
+          <a:stretch>
+            <a:fillRect/>
+          </a:stretch>
+        </p:blipFill>
+        <p:spPr>
+          <a:xfrm>
+            <a:off x="7949160" y="3608465"/>
+            <a:ext cx="763222" cy="890425"/>
+          </a:xfrm>
+          <a:prstGeom prst="rect">
+            <a:avLst/>
+          </a:prstGeom>
+        </p:spPr>
+      </p:pic>
     </p:spTree>
     <p:extLst>
       <p:ext uri="{BB962C8B-B14F-4D97-AF65-F5344CB8AC3E}">
@@ -7738,13 +7743,13 @@
           <p:nvPr>
             <p:extLst>
               <p:ext uri="{D42A27DB-BD31-4B8C-83A1-F6EECF244321}">
-                <p14:modId xmlns:p14="http://schemas.microsoft.com/office/powerpoint/2010/main" val="2771110391"/>
+                <p14:modId xmlns:p14="http://schemas.microsoft.com/office/powerpoint/2010/main" val="57518212"/>
               </p:ext>
             </p:extLst>
           </p:nvPr>
         </p:nvGraphicFramePr>
         <p:xfrm>
-          <a:off x="1374954" y="2104811"/>
+          <a:off x="1284450" y="2659897"/>
           <a:ext cx="5915063" cy="1828800"/>
         </p:xfrm>
         <a:graphic>
@@ -7971,7 +7976,7 @@
                         </a:spcAft>
                       </a:pPr>
                       <a:r>
-                        <a:rPr lang="en-US" sz="2000" kern="100">
+                        <a:rPr lang="en-US" sz="2000" kern="100" dirty="0">
                           <a:effectLst/>
                           <a:latin typeface="Times New Roman" panose="02020603050405020304" pitchFamily="18" charset="0"/>
                           <a:ea typeface="宋体" panose="02010600030101010101" pitchFamily="2" charset="-122"/>
@@ -7979,7 +7984,7 @@
                         </a:rPr>
                         <a:t>100% </a:t>
                       </a:r>
-                      <a:endParaRPr lang="zh-CN" sz="2000" kern="100">
+                      <a:endParaRPr lang="zh-CN" sz="2000" kern="100" dirty="0">
                         <a:effectLst/>
                         <a:latin typeface="Times New Roman" panose="02020603050405020304" pitchFamily="18" charset="0"/>
                         <a:ea typeface="宋体" panose="02010600030101010101" pitchFamily="2" charset="-122"/>
@@ -8075,7 +8080,7 @@
                         </a:spcAft>
                       </a:pPr>
                       <a:r>
-                        <a:rPr lang="zh-CN" sz="2000" kern="100">
+                        <a:rPr lang="zh-CN" sz="2000" kern="100" dirty="0">
                           <a:effectLst/>
                           <a:latin typeface="Times New Roman" panose="02020603050405020304" pitchFamily="18" charset="0"/>
                           <a:ea typeface="宋体" panose="02010600030101010101" pitchFamily="2" charset="-122"/>
@@ -8483,7 +8488,7 @@
         </p:nvSpPr>
         <p:spPr>
           <a:xfrm>
-            <a:off x="639848" y="1069235"/>
+            <a:off x="639848" y="1548560"/>
             <a:ext cx="7365634" cy="904863"/>
           </a:xfrm>
           <a:prstGeom prst="rect">
@@ -8511,6 +8516,91 @@
               </a:rPr>
               <a:t>检出率指该类别被正确检测出来的比例，误检率指非该类别检测为该类别的比率。</a:t>
             </a:r>
+          </a:p>
+        </p:txBody>
+      </p:sp>
+      <p:sp>
+        <p:nvSpPr>
+          <p:cNvPr id="6" name="矩形 5"/>
+          <p:cNvSpPr/>
+          <p:nvPr/>
+        </p:nvSpPr>
+        <p:spPr>
+          <a:xfrm>
+            <a:off x="639848" y="4695172"/>
+            <a:ext cx="7365634" cy="866006"/>
+          </a:xfrm>
+          <a:prstGeom prst="rect">
+            <a:avLst/>
+          </a:prstGeom>
+        </p:spPr>
+        <p:txBody>
+          <a:bodyPr wrap="square">
+            <a:spAutoFit/>
+          </a:bodyPr>
+          <a:lstStyle/>
+          <a:p>
+            <a:pPr algn="just">
+              <a:lnSpc>
+                <a:spcPct val="120000"/>
+              </a:lnSpc>
+              <a:spcAft>
+                <a:spcPts val="0"/>
+              </a:spcAft>
+            </a:pPr>
+            <a:r>
+              <a:rPr lang="zh-CN" altLang="en-US" sz="2200" kern="100" dirty="0" smtClean="0">
+                <a:latin typeface="Times New Roman" panose="02020603050405020304" pitchFamily="18" charset="0"/>
+                <a:cs typeface="Times New Roman" panose="02020603050405020304" pitchFamily="18" charset="0"/>
+              </a:rPr>
+              <a:t>棉芯缺失检出率低：轮廓查找失败，被判定为工件缺失。</a:t>
+            </a:r>
+            <a:endParaRPr lang="en-US" altLang="zh-CN" sz="2200" kern="100" dirty="0" smtClean="0">
+              <a:latin typeface="Times New Roman" panose="02020603050405020304" pitchFamily="18" charset="0"/>
+              <a:cs typeface="Times New Roman" panose="02020603050405020304" pitchFamily="18" charset="0"/>
+            </a:endParaRPr>
+          </a:p>
+          <a:p>
+            <a:pPr algn="just">
+              <a:lnSpc>
+                <a:spcPct val="120000"/>
+              </a:lnSpc>
+              <a:spcAft>
+                <a:spcPts val="0"/>
+              </a:spcAft>
+            </a:pPr>
+            <a:r>
+              <a:rPr lang="zh-CN" altLang="en-US" sz="2200" kern="100" dirty="0">
+                <a:latin typeface="Times New Roman" panose="02020603050405020304" pitchFamily="18" charset="0"/>
+                <a:cs typeface="Times New Roman" panose="02020603050405020304" pitchFamily="18" charset="0"/>
+              </a:rPr>
+              <a:t>误</a:t>
+            </a:r>
+            <a:r>
+              <a:rPr lang="zh-CN" altLang="en-US" sz="2200" kern="100" dirty="0" smtClean="0">
+                <a:latin typeface="Times New Roman" panose="02020603050405020304" pitchFamily="18" charset="0"/>
+                <a:cs typeface="Times New Roman" panose="02020603050405020304" pitchFamily="18" charset="0"/>
+              </a:rPr>
+              <a:t>检原因：</a:t>
+            </a:r>
+            <a:r>
+              <a:rPr lang="en-US" altLang="zh-CN" sz="2200" kern="100" dirty="0" smtClean="0">
+                <a:latin typeface="Times New Roman" panose="02020603050405020304" pitchFamily="18" charset="0"/>
+                <a:cs typeface="Times New Roman" panose="02020603050405020304" pitchFamily="18" charset="0"/>
+              </a:rPr>
+              <a:t>ROI</a:t>
+            </a:r>
+            <a:r>
+              <a:rPr lang="zh-CN" altLang="en-US" sz="2200" kern="100" dirty="0" smtClean="0">
+                <a:latin typeface="Times New Roman" panose="02020603050405020304" pitchFamily="18" charset="0"/>
+                <a:cs typeface="Times New Roman" panose="02020603050405020304" pitchFamily="18" charset="0"/>
+              </a:rPr>
+              <a:t>不准确</a:t>
+            </a:r>
+            <a:endParaRPr lang="zh-CN" altLang="zh-CN" sz="2200" kern="100" dirty="0">
+              <a:latin typeface="Times New Roman" panose="02020603050405020304" pitchFamily="18" charset="0"/>
+              <a:cs typeface="Times New Roman" panose="02020603050405020304" pitchFamily="18" charset="0"/>
+            </a:endParaRPr>
           </a:p>
         </p:txBody>
       </p:sp>
@@ -8576,8 +8666,8 @@
           </a:p>
         </p:txBody>
       </p:sp>
-      <mc:AlternateContent xmlns:mc="http://schemas.openxmlformats.org/markup-compatibility/2006" xmlns:a14="http://schemas.microsoft.com/office/drawing/2010/main">
-        <mc:Choice Requires="a14">
+      <mc:AlternateContent xmlns:mc="http://schemas.openxmlformats.org/markup-compatibility/2006">
+        <mc:Choice xmlns:a14="http://schemas.microsoft.com/office/drawing/2010/main" Requires="a14">
           <p:sp>
             <p:nvSpPr>
               <p:cNvPr id="3" name="矩形 2"/>
@@ -8676,10 +8766,14 @@
                 </a14:m>
                 <a:r>
                   <a:rPr lang="zh-CN" altLang="zh-CN" sz="2200" dirty="0"/>
-                  <a:t>的卷积核，深度分离卷积的计数量约为标准卷积层计算量的</a:t>
+                  <a:t>的卷积核，</a:t>
                 </a:r>
                 <a:r>
-                  <a:rPr lang="zh-CN" altLang="zh-CN" sz="2200" dirty="0" smtClean="0"/>
+                  <a:rPr lang="zh-CN" altLang="zh-CN" sz="2200" b="1" dirty="0"/>
+                  <a:t>深度分离卷积的计数量约为标准卷积层计算量的</a:t>
+                </a:r>
+                <a:r>
+                  <a:rPr lang="zh-CN" altLang="zh-CN" sz="2200" b="1" dirty="0" smtClean="0"/>
                   <a:t>九分之一</a:t>
                 </a:r>
                 <a:r>
@@ -8691,7 +8785,7 @@
             </p:txBody>
           </p:sp>
         </mc:Choice>
-        <mc:Fallback xmlns="">
+        <mc:Fallback>
           <p:sp>
             <p:nvSpPr>
               <p:cNvPr id="3" name="矩形 2"/>
@@ -9296,7 +9390,7 @@
             <p:cNvPr id="35" name="流程图: 过程 34">
               <a:extLst>
                 <a:ext uri="{FF2B5EF4-FFF2-40B4-BE49-F238E27FC236}">
-                  <a16:creationId xmlns="" xmlns:a16="http://schemas.microsoft.com/office/drawing/2014/main" id="{57AE6D65-AD68-4910-AD70-E3F9CD49580C}"/>
+                  <a16:creationId xmlns:a16="http://schemas.microsoft.com/office/drawing/2014/main" xmlns="" id="{57AE6D65-AD68-4910-AD70-E3F9CD49580C}"/>
                 </a:ext>
               </a:extLst>
             </p:cNvPr>
@@ -9367,7 +9461,7 @@
             <p:cNvPr id="36" name="流程图: 过程 35">
               <a:extLst>
                 <a:ext uri="{FF2B5EF4-FFF2-40B4-BE49-F238E27FC236}">
-                  <a16:creationId xmlns="" xmlns:a16="http://schemas.microsoft.com/office/drawing/2014/main" id="{DF5618C4-A100-4C16-AE5A-386CCEA74366}"/>
+                  <a16:creationId xmlns:a16="http://schemas.microsoft.com/office/drawing/2014/main" xmlns="" id="{DF5618C4-A100-4C16-AE5A-386CCEA74366}"/>
                 </a:ext>
               </a:extLst>
             </p:cNvPr>
@@ -9454,7 +9548,7 @@
               <p:cNvPr id="59" name="菱形 58">
                 <a:extLst>
                   <a:ext uri="{FF2B5EF4-FFF2-40B4-BE49-F238E27FC236}">
-                    <a16:creationId xmlns="" xmlns:a16="http://schemas.microsoft.com/office/drawing/2014/main" id="{12D7EFA7-B56E-49A1-8474-4DB33447F7E4}"/>
+                    <a16:creationId xmlns:a16="http://schemas.microsoft.com/office/drawing/2014/main" xmlns="" id="{12D7EFA7-B56E-49A1-8474-4DB33447F7E4}"/>
                   </a:ext>
                 </a:extLst>
               </p:cNvPr>
@@ -9522,7 +9616,7 @@
               <p:cNvPr id="60" name="文本框 19">
                 <a:extLst>
                   <a:ext uri="{FF2B5EF4-FFF2-40B4-BE49-F238E27FC236}">
-                    <a16:creationId xmlns="" xmlns:a16="http://schemas.microsoft.com/office/drawing/2014/main" id="{D3227F8A-32FC-49B8-8983-80F34F86E615}"/>
+                    <a16:creationId xmlns:a16="http://schemas.microsoft.com/office/drawing/2014/main" xmlns="" id="{D3227F8A-32FC-49B8-8983-80F34F86E615}"/>
                   </a:ext>
                 </a:extLst>
               </p:cNvPr>
@@ -9626,7 +9720,7 @@
               <p:cNvPr id="57" name="流程图: 数据 56">
                 <a:extLst>
                   <a:ext uri="{FF2B5EF4-FFF2-40B4-BE49-F238E27FC236}">
-                    <a16:creationId xmlns="" xmlns:a16="http://schemas.microsoft.com/office/drawing/2014/main" id="{7B982382-5BDD-430A-823F-1EF66C59D414}"/>
+                    <a16:creationId xmlns:a16="http://schemas.microsoft.com/office/drawing/2014/main" xmlns="" id="{7B982382-5BDD-430A-823F-1EF66C59D414}"/>
                   </a:ext>
                 </a:extLst>
               </p:cNvPr>
@@ -9688,7 +9782,7 @@
               <p:cNvPr id="58" name="文本框 27">
                 <a:extLst>
                   <a:ext uri="{FF2B5EF4-FFF2-40B4-BE49-F238E27FC236}">
-                    <a16:creationId xmlns="" xmlns:a16="http://schemas.microsoft.com/office/drawing/2014/main" id="{20A0F180-6CB0-4E70-B6E0-DB14C781003D}"/>
+                    <a16:creationId xmlns:a16="http://schemas.microsoft.com/office/drawing/2014/main" xmlns="" id="{20A0F180-6CB0-4E70-B6E0-DB14C781003D}"/>
                   </a:ext>
                 </a:extLst>
               </p:cNvPr>
@@ -9755,7 +9849,7 @@
             <p:cNvPr id="39" name="组合 38">
               <a:extLst>
                 <a:ext uri="{FF2B5EF4-FFF2-40B4-BE49-F238E27FC236}">
-                  <a16:creationId xmlns="" xmlns:a16="http://schemas.microsoft.com/office/drawing/2014/main" id="{31922F65-88BB-4A94-8732-FF89FB296A7F}"/>
+                  <a16:creationId xmlns:a16="http://schemas.microsoft.com/office/drawing/2014/main" xmlns="" id="{31922F65-88BB-4A94-8732-FF89FB296A7F}"/>
                 </a:ext>
               </a:extLst>
             </p:cNvPr>
@@ -9778,7 +9872,7 @@
               <p:cNvPr id="55" name="流程图: 终止 54">
                 <a:extLst>
                   <a:ext uri="{FF2B5EF4-FFF2-40B4-BE49-F238E27FC236}">
-                    <a16:creationId xmlns="" xmlns:a16="http://schemas.microsoft.com/office/drawing/2014/main" id="{821728A5-ACB2-4DFD-9EF9-C5718E8DB807}"/>
+                    <a16:creationId xmlns:a16="http://schemas.microsoft.com/office/drawing/2014/main" xmlns="" id="{821728A5-ACB2-4DFD-9EF9-C5718E8DB807}"/>
                   </a:ext>
                 </a:extLst>
               </p:cNvPr>
@@ -9840,7 +9934,7 @@
               <p:cNvPr id="56" name="文本框 40">
                 <a:extLst>
                   <a:ext uri="{FF2B5EF4-FFF2-40B4-BE49-F238E27FC236}">
-                    <a16:creationId xmlns="" xmlns:a16="http://schemas.microsoft.com/office/drawing/2014/main" id="{A1896994-9DBF-4384-9783-F23D3457056C}"/>
+                    <a16:creationId xmlns:a16="http://schemas.microsoft.com/office/drawing/2014/main" xmlns="" id="{A1896994-9DBF-4384-9783-F23D3457056C}"/>
                   </a:ext>
                 </a:extLst>
               </p:cNvPr>
@@ -9907,7 +10001,7 @@
             <p:cNvPr id="40" name="组合 39">
               <a:extLst>
                 <a:ext uri="{FF2B5EF4-FFF2-40B4-BE49-F238E27FC236}">
-                  <a16:creationId xmlns="" xmlns:a16="http://schemas.microsoft.com/office/drawing/2014/main" id="{98DAB4CF-B7E6-4A94-B020-148FE92C07ED}"/>
+                  <a16:creationId xmlns:a16="http://schemas.microsoft.com/office/drawing/2014/main" xmlns="" id="{98DAB4CF-B7E6-4A94-B020-148FE92C07ED}"/>
                 </a:ext>
               </a:extLst>
             </p:cNvPr>
@@ -9930,7 +10024,7 @@
               <p:cNvPr id="53" name="流程图: 终止 52">
                 <a:extLst>
                   <a:ext uri="{FF2B5EF4-FFF2-40B4-BE49-F238E27FC236}">
-                    <a16:creationId xmlns="" xmlns:a16="http://schemas.microsoft.com/office/drawing/2014/main" id="{7ADB7280-DA5D-4B25-A4BB-364BDC39C520}"/>
+                    <a16:creationId xmlns:a16="http://schemas.microsoft.com/office/drawing/2014/main" xmlns="" id="{7ADB7280-DA5D-4B25-A4BB-364BDC39C520}"/>
                   </a:ext>
                 </a:extLst>
               </p:cNvPr>
@@ -9992,7 +10086,7 @@
               <p:cNvPr id="54" name="文本框 3">
                 <a:extLst>
                   <a:ext uri="{FF2B5EF4-FFF2-40B4-BE49-F238E27FC236}">
-                    <a16:creationId xmlns="" xmlns:a16="http://schemas.microsoft.com/office/drawing/2014/main" id="{505B618B-DD3F-4711-B98B-A034FBC53F99}"/>
+                    <a16:creationId xmlns:a16="http://schemas.microsoft.com/office/drawing/2014/main" xmlns="" id="{505B618B-DD3F-4711-B98B-A034FBC53F99}"/>
                   </a:ext>
                 </a:extLst>
               </p:cNvPr>
@@ -10059,7 +10153,7 @@
             <p:cNvPr id="41" name="流程图: 过程 40">
               <a:extLst>
                 <a:ext uri="{FF2B5EF4-FFF2-40B4-BE49-F238E27FC236}">
-                  <a16:creationId xmlns="" xmlns:a16="http://schemas.microsoft.com/office/drawing/2014/main" id="{A2B7C6EB-B9C5-4815-9207-7ABAD5294750}"/>
+                  <a16:creationId xmlns:a16="http://schemas.microsoft.com/office/drawing/2014/main" xmlns="" id="{A2B7C6EB-B9C5-4815-9207-7ABAD5294750}"/>
                 </a:ext>
               </a:extLst>
             </p:cNvPr>
@@ -10130,7 +10224,7 @@
             <p:cNvPr id="42" name="直接箭头连接符 41">
               <a:extLst>
                 <a:ext uri="{FF2B5EF4-FFF2-40B4-BE49-F238E27FC236}">
-                  <a16:creationId xmlns="" xmlns:a16="http://schemas.microsoft.com/office/drawing/2014/main" id="{1D2F8702-EF1E-4E42-A00F-F506FB845B9C}"/>
+                  <a16:creationId xmlns:a16="http://schemas.microsoft.com/office/drawing/2014/main" xmlns="" id="{1D2F8702-EF1E-4E42-A00F-F506FB845B9C}"/>
                 </a:ext>
               </a:extLst>
             </p:cNvPr>
@@ -10172,7 +10266,7 @@
             <p:cNvPr id="43" name="直接箭头连接符 42">
               <a:extLst>
                 <a:ext uri="{FF2B5EF4-FFF2-40B4-BE49-F238E27FC236}">
-                  <a16:creationId xmlns="" xmlns:a16="http://schemas.microsoft.com/office/drawing/2014/main" id="{E62DF940-C9F0-44A1-9639-8EBE6D2B1770}"/>
+                  <a16:creationId xmlns:a16="http://schemas.microsoft.com/office/drawing/2014/main" xmlns="" id="{E62DF940-C9F0-44A1-9639-8EBE6D2B1770}"/>
                 </a:ext>
               </a:extLst>
             </p:cNvPr>
@@ -10214,7 +10308,7 @@
             <p:cNvPr id="44" name="直接箭头连接符 43">
               <a:extLst>
                 <a:ext uri="{FF2B5EF4-FFF2-40B4-BE49-F238E27FC236}">
-                  <a16:creationId xmlns="" xmlns:a16="http://schemas.microsoft.com/office/drawing/2014/main" id="{4CF753CC-E42A-4CD0-AA90-8267A1E33C0C}"/>
+                  <a16:creationId xmlns:a16="http://schemas.microsoft.com/office/drawing/2014/main" xmlns="" id="{4CF753CC-E42A-4CD0-AA90-8267A1E33C0C}"/>
                 </a:ext>
               </a:extLst>
             </p:cNvPr>
@@ -10256,7 +10350,7 @@
             <p:cNvPr id="45" name="直接箭头连接符 44">
               <a:extLst>
                 <a:ext uri="{FF2B5EF4-FFF2-40B4-BE49-F238E27FC236}">
-                  <a16:creationId xmlns="" xmlns:a16="http://schemas.microsoft.com/office/drawing/2014/main" id="{1F333818-AA2B-4765-B105-91E62155BB7E}"/>
+                  <a16:creationId xmlns:a16="http://schemas.microsoft.com/office/drawing/2014/main" xmlns="" id="{1F333818-AA2B-4765-B105-91E62155BB7E}"/>
                 </a:ext>
               </a:extLst>
             </p:cNvPr>
@@ -10298,7 +10392,7 @@
             <p:cNvPr id="46" name="直接箭头连接符 45">
               <a:extLst>
                 <a:ext uri="{FF2B5EF4-FFF2-40B4-BE49-F238E27FC236}">
-                  <a16:creationId xmlns="" xmlns:a16="http://schemas.microsoft.com/office/drawing/2014/main" id="{22BBC817-1511-4F14-8D7D-7887AAACA9D0}"/>
+                  <a16:creationId xmlns:a16="http://schemas.microsoft.com/office/drawing/2014/main" xmlns="" id="{22BBC817-1511-4F14-8D7D-7887AAACA9D0}"/>
                 </a:ext>
               </a:extLst>
             </p:cNvPr>
@@ -10340,7 +10434,7 @@
             <p:cNvPr id="47" name="直接连接符 46">
               <a:extLst>
                 <a:ext uri="{FF2B5EF4-FFF2-40B4-BE49-F238E27FC236}">
-                  <a16:creationId xmlns="" xmlns:a16="http://schemas.microsoft.com/office/drawing/2014/main" id="{CF8115CD-2AAA-4FBC-AA85-48B59DAB5C3B}"/>
+                  <a16:creationId xmlns:a16="http://schemas.microsoft.com/office/drawing/2014/main" xmlns="" id="{CF8115CD-2AAA-4FBC-AA85-48B59DAB5C3B}"/>
                 </a:ext>
               </a:extLst>
             </p:cNvPr>
@@ -10383,7 +10477,7 @@
             <p:cNvPr id="48" name="直接箭头连接符 47">
               <a:extLst>
                 <a:ext uri="{FF2B5EF4-FFF2-40B4-BE49-F238E27FC236}">
-                  <a16:creationId xmlns="" xmlns:a16="http://schemas.microsoft.com/office/drawing/2014/main" id="{581F2596-4DA6-4C27-A7A8-43381C6D5C09}"/>
+                  <a16:creationId xmlns:a16="http://schemas.microsoft.com/office/drawing/2014/main" xmlns="" id="{581F2596-4DA6-4C27-A7A8-43381C6D5C09}"/>
                 </a:ext>
               </a:extLst>
             </p:cNvPr>
@@ -10425,7 +10519,7 @@
             <p:cNvPr id="49" name="直接连接符 48">
               <a:extLst>
                 <a:ext uri="{FF2B5EF4-FFF2-40B4-BE49-F238E27FC236}">
-                  <a16:creationId xmlns="" xmlns:a16="http://schemas.microsoft.com/office/drawing/2014/main" id="{09D3F5CF-B59E-4D6D-B843-9B98FBC3A18A}"/>
+                  <a16:creationId xmlns:a16="http://schemas.microsoft.com/office/drawing/2014/main" xmlns="" id="{09D3F5CF-B59E-4D6D-B843-9B98FBC3A18A}"/>
                 </a:ext>
               </a:extLst>
             </p:cNvPr>
@@ -10466,7 +10560,7 @@
             <p:cNvPr id="50" name="直接箭头连接符 49">
               <a:extLst>
                 <a:ext uri="{FF2B5EF4-FFF2-40B4-BE49-F238E27FC236}">
-                  <a16:creationId xmlns="" xmlns:a16="http://schemas.microsoft.com/office/drawing/2014/main" id="{3E159BB4-B276-4D87-8FC2-CA2E517589CC}"/>
+                  <a16:creationId xmlns:a16="http://schemas.microsoft.com/office/drawing/2014/main" xmlns="" id="{3E159BB4-B276-4D87-8FC2-CA2E517589CC}"/>
                 </a:ext>
               </a:extLst>
             </p:cNvPr>
@@ -10508,7 +10602,7 @@
             <p:cNvPr id="51" name="流程图: 过程 50">
               <a:extLst>
                 <a:ext uri="{FF2B5EF4-FFF2-40B4-BE49-F238E27FC236}">
-                  <a16:creationId xmlns="" xmlns:a16="http://schemas.microsoft.com/office/drawing/2014/main" id="{237F87A4-C6BA-48FF-97F6-D55F2D8B0B31}"/>
+                  <a16:creationId xmlns:a16="http://schemas.microsoft.com/office/drawing/2014/main" xmlns="" id="{237F87A4-C6BA-48FF-97F6-D55F2D8B0B31}"/>
                 </a:ext>
               </a:extLst>
             </p:cNvPr>
@@ -10589,7 +10683,7 @@
             <p:cNvPr id="52" name="直接箭头连接符 51">
               <a:extLst>
                 <a:ext uri="{FF2B5EF4-FFF2-40B4-BE49-F238E27FC236}">
-                  <a16:creationId xmlns="" xmlns:a16="http://schemas.microsoft.com/office/drawing/2014/main" id="{22ECF350-4564-49DC-98CD-F8825053E871}"/>
+                  <a16:creationId xmlns:a16="http://schemas.microsoft.com/office/drawing/2014/main" xmlns="" id="{22ECF350-4564-49DC-98CD-F8825053E871}"/>
                 </a:ext>
               </a:extLst>
             </p:cNvPr>
@@ -10632,7 +10726,7 @@
           <p:cNvPr id="61" name="文本框 60">
             <a:extLst>
               <a:ext uri="{FF2B5EF4-FFF2-40B4-BE49-F238E27FC236}">
-                <a16:creationId xmlns="" xmlns:a16="http://schemas.microsoft.com/office/drawing/2014/main" id="{F21A5795-F290-4143-B443-28B09DE65C16}"/>
+                <a16:creationId xmlns:a16="http://schemas.microsoft.com/office/drawing/2014/main" xmlns="" id="{F21A5795-F290-4143-B443-28B09DE65C16}"/>
               </a:ext>
             </a:extLst>
           </p:cNvPr>
@@ -11323,6 +11417,1388 @@
           </a:p>
         </p:txBody>
       </p:sp>
+      <p:graphicFrame>
+        <p:nvGraphicFramePr>
+          <p:cNvPr id="4" name="表格 3"/>
+          <p:cNvGraphicFramePr>
+            <a:graphicFrameLocks noGrp="1"/>
+          </p:cNvGraphicFramePr>
+          <p:nvPr>
+            <p:extLst>
+              <p:ext uri="{D42A27DB-BD31-4B8C-83A1-F6EECF244321}">
+                <p14:modId xmlns:p14="http://schemas.microsoft.com/office/powerpoint/2010/main" val="3328618083"/>
+              </p:ext>
+            </p:extLst>
+          </p:nvPr>
+        </p:nvGraphicFramePr>
+        <p:xfrm>
+          <a:off x="304801" y="2284105"/>
+          <a:ext cx="8319245" cy="1828800"/>
+        </p:xfrm>
+        <a:graphic>
+          <a:graphicData uri="http://schemas.openxmlformats.org/drawingml/2006/table">
+            <a:tbl>
+              <a:tblPr firstRow="1" firstCol="1" bandRow="1"/>
+              <a:tblGrid>
+                <a:gridCol w="1608562"/>
+                <a:gridCol w="1562486"/>
+                <a:gridCol w="1746781"/>
+                <a:gridCol w="1627591"/>
+                <a:gridCol w="1773825"/>
+              </a:tblGrid>
+              <a:tr h="0">
+                <a:tc>
+                  <a:txBody>
+                    <a:bodyPr/>
+                    <a:lstStyle/>
+                    <a:p>
+                      <a:pPr algn="ctr">
+                        <a:lnSpc>
+                          <a:spcPct val="120000"/>
+                        </a:lnSpc>
+                        <a:spcAft>
+                          <a:spcPts val="0"/>
+                        </a:spcAft>
+                      </a:pPr>
+                      <a:r>
+                        <a:rPr lang="zh-CN" sz="2000" kern="100" dirty="0">
+                          <a:effectLst/>
+                          <a:latin typeface="Times New Roman" panose="02020603050405020304" pitchFamily="18" charset="0"/>
+                          <a:ea typeface="宋体" panose="02010600030101010101" pitchFamily="2" charset="-122"/>
+                          <a:cs typeface="Times New Roman" panose="02020603050405020304" pitchFamily="18" charset="0"/>
+                        </a:rPr>
+                        <a:t>不良类别</a:t>
+                      </a:r>
+                    </a:p>
+                  </a:txBody>
+                  <a:tcPr marL="68580" marR="68580" marT="0" marB="0">
+                    <a:lnL>
+                      <a:noFill/>
+                    </a:lnL>
+                    <a:lnR>
+                      <a:noFill/>
+                    </a:lnR>
+                    <a:lnT w="12700" cap="flat" cmpd="sng" algn="ctr">
+                      <a:solidFill>
+                        <a:srgbClr val="000000"/>
+                      </a:solidFill>
+                      <a:prstDash val="solid"/>
+                      <a:round/>
+                      <a:headEnd type="none" w="med" len="med"/>
+                      <a:tailEnd type="none" w="med" len="med"/>
+                    </a:lnT>
+                    <a:lnB w="12700" cap="flat" cmpd="sng" algn="ctr">
+                      <a:solidFill>
+                        <a:srgbClr val="000000"/>
+                      </a:solidFill>
+                      <a:prstDash val="solid"/>
+                      <a:round/>
+                      <a:headEnd type="none" w="med" len="med"/>
+                      <a:tailEnd type="none" w="med" len="med"/>
+                    </a:lnB>
+                  </a:tcPr>
+                </a:tc>
+                <a:tc>
+                  <a:txBody>
+                    <a:bodyPr/>
+                    <a:lstStyle/>
+                    <a:p>
+                      <a:pPr algn="ctr">
+                        <a:lnSpc>
+                          <a:spcPct val="120000"/>
+                        </a:lnSpc>
+                        <a:spcAft>
+                          <a:spcPts val="0"/>
+                        </a:spcAft>
+                      </a:pPr>
+                      <a:r>
+                        <a:rPr lang="zh-CN" sz="2000" kern="100" dirty="0">
+                          <a:effectLst/>
+                          <a:latin typeface="Times New Roman" panose="02020603050405020304" pitchFamily="18" charset="0"/>
+                          <a:ea typeface="宋体" panose="02010600030101010101" pitchFamily="2" charset="-122"/>
+                          <a:cs typeface="Times New Roman" panose="02020603050405020304" pitchFamily="18" charset="0"/>
+                        </a:rPr>
+                        <a:t>精确率</a:t>
+                      </a:r>
+                    </a:p>
+                  </a:txBody>
+                  <a:tcPr marL="68580" marR="68580" marT="0" marB="0">
+                    <a:lnL>
+                      <a:noFill/>
+                    </a:lnL>
+                    <a:lnR>
+                      <a:noFill/>
+                    </a:lnR>
+                    <a:lnT w="12700" cap="flat" cmpd="sng" algn="ctr">
+                      <a:solidFill>
+                        <a:srgbClr val="000000"/>
+                      </a:solidFill>
+                      <a:prstDash val="solid"/>
+                      <a:round/>
+                      <a:headEnd type="none" w="med" len="med"/>
+                      <a:tailEnd type="none" w="med" len="med"/>
+                    </a:lnT>
+                    <a:lnB w="12700" cap="flat" cmpd="sng" algn="ctr">
+                      <a:solidFill>
+                        <a:srgbClr val="000000"/>
+                      </a:solidFill>
+                      <a:prstDash val="solid"/>
+                      <a:round/>
+                      <a:headEnd type="none" w="med" len="med"/>
+                      <a:tailEnd type="none" w="med" len="med"/>
+                    </a:lnB>
+                  </a:tcPr>
+                </a:tc>
+                <a:tc>
+                  <a:txBody>
+                    <a:bodyPr/>
+                    <a:lstStyle/>
+                    <a:p>
+                      <a:pPr algn="ctr">
+                        <a:lnSpc>
+                          <a:spcPct val="120000"/>
+                        </a:lnSpc>
+                        <a:spcAft>
+                          <a:spcPts val="0"/>
+                        </a:spcAft>
+                      </a:pPr>
+                      <a:r>
+                        <a:rPr lang="zh-CN" sz="2000" kern="100" dirty="0">
+                          <a:effectLst/>
+                          <a:latin typeface="Times New Roman" panose="02020603050405020304" pitchFamily="18" charset="0"/>
+                          <a:ea typeface="宋体" panose="02010600030101010101" pitchFamily="2" charset="-122"/>
+                          <a:cs typeface="Times New Roman" panose="02020603050405020304" pitchFamily="18" charset="0"/>
+                        </a:rPr>
+                        <a:t>召回率</a:t>
+                      </a:r>
+                      <a:r>
+                        <a:rPr lang="en-US" sz="2000" kern="100" dirty="0">
+                          <a:effectLst/>
+                          <a:latin typeface="Times New Roman" panose="02020603050405020304" pitchFamily="18" charset="0"/>
+                          <a:ea typeface="宋体" panose="02010600030101010101" pitchFamily="2" charset="-122"/>
+                          <a:cs typeface="Times New Roman" panose="02020603050405020304" pitchFamily="18" charset="0"/>
+                        </a:rPr>
+                        <a:t>/</a:t>
+                      </a:r>
+                      <a:r>
+                        <a:rPr lang="zh-CN" sz="2000" kern="100" dirty="0">
+                          <a:effectLst/>
+                          <a:latin typeface="Times New Roman" panose="02020603050405020304" pitchFamily="18" charset="0"/>
+                          <a:ea typeface="宋体" panose="02010600030101010101" pitchFamily="2" charset="-122"/>
+                          <a:cs typeface="Times New Roman" panose="02020603050405020304" pitchFamily="18" charset="0"/>
+                        </a:rPr>
+                        <a:t>检出率</a:t>
+                      </a:r>
+                    </a:p>
+                  </a:txBody>
+                  <a:tcPr marL="68580" marR="68580" marT="0" marB="0">
+                    <a:lnL>
+                      <a:noFill/>
+                    </a:lnL>
+                    <a:lnR>
+                      <a:noFill/>
+                    </a:lnR>
+                    <a:lnT w="12700" cap="flat" cmpd="sng" algn="ctr">
+                      <a:solidFill>
+                        <a:srgbClr val="000000"/>
+                      </a:solidFill>
+                      <a:prstDash val="solid"/>
+                      <a:round/>
+                      <a:headEnd type="none" w="med" len="med"/>
+                      <a:tailEnd type="none" w="med" len="med"/>
+                    </a:lnT>
+                    <a:lnB w="12700" cap="flat" cmpd="sng" algn="ctr">
+                      <a:solidFill>
+                        <a:srgbClr val="000000"/>
+                      </a:solidFill>
+                      <a:prstDash val="solid"/>
+                      <a:round/>
+                      <a:headEnd type="none" w="med" len="med"/>
+                      <a:tailEnd type="none" w="med" len="med"/>
+                    </a:lnB>
+                  </a:tcPr>
+                </a:tc>
+                <a:tc>
+                  <a:txBody>
+                    <a:bodyPr/>
+                    <a:lstStyle/>
+                    <a:p>
+                      <a:pPr algn="ctr">
+                        <a:lnSpc>
+                          <a:spcPct val="120000"/>
+                        </a:lnSpc>
+                        <a:spcAft>
+                          <a:spcPts val="0"/>
+                        </a:spcAft>
+                      </a:pPr>
+                      <a:r>
+                        <a:rPr lang="en-US" sz="2000" kern="100" dirty="0">
+                          <a:effectLst/>
+                          <a:latin typeface="Times New Roman" panose="02020603050405020304" pitchFamily="18" charset="0"/>
+                          <a:ea typeface="宋体" panose="02010600030101010101" pitchFamily="2" charset="-122"/>
+                          <a:cs typeface="Times New Roman" panose="02020603050405020304" pitchFamily="18" charset="0"/>
+                        </a:rPr>
+                        <a:t>F1</a:t>
+                      </a:r>
+                      <a:endParaRPr lang="zh-CN" sz="2000" kern="100" dirty="0">
+                        <a:effectLst/>
+                        <a:latin typeface="Times New Roman" panose="02020603050405020304" pitchFamily="18" charset="0"/>
+                        <a:ea typeface="宋体" panose="02010600030101010101" pitchFamily="2" charset="-122"/>
+                        <a:cs typeface="Times New Roman" panose="02020603050405020304" pitchFamily="18" charset="0"/>
+                      </a:endParaRPr>
+                    </a:p>
+                  </a:txBody>
+                  <a:tcPr marL="68580" marR="68580" marT="0" marB="0">
+                    <a:lnL>
+                      <a:noFill/>
+                    </a:lnL>
+                    <a:lnR>
+                      <a:noFill/>
+                    </a:lnR>
+                    <a:lnT w="12700" cap="flat" cmpd="sng" algn="ctr">
+                      <a:solidFill>
+                        <a:srgbClr val="000000"/>
+                      </a:solidFill>
+                      <a:prstDash val="solid"/>
+                      <a:round/>
+                      <a:headEnd type="none" w="med" len="med"/>
+                      <a:tailEnd type="none" w="med" len="med"/>
+                    </a:lnT>
+                    <a:lnB w="12700" cap="flat" cmpd="sng" algn="ctr">
+                      <a:solidFill>
+                        <a:srgbClr val="000000"/>
+                      </a:solidFill>
+                      <a:prstDash val="solid"/>
+                      <a:round/>
+                      <a:headEnd type="none" w="med" len="med"/>
+                      <a:tailEnd type="none" w="med" len="med"/>
+                    </a:lnB>
+                  </a:tcPr>
+                </a:tc>
+                <a:tc>
+                  <a:txBody>
+                    <a:bodyPr/>
+                    <a:lstStyle/>
+                    <a:p>
+                      <a:pPr algn="ctr">
+                        <a:lnSpc>
+                          <a:spcPct val="120000"/>
+                        </a:lnSpc>
+                        <a:spcAft>
+                          <a:spcPts val="0"/>
+                        </a:spcAft>
+                      </a:pPr>
+                      <a:r>
+                        <a:rPr lang="zh-CN" sz="2000" kern="100">
+                          <a:effectLst/>
+                          <a:latin typeface="Times New Roman" panose="02020603050405020304" pitchFamily="18" charset="0"/>
+                          <a:ea typeface="宋体" panose="02010600030101010101" pitchFamily="2" charset="-122"/>
+                          <a:cs typeface="Times New Roman" panose="02020603050405020304" pitchFamily="18" charset="0"/>
+                        </a:rPr>
+                        <a:t>误检率</a:t>
+                      </a:r>
+                    </a:p>
+                  </a:txBody>
+                  <a:tcPr marL="68580" marR="68580" marT="0" marB="0">
+                    <a:lnL>
+                      <a:noFill/>
+                    </a:lnL>
+                    <a:lnR>
+                      <a:noFill/>
+                    </a:lnR>
+                    <a:lnT w="12700" cap="flat" cmpd="sng" algn="ctr">
+                      <a:solidFill>
+                        <a:srgbClr val="000000"/>
+                      </a:solidFill>
+                      <a:prstDash val="solid"/>
+                      <a:round/>
+                      <a:headEnd type="none" w="med" len="med"/>
+                      <a:tailEnd type="none" w="med" len="med"/>
+                    </a:lnT>
+                    <a:lnB w="12700" cap="flat" cmpd="sng" algn="ctr">
+                      <a:solidFill>
+                        <a:srgbClr val="000000"/>
+                      </a:solidFill>
+                      <a:prstDash val="solid"/>
+                      <a:round/>
+                      <a:headEnd type="none" w="med" len="med"/>
+                      <a:tailEnd type="none" w="med" len="med"/>
+                    </a:lnB>
+                  </a:tcPr>
+                </a:tc>
+              </a:tr>
+              <a:tr h="0">
+                <a:tc>
+                  <a:txBody>
+                    <a:bodyPr/>
+                    <a:lstStyle/>
+                    <a:p>
+                      <a:pPr algn="ctr">
+                        <a:lnSpc>
+                          <a:spcPct val="120000"/>
+                        </a:lnSpc>
+                        <a:spcAft>
+                          <a:spcPts val="0"/>
+                        </a:spcAft>
+                      </a:pPr>
+                      <a:r>
+                        <a:rPr lang="zh-CN" sz="2000" kern="100" dirty="0">
+                          <a:effectLst/>
+                          <a:latin typeface="Times New Roman" panose="02020603050405020304" pitchFamily="18" charset="0"/>
+                          <a:ea typeface="宋体" panose="02010600030101010101" pitchFamily="2" charset="-122"/>
+                          <a:cs typeface="Times New Roman" panose="02020603050405020304" pitchFamily="18" charset="0"/>
+                        </a:rPr>
+                        <a:t>工件缺失</a:t>
+                      </a:r>
+                    </a:p>
+                  </a:txBody>
+                  <a:tcPr marL="68580" marR="68580" marT="0" marB="0">
+                    <a:lnL>
+                      <a:noFill/>
+                    </a:lnL>
+                    <a:lnR>
+                      <a:noFill/>
+                    </a:lnR>
+                    <a:lnT w="12700" cap="flat" cmpd="sng" algn="ctr">
+                      <a:solidFill>
+                        <a:srgbClr val="000000"/>
+                      </a:solidFill>
+                      <a:prstDash val="solid"/>
+                      <a:round/>
+                      <a:headEnd type="none" w="med" len="med"/>
+                      <a:tailEnd type="none" w="med" len="med"/>
+                    </a:lnT>
+                    <a:lnB>
+                      <a:noFill/>
+                    </a:lnB>
+                  </a:tcPr>
+                </a:tc>
+                <a:tc>
+                  <a:txBody>
+                    <a:bodyPr/>
+                    <a:lstStyle/>
+                    <a:p>
+                      <a:pPr algn="ctr">
+                        <a:lnSpc>
+                          <a:spcPct val="120000"/>
+                        </a:lnSpc>
+                        <a:spcAft>
+                          <a:spcPts val="0"/>
+                        </a:spcAft>
+                      </a:pPr>
+                      <a:r>
+                        <a:rPr lang="en-US" sz="2000" kern="100" dirty="0">
+                          <a:effectLst/>
+                          <a:latin typeface="Times New Roman" panose="02020603050405020304" pitchFamily="18" charset="0"/>
+                          <a:ea typeface="宋体" panose="02010600030101010101" pitchFamily="2" charset="-122"/>
+                          <a:cs typeface="Times New Roman" panose="02020603050405020304" pitchFamily="18" charset="0"/>
+                        </a:rPr>
+                        <a:t>100%</a:t>
+                      </a:r>
+                      <a:endParaRPr lang="zh-CN" sz="2000" kern="100" dirty="0">
+                        <a:effectLst/>
+                        <a:latin typeface="Times New Roman" panose="02020603050405020304" pitchFamily="18" charset="0"/>
+                        <a:ea typeface="宋体" panose="02010600030101010101" pitchFamily="2" charset="-122"/>
+                        <a:cs typeface="Times New Roman" panose="02020603050405020304" pitchFamily="18" charset="0"/>
+                      </a:endParaRPr>
+                    </a:p>
+                  </a:txBody>
+                  <a:tcPr marL="68580" marR="68580" marT="0" marB="0">
+                    <a:lnL>
+                      <a:noFill/>
+                    </a:lnL>
+                    <a:lnR>
+                      <a:noFill/>
+                    </a:lnR>
+                    <a:lnT w="12700" cap="flat" cmpd="sng" algn="ctr">
+                      <a:solidFill>
+                        <a:srgbClr val="000000"/>
+                      </a:solidFill>
+                      <a:prstDash val="solid"/>
+                      <a:round/>
+                      <a:headEnd type="none" w="med" len="med"/>
+                      <a:tailEnd type="none" w="med" len="med"/>
+                    </a:lnT>
+                    <a:lnB>
+                      <a:noFill/>
+                    </a:lnB>
+                  </a:tcPr>
+                </a:tc>
+                <a:tc>
+                  <a:txBody>
+                    <a:bodyPr/>
+                    <a:lstStyle/>
+                    <a:p>
+                      <a:pPr algn="ctr">
+                        <a:lnSpc>
+                          <a:spcPct val="120000"/>
+                        </a:lnSpc>
+                        <a:spcAft>
+                          <a:spcPts val="0"/>
+                        </a:spcAft>
+                      </a:pPr>
+                      <a:r>
+                        <a:rPr lang="en-US" sz="2000" kern="100">
+                          <a:effectLst/>
+                          <a:latin typeface="Times New Roman" panose="02020603050405020304" pitchFamily="18" charset="0"/>
+                          <a:ea typeface="宋体" panose="02010600030101010101" pitchFamily="2" charset="-122"/>
+                          <a:cs typeface="Times New Roman" panose="02020603050405020304" pitchFamily="18" charset="0"/>
+                        </a:rPr>
+                        <a:t>100%</a:t>
+                      </a:r>
+                      <a:endParaRPr lang="zh-CN" sz="2000" kern="100">
+                        <a:effectLst/>
+                        <a:latin typeface="Times New Roman" panose="02020603050405020304" pitchFamily="18" charset="0"/>
+                        <a:ea typeface="宋体" panose="02010600030101010101" pitchFamily="2" charset="-122"/>
+                        <a:cs typeface="Times New Roman" panose="02020603050405020304" pitchFamily="18" charset="0"/>
+                      </a:endParaRPr>
+                    </a:p>
+                  </a:txBody>
+                  <a:tcPr marL="68580" marR="68580" marT="0" marB="0">
+                    <a:lnL>
+                      <a:noFill/>
+                    </a:lnL>
+                    <a:lnR>
+                      <a:noFill/>
+                    </a:lnR>
+                    <a:lnT w="12700" cap="flat" cmpd="sng" algn="ctr">
+                      <a:solidFill>
+                        <a:srgbClr val="000000"/>
+                      </a:solidFill>
+                      <a:prstDash val="solid"/>
+                      <a:round/>
+                      <a:headEnd type="none" w="med" len="med"/>
+                      <a:tailEnd type="none" w="med" len="med"/>
+                    </a:lnT>
+                    <a:lnB>
+                      <a:noFill/>
+                    </a:lnB>
+                  </a:tcPr>
+                </a:tc>
+                <a:tc>
+                  <a:txBody>
+                    <a:bodyPr/>
+                    <a:lstStyle/>
+                    <a:p>
+                      <a:pPr algn="ctr">
+                        <a:lnSpc>
+                          <a:spcPct val="120000"/>
+                        </a:lnSpc>
+                        <a:spcAft>
+                          <a:spcPts val="0"/>
+                        </a:spcAft>
+                      </a:pPr>
+                      <a:r>
+                        <a:rPr lang="en-US" sz="2000" kern="100" dirty="0">
+                          <a:effectLst/>
+                          <a:latin typeface="Times New Roman" panose="02020603050405020304" pitchFamily="18" charset="0"/>
+                          <a:ea typeface="宋体" panose="02010600030101010101" pitchFamily="2" charset="-122"/>
+                          <a:cs typeface="Times New Roman" panose="02020603050405020304" pitchFamily="18" charset="0"/>
+                        </a:rPr>
+                        <a:t>100%</a:t>
+                      </a:r>
+                      <a:endParaRPr lang="zh-CN" sz="2000" kern="100" dirty="0">
+                        <a:effectLst/>
+                        <a:latin typeface="Times New Roman" panose="02020603050405020304" pitchFamily="18" charset="0"/>
+                        <a:ea typeface="宋体" panose="02010600030101010101" pitchFamily="2" charset="-122"/>
+                        <a:cs typeface="Times New Roman" panose="02020603050405020304" pitchFamily="18" charset="0"/>
+                      </a:endParaRPr>
+                    </a:p>
+                  </a:txBody>
+                  <a:tcPr marL="68580" marR="68580" marT="0" marB="0">
+                    <a:lnL>
+                      <a:noFill/>
+                    </a:lnL>
+                    <a:lnR>
+                      <a:noFill/>
+                    </a:lnR>
+                    <a:lnT w="12700" cap="flat" cmpd="sng" algn="ctr">
+                      <a:solidFill>
+                        <a:srgbClr val="000000"/>
+                      </a:solidFill>
+                      <a:prstDash val="solid"/>
+                      <a:round/>
+                      <a:headEnd type="none" w="med" len="med"/>
+                      <a:tailEnd type="none" w="med" len="med"/>
+                    </a:lnT>
+                    <a:lnB>
+                      <a:noFill/>
+                    </a:lnB>
+                  </a:tcPr>
+                </a:tc>
+                <a:tc>
+                  <a:txBody>
+                    <a:bodyPr/>
+                    <a:lstStyle/>
+                    <a:p>
+                      <a:pPr algn="ctr">
+                        <a:lnSpc>
+                          <a:spcPct val="120000"/>
+                        </a:lnSpc>
+                        <a:spcAft>
+                          <a:spcPts val="0"/>
+                        </a:spcAft>
+                      </a:pPr>
+                      <a:r>
+                        <a:rPr lang="en-US" sz="2000" kern="100">
+                          <a:effectLst/>
+                          <a:latin typeface="Times New Roman" panose="02020603050405020304" pitchFamily="18" charset="0"/>
+                          <a:ea typeface="宋体" panose="02010600030101010101" pitchFamily="2" charset="-122"/>
+                          <a:cs typeface="Times New Roman" panose="02020603050405020304" pitchFamily="18" charset="0"/>
+                        </a:rPr>
+                        <a:t>0%</a:t>
+                      </a:r>
+                      <a:endParaRPr lang="zh-CN" sz="2000" kern="100">
+                        <a:effectLst/>
+                        <a:latin typeface="Times New Roman" panose="02020603050405020304" pitchFamily="18" charset="0"/>
+                        <a:ea typeface="宋体" panose="02010600030101010101" pitchFamily="2" charset="-122"/>
+                        <a:cs typeface="Times New Roman" panose="02020603050405020304" pitchFamily="18" charset="0"/>
+                      </a:endParaRPr>
+                    </a:p>
+                  </a:txBody>
+                  <a:tcPr marL="68580" marR="68580" marT="0" marB="0">
+                    <a:lnL>
+                      <a:noFill/>
+                    </a:lnL>
+                    <a:lnR>
+                      <a:noFill/>
+                    </a:lnR>
+                    <a:lnT w="12700" cap="flat" cmpd="sng" algn="ctr">
+                      <a:solidFill>
+                        <a:srgbClr val="000000"/>
+                      </a:solidFill>
+                      <a:prstDash val="solid"/>
+                      <a:round/>
+                      <a:headEnd type="none" w="med" len="med"/>
+                      <a:tailEnd type="none" w="med" len="med"/>
+                    </a:lnT>
+                    <a:lnB>
+                      <a:noFill/>
+                    </a:lnB>
+                  </a:tcPr>
+                </a:tc>
+              </a:tr>
+              <a:tr h="0">
+                <a:tc>
+                  <a:txBody>
+                    <a:bodyPr/>
+                    <a:lstStyle/>
+                    <a:p>
+                      <a:pPr algn="ctr">
+                        <a:lnSpc>
+                          <a:spcPct val="120000"/>
+                        </a:lnSpc>
+                        <a:spcAft>
+                          <a:spcPts val="0"/>
+                        </a:spcAft>
+                      </a:pPr>
+                      <a:r>
+                        <a:rPr lang="zh-CN" sz="2000" kern="100">
+                          <a:effectLst/>
+                          <a:latin typeface="Times New Roman" panose="02020603050405020304" pitchFamily="18" charset="0"/>
+                          <a:ea typeface="宋体" panose="02010600030101010101" pitchFamily="2" charset="-122"/>
+                          <a:cs typeface="Times New Roman" panose="02020603050405020304" pitchFamily="18" charset="0"/>
+                        </a:rPr>
+                        <a:t>棉芯缺失</a:t>
+                      </a:r>
+                    </a:p>
+                  </a:txBody>
+                  <a:tcPr marL="68580" marR="68580" marT="0" marB="0">
+                    <a:lnL>
+                      <a:noFill/>
+                    </a:lnL>
+                    <a:lnR>
+                      <a:noFill/>
+                    </a:lnR>
+                    <a:lnT>
+                      <a:noFill/>
+                    </a:lnT>
+                    <a:lnB>
+                      <a:noFill/>
+                    </a:lnB>
+                  </a:tcPr>
+                </a:tc>
+                <a:tc>
+                  <a:txBody>
+                    <a:bodyPr/>
+                    <a:lstStyle/>
+                    <a:p>
+                      <a:pPr algn="ctr">
+                        <a:lnSpc>
+                          <a:spcPct val="120000"/>
+                        </a:lnSpc>
+                        <a:spcAft>
+                          <a:spcPts val="0"/>
+                        </a:spcAft>
+                      </a:pPr>
+                      <a:r>
+                        <a:rPr lang="en-US" sz="2000" kern="100" dirty="0">
+                          <a:effectLst/>
+                          <a:latin typeface="Times New Roman" panose="02020603050405020304" pitchFamily="18" charset="0"/>
+                          <a:ea typeface="宋体" panose="02010600030101010101" pitchFamily="2" charset="-122"/>
+                          <a:cs typeface="Times New Roman" panose="02020603050405020304" pitchFamily="18" charset="0"/>
+                        </a:rPr>
+                        <a:t>100%</a:t>
+                      </a:r>
+                      <a:endParaRPr lang="zh-CN" sz="2000" kern="100" dirty="0">
+                        <a:effectLst/>
+                        <a:latin typeface="Times New Roman" panose="02020603050405020304" pitchFamily="18" charset="0"/>
+                        <a:ea typeface="宋体" panose="02010600030101010101" pitchFamily="2" charset="-122"/>
+                        <a:cs typeface="Times New Roman" panose="02020603050405020304" pitchFamily="18" charset="0"/>
+                      </a:endParaRPr>
+                    </a:p>
+                  </a:txBody>
+                  <a:tcPr marL="68580" marR="68580" marT="0" marB="0">
+                    <a:lnL>
+                      <a:noFill/>
+                    </a:lnL>
+                    <a:lnR>
+                      <a:noFill/>
+                    </a:lnR>
+                    <a:lnT>
+                      <a:noFill/>
+                    </a:lnT>
+                    <a:lnB>
+                      <a:noFill/>
+                    </a:lnB>
+                  </a:tcPr>
+                </a:tc>
+                <a:tc>
+                  <a:txBody>
+                    <a:bodyPr/>
+                    <a:lstStyle/>
+                    <a:p>
+                      <a:pPr algn="ctr">
+                        <a:lnSpc>
+                          <a:spcPct val="120000"/>
+                        </a:lnSpc>
+                        <a:spcAft>
+                          <a:spcPts val="0"/>
+                        </a:spcAft>
+                      </a:pPr>
+                      <a:r>
+                        <a:rPr lang="en-US" sz="2000" kern="100" dirty="0">
+                          <a:effectLst/>
+                          <a:latin typeface="Times New Roman" panose="02020603050405020304" pitchFamily="18" charset="0"/>
+                          <a:ea typeface="宋体" panose="02010600030101010101" pitchFamily="2" charset="-122"/>
+                          <a:cs typeface="Times New Roman" panose="02020603050405020304" pitchFamily="18" charset="0"/>
+                        </a:rPr>
+                        <a:t>100%</a:t>
+                      </a:r>
+                      <a:endParaRPr lang="zh-CN" sz="2000" kern="100" dirty="0">
+                        <a:effectLst/>
+                        <a:latin typeface="Times New Roman" panose="02020603050405020304" pitchFamily="18" charset="0"/>
+                        <a:ea typeface="宋体" panose="02010600030101010101" pitchFamily="2" charset="-122"/>
+                        <a:cs typeface="Times New Roman" panose="02020603050405020304" pitchFamily="18" charset="0"/>
+                      </a:endParaRPr>
+                    </a:p>
+                  </a:txBody>
+                  <a:tcPr marL="68580" marR="68580" marT="0" marB="0">
+                    <a:lnL>
+                      <a:noFill/>
+                    </a:lnL>
+                    <a:lnR>
+                      <a:noFill/>
+                    </a:lnR>
+                    <a:lnT>
+                      <a:noFill/>
+                    </a:lnT>
+                    <a:lnB>
+                      <a:noFill/>
+                    </a:lnB>
+                  </a:tcPr>
+                </a:tc>
+                <a:tc>
+                  <a:txBody>
+                    <a:bodyPr/>
+                    <a:lstStyle/>
+                    <a:p>
+                      <a:pPr algn="ctr">
+                        <a:lnSpc>
+                          <a:spcPct val="120000"/>
+                        </a:lnSpc>
+                        <a:spcAft>
+                          <a:spcPts val="0"/>
+                        </a:spcAft>
+                      </a:pPr>
+                      <a:r>
+                        <a:rPr lang="en-US" sz="2000" kern="100" dirty="0">
+                          <a:effectLst/>
+                          <a:latin typeface="Times New Roman" panose="02020603050405020304" pitchFamily="18" charset="0"/>
+                          <a:ea typeface="宋体" panose="02010600030101010101" pitchFamily="2" charset="-122"/>
+                          <a:cs typeface="Times New Roman" panose="02020603050405020304" pitchFamily="18" charset="0"/>
+                        </a:rPr>
+                        <a:t>100%</a:t>
+                      </a:r>
+                      <a:endParaRPr lang="zh-CN" sz="2000" kern="100" dirty="0">
+                        <a:effectLst/>
+                        <a:latin typeface="Times New Roman" panose="02020603050405020304" pitchFamily="18" charset="0"/>
+                        <a:ea typeface="宋体" panose="02010600030101010101" pitchFamily="2" charset="-122"/>
+                        <a:cs typeface="Times New Roman" panose="02020603050405020304" pitchFamily="18" charset="0"/>
+                      </a:endParaRPr>
+                    </a:p>
+                  </a:txBody>
+                  <a:tcPr marL="68580" marR="68580" marT="0" marB="0">
+                    <a:lnL>
+                      <a:noFill/>
+                    </a:lnL>
+                    <a:lnR>
+                      <a:noFill/>
+                    </a:lnR>
+                    <a:lnT>
+                      <a:noFill/>
+                    </a:lnT>
+                    <a:lnB>
+                      <a:noFill/>
+                    </a:lnB>
+                  </a:tcPr>
+                </a:tc>
+                <a:tc>
+                  <a:txBody>
+                    <a:bodyPr/>
+                    <a:lstStyle/>
+                    <a:p>
+                      <a:pPr algn="ctr">
+                        <a:lnSpc>
+                          <a:spcPct val="120000"/>
+                        </a:lnSpc>
+                        <a:spcAft>
+                          <a:spcPts val="0"/>
+                        </a:spcAft>
+                      </a:pPr>
+                      <a:r>
+                        <a:rPr lang="en-US" sz="2000" kern="100" dirty="0">
+                          <a:effectLst/>
+                          <a:latin typeface="Times New Roman" panose="02020603050405020304" pitchFamily="18" charset="0"/>
+                          <a:ea typeface="宋体" panose="02010600030101010101" pitchFamily="2" charset="-122"/>
+                          <a:cs typeface="Times New Roman" panose="02020603050405020304" pitchFamily="18" charset="0"/>
+                        </a:rPr>
+                        <a:t>0%</a:t>
+                      </a:r>
+                      <a:endParaRPr lang="zh-CN" sz="2000" kern="100" dirty="0">
+                        <a:effectLst/>
+                        <a:latin typeface="Times New Roman" panose="02020603050405020304" pitchFamily="18" charset="0"/>
+                        <a:ea typeface="宋体" panose="02010600030101010101" pitchFamily="2" charset="-122"/>
+                        <a:cs typeface="Times New Roman" panose="02020603050405020304" pitchFamily="18" charset="0"/>
+                      </a:endParaRPr>
+                    </a:p>
+                  </a:txBody>
+                  <a:tcPr marL="68580" marR="68580" marT="0" marB="0">
+                    <a:lnL>
+                      <a:noFill/>
+                    </a:lnL>
+                    <a:lnR>
+                      <a:noFill/>
+                    </a:lnR>
+                    <a:lnT>
+                      <a:noFill/>
+                    </a:lnT>
+                    <a:lnB>
+                      <a:noFill/>
+                    </a:lnB>
+                  </a:tcPr>
+                </a:tc>
+              </a:tr>
+              <a:tr h="0">
+                <a:tc>
+                  <a:txBody>
+                    <a:bodyPr/>
+                    <a:lstStyle/>
+                    <a:p>
+                      <a:pPr algn="ctr">
+                        <a:lnSpc>
+                          <a:spcPct val="120000"/>
+                        </a:lnSpc>
+                        <a:spcAft>
+                          <a:spcPts val="0"/>
+                        </a:spcAft>
+                      </a:pPr>
+                      <a:r>
+                        <a:rPr lang="zh-CN" sz="2000" kern="100">
+                          <a:effectLst/>
+                          <a:latin typeface="Times New Roman" panose="02020603050405020304" pitchFamily="18" charset="0"/>
+                          <a:ea typeface="宋体" panose="02010600030101010101" pitchFamily="2" charset="-122"/>
+                          <a:cs typeface="Times New Roman" panose="02020603050405020304" pitchFamily="18" charset="0"/>
+                        </a:rPr>
+                        <a:t>金属片缺失</a:t>
+                      </a:r>
+                    </a:p>
+                  </a:txBody>
+                  <a:tcPr marL="68580" marR="68580" marT="0" marB="0">
+                    <a:lnL>
+                      <a:noFill/>
+                    </a:lnL>
+                    <a:lnR>
+                      <a:noFill/>
+                    </a:lnR>
+                    <a:lnT>
+                      <a:noFill/>
+                    </a:lnT>
+                    <a:lnB>
+                      <a:noFill/>
+                    </a:lnB>
+                  </a:tcPr>
+                </a:tc>
+                <a:tc>
+                  <a:txBody>
+                    <a:bodyPr/>
+                    <a:lstStyle/>
+                    <a:p>
+                      <a:pPr algn="ctr">
+                        <a:lnSpc>
+                          <a:spcPct val="120000"/>
+                        </a:lnSpc>
+                        <a:spcAft>
+                          <a:spcPts val="0"/>
+                        </a:spcAft>
+                      </a:pPr>
+                      <a:r>
+                        <a:rPr lang="en-US" sz="2000" kern="100">
+                          <a:effectLst/>
+                          <a:latin typeface="Times New Roman" panose="02020603050405020304" pitchFamily="18" charset="0"/>
+                          <a:ea typeface="宋体" panose="02010600030101010101" pitchFamily="2" charset="-122"/>
+                          <a:cs typeface="Times New Roman" panose="02020603050405020304" pitchFamily="18" charset="0"/>
+                        </a:rPr>
+                        <a:t>94.44%</a:t>
+                      </a:r>
+                      <a:endParaRPr lang="zh-CN" sz="2000" kern="100">
+                        <a:effectLst/>
+                        <a:latin typeface="Times New Roman" panose="02020603050405020304" pitchFamily="18" charset="0"/>
+                        <a:ea typeface="宋体" panose="02010600030101010101" pitchFamily="2" charset="-122"/>
+                        <a:cs typeface="Times New Roman" panose="02020603050405020304" pitchFamily="18" charset="0"/>
+                      </a:endParaRPr>
+                    </a:p>
+                  </a:txBody>
+                  <a:tcPr marL="68580" marR="68580" marT="0" marB="0">
+                    <a:lnL>
+                      <a:noFill/>
+                    </a:lnL>
+                    <a:lnR>
+                      <a:noFill/>
+                    </a:lnR>
+                    <a:lnT>
+                      <a:noFill/>
+                    </a:lnT>
+                    <a:lnB>
+                      <a:noFill/>
+                    </a:lnB>
+                  </a:tcPr>
+                </a:tc>
+                <a:tc>
+                  <a:txBody>
+                    <a:bodyPr/>
+                    <a:lstStyle/>
+                    <a:p>
+                      <a:pPr algn="ctr">
+                        <a:lnSpc>
+                          <a:spcPct val="120000"/>
+                        </a:lnSpc>
+                        <a:spcAft>
+                          <a:spcPts val="0"/>
+                        </a:spcAft>
+                      </a:pPr>
+                      <a:r>
+                        <a:rPr lang="en-US" sz="2000" kern="100" dirty="0">
+                          <a:effectLst/>
+                          <a:latin typeface="Times New Roman" panose="02020603050405020304" pitchFamily="18" charset="0"/>
+                          <a:ea typeface="宋体" panose="02010600030101010101" pitchFamily="2" charset="-122"/>
+                          <a:cs typeface="Times New Roman" panose="02020603050405020304" pitchFamily="18" charset="0"/>
+                        </a:rPr>
+                        <a:t>97.14%</a:t>
+                      </a:r>
+                      <a:endParaRPr lang="zh-CN" sz="2000" kern="100" dirty="0">
+                        <a:effectLst/>
+                        <a:latin typeface="Times New Roman" panose="02020603050405020304" pitchFamily="18" charset="0"/>
+                        <a:ea typeface="宋体" panose="02010600030101010101" pitchFamily="2" charset="-122"/>
+                        <a:cs typeface="Times New Roman" panose="02020603050405020304" pitchFamily="18" charset="0"/>
+                      </a:endParaRPr>
+                    </a:p>
+                  </a:txBody>
+                  <a:tcPr marL="68580" marR="68580" marT="0" marB="0">
+                    <a:lnL>
+                      <a:noFill/>
+                    </a:lnL>
+                    <a:lnR>
+                      <a:noFill/>
+                    </a:lnR>
+                    <a:lnT>
+                      <a:noFill/>
+                    </a:lnT>
+                    <a:lnB>
+                      <a:noFill/>
+                    </a:lnB>
+                  </a:tcPr>
+                </a:tc>
+                <a:tc>
+                  <a:txBody>
+                    <a:bodyPr/>
+                    <a:lstStyle/>
+                    <a:p>
+                      <a:pPr algn="ctr">
+                        <a:lnSpc>
+                          <a:spcPct val="120000"/>
+                        </a:lnSpc>
+                        <a:spcAft>
+                          <a:spcPts val="0"/>
+                        </a:spcAft>
+                      </a:pPr>
+                      <a:r>
+                        <a:rPr lang="en-US" sz="2000" kern="100">
+                          <a:effectLst/>
+                          <a:latin typeface="Times New Roman" panose="02020603050405020304" pitchFamily="18" charset="0"/>
+                          <a:ea typeface="宋体" panose="02010600030101010101" pitchFamily="2" charset="-122"/>
+                          <a:cs typeface="Times New Roman" panose="02020603050405020304" pitchFamily="18" charset="0"/>
+                        </a:rPr>
+                        <a:t>97.14%</a:t>
+                      </a:r>
+                      <a:endParaRPr lang="zh-CN" sz="2000" kern="100">
+                        <a:effectLst/>
+                        <a:latin typeface="Times New Roman" panose="02020603050405020304" pitchFamily="18" charset="0"/>
+                        <a:ea typeface="宋体" panose="02010600030101010101" pitchFamily="2" charset="-122"/>
+                        <a:cs typeface="Times New Roman" panose="02020603050405020304" pitchFamily="18" charset="0"/>
+                      </a:endParaRPr>
+                    </a:p>
+                  </a:txBody>
+                  <a:tcPr marL="68580" marR="68580" marT="0" marB="0">
+                    <a:lnL>
+                      <a:noFill/>
+                    </a:lnL>
+                    <a:lnR>
+                      <a:noFill/>
+                    </a:lnR>
+                    <a:lnT>
+                      <a:noFill/>
+                    </a:lnT>
+                    <a:lnB>
+                      <a:noFill/>
+                    </a:lnB>
+                  </a:tcPr>
+                </a:tc>
+                <a:tc>
+                  <a:txBody>
+                    <a:bodyPr/>
+                    <a:lstStyle/>
+                    <a:p>
+                      <a:pPr algn="ctr">
+                        <a:lnSpc>
+                          <a:spcPct val="120000"/>
+                        </a:lnSpc>
+                        <a:spcAft>
+                          <a:spcPts val="0"/>
+                        </a:spcAft>
+                      </a:pPr>
+                      <a:r>
+                        <a:rPr lang="en-US" sz="2000" kern="100" dirty="0">
+                          <a:effectLst/>
+                          <a:latin typeface="Times New Roman" panose="02020603050405020304" pitchFamily="18" charset="0"/>
+                          <a:ea typeface="宋体" panose="02010600030101010101" pitchFamily="2" charset="-122"/>
+                          <a:cs typeface="Times New Roman" panose="02020603050405020304" pitchFamily="18" charset="0"/>
+                        </a:rPr>
+                        <a:t>0.47%</a:t>
+                      </a:r>
+                      <a:endParaRPr lang="zh-CN" sz="2000" kern="100" dirty="0">
+                        <a:effectLst/>
+                        <a:latin typeface="Times New Roman" panose="02020603050405020304" pitchFamily="18" charset="0"/>
+                        <a:ea typeface="宋体" panose="02010600030101010101" pitchFamily="2" charset="-122"/>
+                        <a:cs typeface="Times New Roman" panose="02020603050405020304" pitchFamily="18" charset="0"/>
+                      </a:endParaRPr>
+                    </a:p>
+                  </a:txBody>
+                  <a:tcPr marL="68580" marR="68580" marT="0" marB="0">
+                    <a:lnL>
+                      <a:noFill/>
+                    </a:lnL>
+                    <a:lnR>
+                      <a:noFill/>
+                    </a:lnR>
+                    <a:lnT>
+                      <a:noFill/>
+                    </a:lnT>
+                    <a:lnB>
+                      <a:noFill/>
+                    </a:lnB>
+                  </a:tcPr>
+                </a:tc>
+              </a:tr>
+              <a:tr h="0">
+                <a:tc>
+                  <a:txBody>
+                    <a:bodyPr/>
+                    <a:lstStyle/>
+                    <a:p>
+                      <a:pPr algn="ctr">
+                        <a:lnSpc>
+                          <a:spcPct val="120000"/>
+                        </a:lnSpc>
+                        <a:spcAft>
+                          <a:spcPts val="0"/>
+                        </a:spcAft>
+                      </a:pPr>
+                      <a:r>
+                        <a:rPr lang="zh-CN" sz="2000" kern="100">
+                          <a:effectLst/>
+                          <a:latin typeface="Times New Roman" panose="02020603050405020304" pitchFamily="18" charset="0"/>
+                          <a:ea typeface="宋体" panose="02010600030101010101" pitchFamily="2" charset="-122"/>
+                          <a:cs typeface="Times New Roman" panose="02020603050405020304" pitchFamily="18" charset="0"/>
+                        </a:rPr>
+                        <a:t>金属丝异常</a:t>
+                      </a:r>
+                    </a:p>
+                  </a:txBody>
+                  <a:tcPr marL="68580" marR="68580" marT="0" marB="0">
+                    <a:lnL>
+                      <a:noFill/>
+                    </a:lnL>
+                    <a:lnR>
+                      <a:noFill/>
+                    </a:lnR>
+                    <a:lnT>
+                      <a:noFill/>
+                    </a:lnT>
+                    <a:lnB w="12700" cap="flat" cmpd="sng" algn="ctr">
+                      <a:solidFill>
+                        <a:srgbClr val="000000"/>
+                      </a:solidFill>
+                      <a:prstDash val="solid"/>
+                      <a:round/>
+                      <a:headEnd type="none" w="med" len="med"/>
+                      <a:tailEnd type="none" w="med" len="med"/>
+                    </a:lnB>
+                  </a:tcPr>
+                </a:tc>
+                <a:tc>
+                  <a:txBody>
+                    <a:bodyPr/>
+                    <a:lstStyle/>
+                    <a:p>
+                      <a:pPr algn="ctr">
+                        <a:lnSpc>
+                          <a:spcPct val="120000"/>
+                        </a:lnSpc>
+                        <a:spcAft>
+                          <a:spcPts val="0"/>
+                        </a:spcAft>
+                      </a:pPr>
+                      <a:r>
+                        <a:rPr lang="en-US" sz="2000" kern="100">
+                          <a:effectLst/>
+                          <a:latin typeface="Times New Roman" panose="02020603050405020304" pitchFamily="18" charset="0"/>
+                          <a:ea typeface="宋体" panose="02010600030101010101" pitchFamily="2" charset="-122"/>
+                          <a:cs typeface="Times New Roman" panose="02020603050405020304" pitchFamily="18" charset="0"/>
+                        </a:rPr>
+                        <a:t>100%</a:t>
+                      </a:r>
+                      <a:endParaRPr lang="zh-CN" sz="2000" kern="100">
+                        <a:effectLst/>
+                        <a:latin typeface="Times New Roman" panose="02020603050405020304" pitchFamily="18" charset="0"/>
+                        <a:ea typeface="宋体" panose="02010600030101010101" pitchFamily="2" charset="-122"/>
+                        <a:cs typeface="Times New Roman" panose="02020603050405020304" pitchFamily="18" charset="0"/>
+                      </a:endParaRPr>
+                    </a:p>
+                  </a:txBody>
+                  <a:tcPr marL="68580" marR="68580" marT="0" marB="0">
+                    <a:lnL>
+                      <a:noFill/>
+                    </a:lnL>
+                    <a:lnR>
+                      <a:noFill/>
+                    </a:lnR>
+                    <a:lnT>
+                      <a:noFill/>
+                    </a:lnT>
+                    <a:lnB w="12700" cap="flat" cmpd="sng" algn="ctr">
+                      <a:solidFill>
+                        <a:srgbClr val="000000"/>
+                      </a:solidFill>
+                      <a:prstDash val="solid"/>
+                      <a:round/>
+                      <a:headEnd type="none" w="med" len="med"/>
+                      <a:tailEnd type="none" w="med" len="med"/>
+                    </a:lnB>
+                  </a:tcPr>
+                </a:tc>
+                <a:tc>
+                  <a:txBody>
+                    <a:bodyPr/>
+                    <a:lstStyle/>
+                    <a:p>
+                      <a:pPr algn="ctr">
+                        <a:lnSpc>
+                          <a:spcPct val="120000"/>
+                        </a:lnSpc>
+                        <a:spcAft>
+                          <a:spcPts val="0"/>
+                        </a:spcAft>
+                      </a:pPr>
+                      <a:r>
+                        <a:rPr lang="en-US" sz="2000" kern="100" dirty="0">
+                          <a:effectLst/>
+                          <a:latin typeface="Times New Roman" panose="02020603050405020304" pitchFamily="18" charset="0"/>
+                          <a:ea typeface="宋体" panose="02010600030101010101" pitchFamily="2" charset="-122"/>
+                          <a:cs typeface="Times New Roman" panose="02020603050405020304" pitchFamily="18" charset="0"/>
+                        </a:rPr>
+                        <a:t>83.33%</a:t>
+                      </a:r>
+                      <a:endParaRPr lang="zh-CN" sz="2000" kern="100" dirty="0">
+                        <a:effectLst/>
+                        <a:latin typeface="Times New Roman" panose="02020603050405020304" pitchFamily="18" charset="0"/>
+                        <a:ea typeface="宋体" panose="02010600030101010101" pitchFamily="2" charset="-122"/>
+                        <a:cs typeface="Times New Roman" panose="02020603050405020304" pitchFamily="18" charset="0"/>
+                      </a:endParaRPr>
+                    </a:p>
+                  </a:txBody>
+                  <a:tcPr marL="68580" marR="68580" marT="0" marB="0">
+                    <a:lnL>
+                      <a:noFill/>
+                    </a:lnL>
+                    <a:lnR>
+                      <a:noFill/>
+                    </a:lnR>
+                    <a:lnT>
+                      <a:noFill/>
+                    </a:lnT>
+                    <a:lnB w="12700" cap="flat" cmpd="sng" algn="ctr">
+                      <a:solidFill>
+                        <a:srgbClr val="000000"/>
+                      </a:solidFill>
+                      <a:prstDash val="solid"/>
+                      <a:round/>
+                      <a:headEnd type="none" w="med" len="med"/>
+                      <a:tailEnd type="none" w="med" len="med"/>
+                    </a:lnB>
+                  </a:tcPr>
+                </a:tc>
+                <a:tc>
+                  <a:txBody>
+                    <a:bodyPr/>
+                    <a:lstStyle/>
+                    <a:p>
+                      <a:pPr algn="ctr">
+                        <a:lnSpc>
+                          <a:spcPct val="120000"/>
+                        </a:lnSpc>
+                        <a:spcAft>
+                          <a:spcPts val="0"/>
+                        </a:spcAft>
+                      </a:pPr>
+                      <a:r>
+                        <a:rPr lang="en-US" sz="2000" kern="100" dirty="0">
+                          <a:effectLst/>
+                          <a:latin typeface="Times New Roman" panose="02020603050405020304" pitchFamily="18" charset="0"/>
+                          <a:ea typeface="宋体" panose="02010600030101010101" pitchFamily="2" charset="-122"/>
+                          <a:cs typeface="Times New Roman" panose="02020603050405020304" pitchFamily="18" charset="0"/>
+                        </a:rPr>
+                        <a:t>90.91%</a:t>
+                      </a:r>
+                      <a:endParaRPr lang="zh-CN" sz="2000" kern="100" dirty="0">
+                        <a:effectLst/>
+                        <a:latin typeface="Times New Roman" panose="02020603050405020304" pitchFamily="18" charset="0"/>
+                        <a:ea typeface="宋体" panose="02010600030101010101" pitchFamily="2" charset="-122"/>
+                        <a:cs typeface="Times New Roman" panose="02020603050405020304" pitchFamily="18" charset="0"/>
+                      </a:endParaRPr>
+                    </a:p>
+                  </a:txBody>
+                  <a:tcPr marL="68580" marR="68580" marT="0" marB="0">
+                    <a:lnL>
+                      <a:noFill/>
+                    </a:lnL>
+                    <a:lnR>
+                      <a:noFill/>
+                    </a:lnR>
+                    <a:lnT>
+                      <a:noFill/>
+                    </a:lnT>
+                    <a:lnB w="12700" cap="flat" cmpd="sng" algn="ctr">
+                      <a:solidFill>
+                        <a:srgbClr val="000000"/>
+                      </a:solidFill>
+                      <a:prstDash val="solid"/>
+                      <a:round/>
+                      <a:headEnd type="none" w="med" len="med"/>
+                      <a:tailEnd type="none" w="med" len="med"/>
+                    </a:lnB>
+                  </a:tcPr>
+                </a:tc>
+                <a:tc>
+                  <a:txBody>
+                    <a:bodyPr/>
+                    <a:lstStyle/>
+                    <a:p>
+                      <a:pPr algn="ctr">
+                        <a:lnSpc>
+                          <a:spcPct val="120000"/>
+                        </a:lnSpc>
+                        <a:spcAft>
+                          <a:spcPts val="0"/>
+                        </a:spcAft>
+                      </a:pPr>
+                      <a:r>
+                        <a:rPr lang="en-US" sz="2000" kern="100" dirty="0">
+                          <a:effectLst/>
+                          <a:latin typeface="Times New Roman" panose="02020603050405020304" pitchFamily="18" charset="0"/>
+                          <a:ea typeface="宋体" panose="02010600030101010101" pitchFamily="2" charset="-122"/>
+                          <a:cs typeface="Times New Roman" panose="02020603050405020304" pitchFamily="18" charset="0"/>
+                        </a:rPr>
+                        <a:t>0%</a:t>
+                      </a:r>
+                      <a:endParaRPr lang="zh-CN" sz="2000" kern="100" dirty="0">
+                        <a:effectLst/>
+                        <a:latin typeface="Times New Roman" panose="02020603050405020304" pitchFamily="18" charset="0"/>
+                        <a:ea typeface="宋体" panose="02010600030101010101" pitchFamily="2" charset="-122"/>
+                        <a:cs typeface="Times New Roman" panose="02020603050405020304" pitchFamily="18" charset="0"/>
+                      </a:endParaRPr>
+                    </a:p>
+                  </a:txBody>
+                  <a:tcPr marL="68580" marR="68580" marT="0" marB="0">
+                    <a:lnL>
+                      <a:noFill/>
+                    </a:lnL>
+                    <a:lnR>
+                      <a:noFill/>
+                    </a:lnR>
+                    <a:lnT>
+                      <a:noFill/>
+                    </a:lnT>
+                    <a:lnB w="12700" cap="flat" cmpd="sng" algn="ctr">
+                      <a:solidFill>
+                        <a:srgbClr val="000000"/>
+                      </a:solidFill>
+                      <a:prstDash val="solid"/>
+                      <a:round/>
+                      <a:headEnd type="none" w="med" len="med"/>
+                      <a:tailEnd type="none" w="med" len="med"/>
+                    </a:lnB>
+                  </a:tcPr>
+                </a:tc>
+              </a:tr>
+            </a:tbl>
+          </a:graphicData>
+        </a:graphic>
+      </p:graphicFrame>
+      <p:sp>
+        <p:nvSpPr>
+          <p:cNvPr id="5" name="矩形 4"/>
+          <p:cNvSpPr/>
+          <p:nvPr/>
+        </p:nvSpPr>
+        <p:spPr>
+          <a:xfrm>
+            <a:off x="639848" y="4340647"/>
+            <a:ext cx="7733187" cy="1311128"/>
+          </a:xfrm>
+          <a:prstGeom prst="rect">
+            <a:avLst/>
+          </a:prstGeom>
+        </p:spPr>
+        <p:txBody>
+          <a:bodyPr wrap="square">
+            <a:spAutoFit/>
+          </a:bodyPr>
+          <a:lstStyle/>
+          <a:p>
+            <a:pPr algn="just">
+              <a:lnSpc>
+                <a:spcPct val="120000"/>
+              </a:lnSpc>
+              <a:spcAft>
+                <a:spcPts val="0"/>
+              </a:spcAft>
+            </a:pPr>
+            <a:r>
+              <a:rPr lang="zh-CN" altLang="zh-CN" sz="2200" kern="100" dirty="0">
+                <a:latin typeface="Times New Roman" panose="02020603050405020304" pitchFamily="18" charset="0"/>
+                <a:cs typeface="Times New Roman" panose="02020603050405020304" pitchFamily="18" charset="0"/>
+              </a:rPr>
+              <a:t>卷积神经网络算法的分类准确率和误检率都得到了提升，但是检出率会有一点降低。主要原因是卷积神经网络算法是平等的对待每一种类别。后续将对检出率做一些优化。</a:t>
+            </a:r>
+          </a:p>
+        </p:txBody>
+      </p:sp>
+      <p:sp>
+        <p:nvSpPr>
+          <p:cNvPr id="6" name="矩形 5"/>
+          <p:cNvSpPr/>
+          <p:nvPr/>
+        </p:nvSpPr>
+        <p:spPr>
+          <a:xfrm>
+            <a:off x="639847" y="1185071"/>
+            <a:ext cx="7733187" cy="869469"/>
+          </a:xfrm>
+          <a:prstGeom prst="rect">
+            <a:avLst/>
+          </a:prstGeom>
+        </p:spPr>
+        <p:txBody>
+          <a:bodyPr wrap="square">
+            <a:spAutoFit/>
+          </a:bodyPr>
+          <a:lstStyle/>
+          <a:p>
+            <a:pPr algn="just">
+              <a:lnSpc>
+                <a:spcPct val="120000"/>
+              </a:lnSpc>
+              <a:spcAft>
+                <a:spcPts val="0"/>
+              </a:spcAft>
+            </a:pPr>
+            <a:r>
+              <a:rPr lang="zh-CN" altLang="en-US" sz="2200" kern="100" dirty="0" smtClean="0">
+                <a:latin typeface="Times New Roman" panose="02020603050405020304" pitchFamily="18" charset="0"/>
+                <a:cs typeface="Times New Roman" panose="02020603050405020304" pitchFamily="18" charset="0"/>
+              </a:rPr>
+              <a:t>精确率是指，检测为该类别且检测正确的比率。</a:t>
+            </a:r>
+            <a:endParaRPr lang="en-US" altLang="zh-CN" sz="2200" kern="100" dirty="0" smtClean="0">
+              <a:latin typeface="Times New Roman" panose="02020603050405020304" pitchFamily="18" charset="0"/>
+              <a:cs typeface="Times New Roman" panose="02020603050405020304" pitchFamily="18" charset="0"/>
+            </a:endParaRPr>
+          </a:p>
+          <a:p>
+            <a:pPr algn="just">
+              <a:lnSpc>
+                <a:spcPct val="120000"/>
+              </a:lnSpc>
+              <a:spcAft>
+                <a:spcPts val="0"/>
+              </a:spcAft>
+            </a:pPr>
+            <a:r>
+              <a:rPr lang="en-US" altLang="zh-CN" sz="2200" kern="100" dirty="0" smtClean="0">
+                <a:latin typeface="Times New Roman" panose="02020603050405020304" pitchFamily="18" charset="0"/>
+                <a:cs typeface="Times New Roman" panose="02020603050405020304" pitchFamily="18" charset="0"/>
+              </a:rPr>
+              <a:t>F1</a:t>
+            </a:r>
+            <a:r>
+              <a:rPr lang="zh-CN" altLang="en-US" sz="2200" kern="100" dirty="0" smtClean="0">
+                <a:latin typeface="Times New Roman" panose="02020603050405020304" pitchFamily="18" charset="0"/>
+                <a:cs typeface="Times New Roman" panose="02020603050405020304" pitchFamily="18" charset="0"/>
+              </a:rPr>
+              <a:t>是精确率和召回率的</a:t>
+            </a:r>
+            <a:r>
+              <a:rPr lang="zh-CN" altLang="en-US" sz="2200" kern="100" dirty="0">
+                <a:latin typeface="Times New Roman" panose="02020603050405020304" pitchFamily="18" charset="0"/>
+                <a:cs typeface="Times New Roman" panose="02020603050405020304" pitchFamily="18" charset="0"/>
+              </a:rPr>
+              <a:t>综合</a:t>
+            </a:r>
+            <a:r>
+              <a:rPr lang="zh-CN" altLang="en-US" sz="2200" kern="100" dirty="0" smtClean="0">
+                <a:latin typeface="Times New Roman" panose="02020603050405020304" pitchFamily="18" charset="0"/>
+                <a:cs typeface="Times New Roman" panose="02020603050405020304" pitchFamily="18" charset="0"/>
+              </a:rPr>
+              <a:t>指标。</a:t>
+            </a:r>
+            <a:endParaRPr lang="zh-CN" altLang="zh-CN" sz="2200" kern="100" dirty="0">
+              <a:latin typeface="Times New Roman" panose="02020603050405020304" pitchFamily="18" charset="0"/>
+              <a:cs typeface="Times New Roman" panose="02020603050405020304" pitchFamily="18" charset="0"/>
+            </a:endParaRPr>
+          </a:p>
+        </p:txBody>
+      </p:sp>
     </p:spTree>
     <p:extLst>
       <p:ext uri="{BB962C8B-B14F-4D97-AF65-F5344CB8AC3E}">
@@ -11385,12 +12861,12 @@
       </p:sp>
       <p:pic>
         <p:nvPicPr>
-          <p:cNvPr id="3" name="图片 2"/>
+          <p:cNvPr id="5" name="图片 4"/>
           <p:cNvPicPr/>
           <p:nvPr/>
         </p:nvPicPr>
         <p:blipFill>
-          <a:blip r:embed="rId2" cstate="print">
+          <a:blip r:embed="rId2">
             <a:extLst>
               <a:ext uri="{28A0092B-C50C-407E-A947-70E740481C1C}">
                 <a14:useLocalDpi xmlns:a14="http://schemas.microsoft.com/office/drawing/2010/main" val="0"/>
@@ -11403,7 +12879,35 @@
         </p:blipFill>
         <p:spPr>
           <a:xfrm>
-            <a:off x="66817" y="2620874"/>
+            <a:off x="2657454" y="2589124"/>
+            <a:ext cx="3966547" cy="3848100"/>
+          </a:xfrm>
+          <a:prstGeom prst="rect">
+            <a:avLst/>
+          </a:prstGeom>
+        </p:spPr>
+      </p:pic>
+      <p:pic>
+        <p:nvPicPr>
+          <p:cNvPr id="3" name="图片 2"/>
+          <p:cNvPicPr/>
+          <p:nvPr/>
+        </p:nvPicPr>
+        <p:blipFill>
+          <a:blip r:embed="rId3" cstate="print">
+            <a:extLst>
+              <a:ext uri="{28A0092B-C50C-407E-A947-70E740481C1C}">
+                <a14:useLocalDpi xmlns:a14="http://schemas.microsoft.com/office/drawing/2010/main" val="0"/>
+              </a:ext>
+            </a:extLst>
+          </a:blip>
+          <a:stretch>
+            <a:fillRect/>
+          </a:stretch>
+        </p:blipFill>
+        <p:spPr>
+          <a:xfrm>
+            <a:off x="2120731" y="2557374"/>
             <a:ext cx="5039995" cy="3911600"/>
           </a:xfrm>
           <a:prstGeom prst="rect">
@@ -11661,34 +13165,6 @@
           </a:p>
         </p:txBody>
       </p:sp>
-      <p:pic>
-        <p:nvPicPr>
-          <p:cNvPr id="5" name="图片 4"/>
-          <p:cNvPicPr/>
-          <p:nvPr/>
-        </p:nvPicPr>
-        <p:blipFill>
-          <a:blip r:embed="rId3">
-            <a:extLst>
-              <a:ext uri="{28A0092B-C50C-407E-A947-70E740481C1C}">
-                <a14:useLocalDpi xmlns:a14="http://schemas.microsoft.com/office/drawing/2010/main" val="0"/>
-              </a:ext>
-            </a:extLst>
-          </a:blip>
-          <a:stretch>
-            <a:fillRect/>
-          </a:stretch>
-        </p:blipFill>
-        <p:spPr>
-          <a:xfrm>
-            <a:off x="5177453" y="2755345"/>
-            <a:ext cx="3966547" cy="3848100"/>
-          </a:xfrm>
-          <a:prstGeom prst="rect">
-            <a:avLst/>
-          </a:prstGeom>
-        </p:spPr>
-      </p:pic>
     </p:spTree>
     <p:extLst>
       <p:ext uri="{BB962C8B-B14F-4D97-AF65-F5344CB8AC3E}">
@@ -14807,7 +16283,17 @@
                 <a:latin typeface="+mn-ea"/>
                 <a:cs typeface="Times New Roman" panose="02020603050405020304" pitchFamily="18" charset="0"/>
               </a:rPr>
-              <a:t>基于传统图像处理的检测算法研究。</a:t>
+              <a:t>基于图像处理</a:t>
+            </a:r>
+            <a:r>
+              <a:rPr lang="zh-CN" altLang="zh-CN" sz="2400" b="1" kern="100" dirty="0" smtClean="0">
+                <a:solidFill>
+                  <a:srgbClr val="231F20"/>
+                </a:solidFill>
+                <a:latin typeface="+mn-ea"/>
+                <a:cs typeface="Times New Roman" panose="02020603050405020304" pitchFamily="18" charset="0"/>
+              </a:rPr>
+              <a:t>的检测算法研究。</a:t>
             </a:r>
             <a:r>
               <a:rPr lang="zh-CN" altLang="zh-CN" sz="2400" kern="100" dirty="0">
@@ -15711,7 +17197,7 @@
         </p:nvGraphicFramePr>
         <p:xfrm>
           <a:off x="259976" y="1500566"/>
-          <a:ext cx="8686800" cy="664592"/>
+          <a:ext cx="8686800" cy="731520"/>
         </p:xfrm>
         <a:graphic>
           <a:graphicData uri="http://schemas.openxmlformats.org/drawingml/2006/table">

--- a/中期PPT-王建坤.pptx
+++ b/中期PPT-王建坤.pptx
@@ -34,7 +34,7 @@
     <p:sldId id="294" r:id="rId25"/>
     <p:sldId id="292" r:id="rId26"/>
     <p:sldId id="293" r:id="rId27"/>
-    <p:sldId id="281" r:id="rId28"/>
+    <p:sldId id="310" r:id="rId28"/>
   </p:sldIdLst>
   <p:sldSz cx="9144000" cy="6858000" type="screen4x3"/>
   <p:notesSz cx="6858000" cy="9144000"/>
@@ -226,7 +226,7 @@
           <a:p>
             <a:fld id="{A4993278-BEDC-410D-8D8A-17342E535FDF}" type="datetimeFigureOut">
               <a:rPr lang="zh-CN" altLang="en-US" smtClean="0"/>
-              <a:t>2019/3/1</a:t>
+              <a:t>2019/3/6</a:t>
             </a:fld>
             <a:endParaRPr lang="zh-CN" altLang="en-US"/>
           </a:p>
@@ -528,7 +528,7 @@
           <a:p>
             <a:fld id="{43A07DD8-6722-4182-892A-E3676524296F}" type="datetimeFigureOut">
               <a:rPr lang="zh-CN" altLang="en-US" smtClean="0"/>
-              <a:t>2019/3/1</a:t>
+              <a:t>2019/3/6</a:t>
             </a:fld>
             <a:endParaRPr lang="zh-CN" altLang="en-US"/>
           </a:p>
@@ -1550,7 +1550,7 @@
                             </p:stCondLst>
                             <p:childTnLst>
                               <p:par>
-                                <p:cTn id="13" presetID="22" presetClass="entr" presetSubtype="8" fill="hold" nodeType="afterEffect">
+                                <p:cTn id="13" presetID="42" presetClass="entr" presetSubtype="0" fill="hold" grpId="0" nodeType="afterEffect">
                                   <p:stCondLst>
                                     <p:cond delay="0"/>
                                   </p:stCondLst>
@@ -1558,50 +1558,6 @@
                                     <p:set>
                                       <p:cBhvr>
                                         <p:cTn id="14" dur="1" fill="hold">
-                                          <p:stCondLst>
-                                            <p:cond delay="0"/>
-                                          </p:stCondLst>
-                                        </p:cTn>
-                                        <p:tgtEl>
-                                          <p:spTgt spid="10"/>
-                                        </p:tgtEl>
-                                        <p:attrNameLst>
-                                          <p:attrName>style.visibility</p:attrName>
-                                        </p:attrNameLst>
-                                      </p:cBhvr>
-                                      <p:to>
-                                        <p:strVal val="visible"/>
-                                      </p:to>
-                                    </p:set>
-                                    <p:animEffect transition="in" filter="wipe(left)">
-                                      <p:cBhvr>
-                                        <p:cTn id="15" dur="500"/>
-                                        <p:tgtEl>
-                                          <p:spTgt spid="10"/>
-                                        </p:tgtEl>
-                                      </p:cBhvr>
-                                    </p:animEffect>
-                                  </p:childTnLst>
-                                </p:cTn>
-                              </p:par>
-                            </p:childTnLst>
-                          </p:cTn>
-                        </p:par>
-                        <p:par>
-                          <p:cTn id="16" fill="hold">
-                            <p:stCondLst>
-                              <p:cond delay="1500"/>
-                            </p:stCondLst>
-                            <p:childTnLst>
-                              <p:par>
-                                <p:cTn id="17" presetID="42" presetClass="entr" presetSubtype="0" fill="hold" grpId="0" nodeType="afterEffect">
-                                  <p:stCondLst>
-                                    <p:cond delay="0"/>
-                                  </p:stCondLst>
-                                  <p:childTnLst>
-                                    <p:set>
-                                      <p:cBhvr>
-                                        <p:cTn id="18" dur="1" fill="hold">
                                           <p:stCondLst>
                                             <p:cond delay="0"/>
                                           </p:stCondLst>
@@ -1619,7 +1575,7 @@
                                     </p:set>
                                     <p:animEffect transition="in" filter="fade">
                                       <p:cBhvr>
-                                        <p:cTn id="19" dur="1000"/>
+                                        <p:cTn id="15" dur="1000"/>
                                         <p:tgtEl>
                                           <p:spTgt spid="13"/>
                                         </p:tgtEl>
@@ -1627,7 +1583,7 @@
                                     </p:animEffect>
                                     <p:anim calcmode="lin" valueType="num">
                                       <p:cBhvr>
-                                        <p:cTn id="20" dur="1000" fill="hold"/>
+                                        <p:cTn id="16" dur="1000" fill="hold"/>
                                         <p:tgtEl>
                                           <p:spTgt spid="13"/>
                                         </p:tgtEl>
@@ -1650,7 +1606,7 @@
                                     </p:anim>
                                     <p:anim calcmode="lin" valueType="num">
                                       <p:cBhvr>
-                                        <p:cTn id="21" dur="1000" fill="hold"/>
+                                        <p:cTn id="17" dur="1000" fill="hold"/>
                                         <p:tgtEl>
                                           <p:spTgt spid="13"/>
                                         </p:tgtEl>
@@ -1671,6 +1627,50 @@
                                         </p:tav>
                                       </p:tavLst>
                                     </p:anim>
+                                  </p:childTnLst>
+                                </p:cTn>
+                              </p:par>
+                            </p:childTnLst>
+                          </p:cTn>
+                        </p:par>
+                        <p:par>
+                          <p:cTn id="18" fill="hold">
+                            <p:stCondLst>
+                              <p:cond delay="2000"/>
+                            </p:stCondLst>
+                            <p:childTnLst>
+                              <p:par>
+                                <p:cTn id="19" presetID="22" presetClass="entr" presetSubtype="8" fill="hold" nodeType="afterEffect">
+                                  <p:stCondLst>
+                                    <p:cond delay="0"/>
+                                  </p:stCondLst>
+                                  <p:childTnLst>
+                                    <p:set>
+                                      <p:cBhvr>
+                                        <p:cTn id="20" dur="1" fill="hold">
+                                          <p:stCondLst>
+                                            <p:cond delay="0"/>
+                                          </p:stCondLst>
+                                        </p:cTn>
+                                        <p:tgtEl>
+                                          <p:spTgt spid="10"/>
+                                        </p:tgtEl>
+                                        <p:attrNameLst>
+                                          <p:attrName>style.visibility</p:attrName>
+                                        </p:attrNameLst>
+                                      </p:cBhvr>
+                                      <p:to>
+                                        <p:strVal val="visible"/>
+                                      </p:to>
+                                    </p:set>
+                                    <p:animEffect transition="in" filter="wipe(left)">
+                                      <p:cBhvr>
+                                        <p:cTn id="21" dur="500"/>
+                                        <p:tgtEl>
+                                          <p:spTgt spid="10"/>
+                                        </p:tgtEl>
+                                      </p:cBhvr>
+                                    </p:animEffect>
                                   </p:childTnLst>
                                 </p:cTn>
                               </p:par>
@@ -1919,7 +1919,7 @@
           <a:p>
             <a:fld id="{43A07DD8-6722-4182-892A-E3676524296F}" type="datetimeFigureOut">
               <a:rPr lang="zh-CN" altLang="en-US" smtClean="0"/>
-              <a:t>2019/3/1</a:t>
+              <a:t>2019/3/6</a:t>
             </a:fld>
             <a:endParaRPr lang="zh-CN" altLang="en-US"/>
           </a:p>
@@ -2897,7 +2897,7 @@
           <a:p>
             <a:fld id="{43A07DD8-6722-4182-892A-E3676524296F}" type="datetimeFigureOut">
               <a:rPr lang="zh-CN" altLang="en-US" smtClean="0"/>
-              <a:t>2019/3/1</a:t>
+              <a:t>2019/3/6</a:t>
             </a:fld>
             <a:endParaRPr lang="zh-CN" altLang="en-US"/>
           </a:p>
@@ -3402,7 +3402,7 @@
           <a:p>
             <a:fld id="{43A07DD8-6722-4182-892A-E3676524296F}" type="datetimeFigureOut">
               <a:rPr lang="zh-CN" altLang="en-US" smtClean="0"/>
-              <a:t>2019/3/1</a:t>
+              <a:t>2019/3/6</a:t>
             </a:fld>
             <a:endParaRPr lang="zh-CN" altLang="en-US"/>
           </a:p>
@@ -3542,7 +3542,7 @@
           <a:p>
             <a:fld id="{43A07DD8-6722-4182-892A-E3676524296F}" type="datetimeFigureOut">
               <a:rPr lang="zh-CN" altLang="en-US" smtClean="0"/>
-              <a:t>2019/3/1</a:t>
+              <a:t>2019/3/6</a:t>
             </a:fld>
             <a:endParaRPr lang="zh-CN" altLang="en-US"/>
           </a:p>
@@ -5059,7 +5059,7 @@
           <a:p>
             <a:fld id="{43A07DD8-6722-4182-892A-E3676524296F}" type="datetimeFigureOut">
               <a:rPr lang="zh-CN" altLang="en-US" smtClean="0"/>
-              <a:t>2019/3/1</a:t>
+              <a:t>2019/3/6</a:t>
             </a:fld>
             <a:endParaRPr lang="zh-CN" altLang="en-US"/>
           </a:p>
@@ -5475,7 +5475,12 @@
             <p:ph type="ctrTitle"/>
           </p:nvPr>
         </p:nvSpPr>
-        <p:spPr/>
+        <p:spPr>
+          <a:xfrm>
+            <a:off x="2034988" y="2134543"/>
+            <a:ext cx="6696636" cy="1360874"/>
+          </a:xfrm>
+        </p:spPr>
         <p:txBody>
           <a:bodyPr>
             <a:noAutofit/>
@@ -5483,16 +5488,12 @@
           <a:lstStyle/>
           <a:p>
             <a:r>
-              <a:rPr lang="zh-CN" altLang="zh-CN" dirty="0"/>
-              <a:t>基于视觉</a:t>
-            </a:r>
-            <a:r>
-              <a:rPr lang="zh-CN" altLang="zh-CN" dirty="0" smtClean="0"/>
-              <a:t>的雾化器</a:t>
-            </a:r>
-            <a:r>
-              <a:rPr lang="zh-CN" altLang="zh-CN" dirty="0"/>
-              <a:t>装配检测方法研究</a:t>
+              <a:rPr lang="zh-CN" altLang="en-US" dirty="0"/>
+              <a:t>基于机器视觉的雾化器装配质量检测</a:t>
+            </a:r>
+            <a:r>
+              <a:rPr lang="zh-CN" altLang="en-US" dirty="0" smtClean="0"/>
+              <a:t>算法研究</a:t>
             </a:r>
             <a:endParaRPr lang="zh-CN" altLang="en-US" dirty="0"/>
           </a:p>
@@ -5508,27 +5509,51 @@
             <p:ph type="body" sz="quarter" idx="13"/>
           </p:nvPr>
         </p:nvSpPr>
-        <p:spPr/>
+        <p:spPr>
+          <a:xfrm>
+            <a:off x="3765094" y="3783603"/>
+            <a:ext cx="3236423" cy="1586255"/>
+          </a:xfrm>
+        </p:spPr>
         <p:txBody>
           <a:bodyPr>
-            <a:normAutofit lnSpcReduction="10000"/>
+            <a:normAutofit/>
           </a:bodyPr>
           <a:lstStyle/>
           <a:p>
+            <a:pPr algn="l"/>
             <a:r>
               <a:rPr lang="zh-CN" altLang="en-US" dirty="0"/>
               <a:t>答辩人：王建</a:t>
             </a:r>
             <a:r>
               <a:rPr lang="zh-CN" altLang="en-US" dirty="0" smtClean="0"/>
-              <a:t>坤        导师</a:t>
-            </a:r>
-            <a:r>
-              <a:rPr lang="zh-CN" altLang="en-US" dirty="0"/>
-              <a:t>：胡泓</a:t>
-            </a:r>
+              <a:t>坤       </a:t>
+            </a:r>
+            <a:endParaRPr lang="en-US" altLang="zh-CN" dirty="0"/>
           </a:p>
           <a:p>
+            <a:pPr algn="l"/>
+            <a:r>
+              <a:rPr lang="zh-CN" altLang="en-US" dirty="0" smtClean="0"/>
+              <a:t>导     师</a:t>
+            </a:r>
+            <a:r>
+              <a:rPr lang="zh-CN" altLang="en-US" dirty="0"/>
+              <a:t>：</a:t>
+            </a:r>
+            <a:r>
+              <a:rPr lang="zh-CN" altLang="en-US" dirty="0" smtClean="0"/>
+              <a:t>胡泓教授</a:t>
+            </a:r>
+            <a:endParaRPr lang="en-US" altLang="zh-CN" dirty="0" smtClean="0"/>
+          </a:p>
+          <a:p>
+            <a:pPr algn="l"/>
+            <a:r>
+              <a:rPr lang="zh-CN" altLang="en-US" dirty="0" smtClean="0"/>
+              <a:t>专     业：机械工程</a:t>
+            </a:r>
             <a:endParaRPr lang="zh-CN" altLang="en-US" dirty="0"/>
           </a:p>
         </p:txBody>
@@ -5681,25 +5706,53 @@
               <a:t>通过</a:t>
             </a:r>
             <a:r>
+              <a:rPr lang="zh-CN" altLang="zh-CN" sz="2200" b="1" dirty="0">
+                <a:latin typeface="+mn-ea"/>
+                <a:cs typeface="Times New Roman" panose="02020603050405020304" pitchFamily="18" charset="0"/>
+              </a:rPr>
+              <a:t>设置轮廓面积阈值进行轮廓筛选</a:t>
+            </a:r>
+            <a:r>
+              <a:rPr lang="zh-CN" altLang="zh-CN" sz="2200" dirty="0" smtClean="0">
+                <a:latin typeface="+mn-ea"/>
+                <a:cs typeface="Times New Roman" panose="02020603050405020304" pitchFamily="18" charset="0"/>
+              </a:rPr>
+              <a:t>，过滤</a:t>
+            </a:r>
+            <a:r>
               <a:rPr lang="zh-CN" altLang="zh-CN" sz="2200" dirty="0">
                 <a:latin typeface="+mn-ea"/>
                 <a:cs typeface="Times New Roman" panose="02020603050405020304" pitchFamily="18" charset="0"/>
               </a:rPr>
-              <a:t>设置轮廓面积阈值进行轮廓筛选</a:t>
+              <a:t>小面积的轮廓，如果存在工件缺失的情况，在进行轮廓</a:t>
             </a:r>
             <a:r>
               <a:rPr lang="zh-CN" altLang="zh-CN" sz="2200" dirty="0" smtClean="0">
                 <a:latin typeface="+mn-ea"/>
                 <a:cs typeface="Times New Roman" panose="02020603050405020304" pitchFamily="18" charset="0"/>
               </a:rPr>
-              <a:t>，过滤</a:t>
+              <a:t>查找</a:t>
+            </a:r>
+            <a:r>
+              <a:rPr lang="zh-CN" altLang="en-US" sz="2200" dirty="0" smtClean="0">
+                <a:latin typeface="+mn-ea"/>
+                <a:cs typeface="Times New Roman" panose="02020603050405020304" pitchFamily="18" charset="0"/>
+              </a:rPr>
+              <a:t>时</a:t>
+            </a:r>
+            <a:r>
+              <a:rPr lang="zh-CN" altLang="zh-CN" sz="2200" dirty="0" smtClean="0">
+                <a:latin typeface="+mn-ea"/>
+                <a:cs typeface="Times New Roman" panose="02020603050405020304" pitchFamily="18" charset="0"/>
+              </a:rPr>
+              <a:t>就</a:t>
             </a:r>
             <a:r>
               <a:rPr lang="zh-CN" altLang="zh-CN" sz="2200" dirty="0">
                 <a:latin typeface="+mn-ea"/>
                 <a:cs typeface="Times New Roman" panose="02020603050405020304" pitchFamily="18" charset="0"/>
               </a:rPr>
-              <a:t>小面积的轮廓，如果存在工件缺失的情况，在进行轮廓查找是就找不到轮廓，</a:t>
+              <a:t>找不到轮廓，</a:t>
             </a:r>
             <a:r>
               <a:rPr lang="zh-CN" altLang="zh-CN" sz="2200" dirty="0" smtClean="0">
@@ -6075,69 +6128,97 @@
                 <a:latin typeface="Times New Roman" panose="02020603050405020304" pitchFamily="18" charset="0"/>
                 <a:cs typeface="Times New Roman" panose="02020603050405020304" pitchFamily="18" charset="0"/>
               </a:rPr>
-              <a:t>像素统计法</a:t>
+              <a:t>像素</a:t>
+            </a:r>
+            <a:r>
+              <a:rPr lang="zh-CN" altLang="zh-CN" sz="2200" b="1" dirty="0" smtClean="0">
+                <a:latin typeface="Times New Roman" panose="02020603050405020304" pitchFamily="18" charset="0"/>
+                <a:cs typeface="Times New Roman" panose="02020603050405020304" pitchFamily="18" charset="0"/>
+              </a:rPr>
+              <a:t>统计法</a:t>
+            </a:r>
+            <a:r>
+              <a:rPr lang="zh-CN" altLang="en-US" sz="2200" dirty="0">
+                <a:latin typeface="Times New Roman" panose="02020603050405020304" pitchFamily="18" charset="0"/>
+                <a:cs typeface="Times New Roman" panose="02020603050405020304" pitchFamily="18" charset="0"/>
+              </a:rPr>
+              <a:t>：</a:t>
+            </a:r>
+            <a:r>
+              <a:rPr lang="zh-CN" altLang="zh-CN" sz="2200" dirty="0" smtClean="0">
+                <a:latin typeface="Times New Roman" panose="02020603050405020304" pitchFamily="18" charset="0"/>
+                <a:cs typeface="Times New Roman" panose="02020603050405020304" pitchFamily="18" charset="0"/>
+              </a:rPr>
+              <a:t>棉</a:t>
+            </a:r>
+            <a:r>
+              <a:rPr lang="zh-CN" altLang="zh-CN" sz="2200" dirty="0" smtClean="0">
+                <a:latin typeface="Times New Roman" panose="02020603050405020304" pitchFamily="18" charset="0"/>
+                <a:cs typeface="Times New Roman" panose="02020603050405020304" pitchFamily="18" charset="0"/>
+              </a:rPr>
+              <a:t>芯</a:t>
             </a:r>
             <a:r>
               <a:rPr lang="zh-CN" altLang="en-US" sz="2200" dirty="0" smtClean="0">
                 <a:latin typeface="Times New Roman" panose="02020603050405020304" pitchFamily="18" charset="0"/>
                 <a:cs typeface="Times New Roman" panose="02020603050405020304" pitchFamily="18" charset="0"/>
               </a:rPr>
-              <a:t>。</a:t>
+              <a:t>和金属丝</a:t>
             </a:r>
             <a:r>
               <a:rPr lang="zh-CN" altLang="zh-CN" sz="2200" dirty="0" smtClean="0">
                 <a:latin typeface="Times New Roman" panose="02020603050405020304" pitchFamily="18" charset="0"/>
                 <a:cs typeface="Times New Roman" panose="02020603050405020304" pitchFamily="18" charset="0"/>
               </a:rPr>
-              <a:t>棉芯</a:t>
-            </a:r>
-            <a:r>
-              <a:rPr lang="zh-CN" altLang="en-US" sz="2200" dirty="0" smtClean="0">
+              <a:t>在</a:t>
+            </a:r>
+            <a:r>
+              <a:rPr lang="zh-CN" altLang="zh-CN" sz="2200" dirty="0">
                 <a:latin typeface="Times New Roman" panose="02020603050405020304" pitchFamily="18" charset="0"/>
                 <a:cs typeface="Times New Roman" panose="02020603050405020304" pitchFamily="18" charset="0"/>
               </a:rPr>
-              <a:t>和金属丝</a:t>
+              <a:t>成像时呈亮白色</a:t>
             </a:r>
             <a:r>
               <a:rPr lang="zh-CN" altLang="zh-CN" sz="2200" dirty="0" smtClean="0">
                 <a:latin typeface="Times New Roman" panose="02020603050405020304" pitchFamily="18" charset="0"/>
                 <a:cs typeface="Times New Roman" panose="02020603050405020304" pitchFamily="18" charset="0"/>
               </a:rPr>
-              <a:t>在</a:t>
+              <a:t>，通过</a:t>
             </a:r>
             <a:r>
               <a:rPr lang="zh-CN" altLang="zh-CN" sz="2200" dirty="0">
                 <a:latin typeface="Times New Roman" panose="02020603050405020304" pitchFamily="18" charset="0"/>
                 <a:cs typeface="Times New Roman" panose="02020603050405020304" pitchFamily="18" charset="0"/>
               </a:rPr>
-              <a:t>成像时呈亮白色</a:t>
-            </a:r>
-            <a:r>
-              <a:rPr lang="zh-CN" altLang="zh-CN" sz="2200" dirty="0" smtClean="0">
+              <a:t>统计棉芯检测</a:t>
+            </a:r>
+            <a:r>
+              <a:rPr lang="en-US" altLang="zh-CN" sz="2200" dirty="0">
                 <a:latin typeface="Times New Roman" panose="02020603050405020304" pitchFamily="18" charset="0"/>
-                <a:cs typeface="Times New Roman" panose="02020603050405020304" pitchFamily="18" charset="0"/>
-              </a:rPr>
-              <a:t>，通过</a:t>
+              </a:rPr>
+              <a:t>ROI</a:t>
             </a:r>
             <a:r>
               <a:rPr lang="zh-CN" altLang="zh-CN" sz="2200" dirty="0">
                 <a:latin typeface="Times New Roman" panose="02020603050405020304" pitchFamily="18" charset="0"/>
                 <a:cs typeface="Times New Roman" panose="02020603050405020304" pitchFamily="18" charset="0"/>
               </a:rPr>
-              <a:t>统计棉芯检测</a:t>
-            </a:r>
-            <a:r>
-              <a:rPr lang="en-US" altLang="zh-CN" sz="2200" dirty="0">
+              <a:t>中的</a:t>
+            </a:r>
+            <a:r>
+              <a:rPr lang="zh-CN" altLang="zh-CN" sz="2200" b="1" dirty="0">
                 <a:latin typeface="Times New Roman" panose="02020603050405020304" pitchFamily="18" charset="0"/>
-              </a:rPr>
-              <a:t>ROI</a:t>
+                <a:cs typeface="Times New Roman" panose="02020603050405020304" pitchFamily="18" charset="0"/>
+              </a:rPr>
+              <a:t>白色像素数量比例</a:t>
             </a:r>
             <a:r>
               <a:rPr lang="zh-CN" altLang="zh-CN" sz="2200" dirty="0">
                 <a:latin typeface="Times New Roman" panose="02020603050405020304" pitchFamily="18" charset="0"/>
                 <a:cs typeface="Times New Roman" panose="02020603050405020304" pitchFamily="18" charset="0"/>
               </a:rPr>
-              <a:t>中的白色像素数量比例来判断棉</a:t>
+              <a:t>来判断棉</a:t>
             </a:r>
             <a:r>
               <a:rPr lang="zh-CN" altLang="zh-CN" sz="2200" dirty="0" smtClean="0">
@@ -6631,14 +6712,14 @@
               <a:t>进行</a:t>
             </a:r>
             <a:r>
-              <a:rPr lang="zh-CN" altLang="zh-CN" sz="2200" kern="100" dirty="0" smtClean="0">
+              <a:rPr lang="zh-CN" altLang="zh-CN" sz="2200" b="1" kern="100" dirty="0" smtClean="0">
                 <a:latin typeface="Times New Roman" panose="02020603050405020304" pitchFamily="18" charset="0"/>
                 <a:cs typeface="Times New Roman" panose="02020603050405020304" pitchFamily="18" charset="0"/>
               </a:rPr>
               <a:t>预处理</a:t>
             </a:r>
             <a:r>
-              <a:rPr lang="zh-CN" altLang="en-US" sz="2200" kern="100" dirty="0" smtClean="0">
+              <a:rPr lang="zh-CN" altLang="en-US" sz="2200" b="1" kern="100" dirty="0" smtClean="0">
                 <a:latin typeface="Times New Roman" panose="02020603050405020304" pitchFamily="18" charset="0"/>
                 <a:cs typeface="Times New Roman" panose="02020603050405020304" pitchFamily="18" charset="0"/>
               </a:rPr>
@@ -7052,7 +7133,21 @@
                 <a:latin typeface="Times New Roman" panose="02020603050405020304" pitchFamily="18" charset="0"/>
                 <a:cs typeface="Times New Roman" panose="02020603050405020304" pitchFamily="18" charset="0"/>
               </a:rPr>
-              <a:t>对待检测的图片进行预处理，包括闭运算和二值化，闭运算消除黑色孔洞，二值化操作分割出亮白色</a:t>
+              <a:t>对待检测的图片进行</a:t>
+            </a:r>
+            <a:r>
+              <a:rPr lang="zh-CN" altLang="zh-CN" sz="2200" b="1" dirty="0">
+                <a:latin typeface="Times New Roman" panose="02020603050405020304" pitchFamily="18" charset="0"/>
+                <a:cs typeface="Times New Roman" panose="02020603050405020304" pitchFamily="18" charset="0"/>
+              </a:rPr>
+              <a:t>预处理</a:t>
+            </a:r>
+            <a:r>
+              <a:rPr lang="zh-CN" altLang="zh-CN" sz="2200" dirty="0">
+                <a:latin typeface="Times New Roman" panose="02020603050405020304" pitchFamily="18" charset="0"/>
+                <a:cs typeface="Times New Roman" panose="02020603050405020304" pitchFamily="18" charset="0"/>
+              </a:rPr>
+              <a:t>，包括闭运算和二值化，闭运算消除黑色孔洞，二值化操作分割出亮白色</a:t>
             </a:r>
             <a:r>
               <a:rPr lang="zh-CN" altLang="zh-CN" sz="2200" dirty="0" smtClean="0">
@@ -7081,33 +7176,37 @@
               <a:t>  </a:t>
             </a:r>
             <a:r>
+              <a:rPr lang="zh-CN" altLang="en-US" sz="2200" b="1" dirty="0" smtClean="0"/>
+              <a:t>测量</a:t>
+            </a:r>
+            <a:r>
+              <a:rPr lang="zh-CN" altLang="zh-CN" sz="2200" b="1" dirty="0">
+                <a:latin typeface="Times New Roman" panose="02020603050405020304" pitchFamily="18" charset="0"/>
+                <a:cs typeface="Times New Roman" panose="02020603050405020304" pitchFamily="18" charset="0"/>
+              </a:rPr>
+              <a:t>金属丝</a:t>
+            </a:r>
+            <a:r>
+              <a:rPr lang="zh-CN" altLang="zh-CN" sz="2200" b="1" dirty="0" smtClean="0">
+                <a:latin typeface="Times New Roman" panose="02020603050405020304" pitchFamily="18" charset="0"/>
+                <a:cs typeface="Times New Roman" panose="02020603050405020304" pitchFamily="18" charset="0"/>
+              </a:rPr>
+              <a:t>与卡爪</a:t>
+            </a:r>
+            <a:r>
+              <a:rPr lang="zh-CN" altLang="en-US" sz="2200" b="1" dirty="0" smtClean="0">
+                <a:latin typeface="Times New Roman" panose="02020603050405020304" pitchFamily="18" charset="0"/>
+                <a:cs typeface="Times New Roman" panose="02020603050405020304" pitchFamily="18" charset="0"/>
+              </a:rPr>
+              <a:t>的</a:t>
+            </a:r>
+            <a:r>
+              <a:rPr lang="zh-CN" altLang="en-US" sz="2200" b="1" dirty="0" smtClean="0"/>
+              <a:t>距离</a:t>
+            </a:r>
+            <a:r>
               <a:rPr lang="zh-CN" altLang="en-US" sz="2200" dirty="0" smtClean="0"/>
-              <a:t>测量</a:t>
-            </a:r>
-            <a:r>
-              <a:rPr lang="zh-CN" altLang="zh-CN" sz="2200" dirty="0">
-                <a:latin typeface="Times New Roman" panose="02020603050405020304" pitchFamily="18" charset="0"/>
-                <a:cs typeface="Times New Roman" panose="02020603050405020304" pitchFamily="18" charset="0"/>
-              </a:rPr>
-              <a:t>金属丝</a:t>
-            </a:r>
-            <a:r>
-              <a:rPr lang="zh-CN" altLang="zh-CN" sz="2200" dirty="0" smtClean="0">
-                <a:latin typeface="Times New Roman" panose="02020603050405020304" pitchFamily="18" charset="0"/>
-                <a:cs typeface="Times New Roman" panose="02020603050405020304" pitchFamily="18" charset="0"/>
-              </a:rPr>
-              <a:t>与卡爪</a:t>
-            </a:r>
-            <a:r>
-              <a:rPr lang="zh-CN" altLang="en-US" sz="2200" dirty="0" smtClean="0">
-                <a:latin typeface="Times New Roman" panose="02020603050405020304" pitchFamily="18" charset="0"/>
-                <a:cs typeface="Times New Roman" panose="02020603050405020304" pitchFamily="18" charset="0"/>
-              </a:rPr>
-              <a:t>的</a:t>
-            </a:r>
-            <a:r>
-              <a:rPr lang="zh-CN" altLang="en-US" sz="2200" dirty="0" smtClean="0"/>
-              <a:t>距离，如果距离偏离一定的范围则判定为异常，反之。</a:t>
+              <a:t>，如果距离偏离一定的范围则判定为异常，反之。</a:t>
             </a:r>
             <a:endParaRPr lang="zh-CN" altLang="en-US" sz="2200" dirty="0"/>
           </a:p>
@@ -7343,53 +7442,60 @@
               <a:buAutoNum type="arabicPeriod"/>
             </a:pPr>
             <a:r>
+              <a:rPr lang="zh-CN" altLang="en-US" sz="2200" b="1" dirty="0" smtClean="0">
+                <a:latin typeface="Times New Roman" panose="02020603050405020304" pitchFamily="18" charset="0"/>
+                <a:cs typeface="Times New Roman" panose="02020603050405020304" pitchFamily="18" charset="0"/>
+              </a:rPr>
+              <a:t>统计</a:t>
+            </a:r>
+            <a:r>
+              <a:rPr lang="zh-CN" altLang="en-US" sz="2200" b="1" dirty="0">
+                <a:latin typeface="Times New Roman" panose="02020603050405020304" pitchFamily="18" charset="0"/>
+                <a:cs typeface="Times New Roman" panose="02020603050405020304" pitchFamily="18" charset="0"/>
+              </a:rPr>
+              <a:t>图像</a:t>
+            </a:r>
+            <a:r>
+              <a:rPr lang="zh-CN" altLang="en-US" sz="2200" b="1" dirty="0" smtClean="0">
+                <a:latin typeface="Times New Roman" panose="02020603050405020304" pitchFamily="18" charset="0"/>
+                <a:cs typeface="Times New Roman" panose="02020603050405020304" pitchFamily="18" charset="0"/>
+              </a:rPr>
+              <a:t>每</a:t>
+            </a:r>
+            <a:r>
+              <a:rPr lang="zh-CN" altLang="en-US" sz="2200" b="1" dirty="0">
+                <a:latin typeface="Times New Roman" panose="02020603050405020304" pitchFamily="18" charset="0"/>
+                <a:cs typeface="Times New Roman" panose="02020603050405020304" pitchFamily="18" charset="0"/>
+              </a:rPr>
+              <a:t>一列白点的</a:t>
+            </a:r>
+            <a:r>
+              <a:rPr lang="zh-CN" altLang="en-US" sz="2200" b="1" dirty="0" smtClean="0">
+                <a:latin typeface="Times New Roman" panose="02020603050405020304" pitchFamily="18" charset="0"/>
+                <a:cs typeface="Times New Roman" panose="02020603050405020304" pitchFamily="18" charset="0"/>
+              </a:rPr>
+              <a:t>数量</a:t>
+            </a:r>
+            <a:r>
               <a:rPr lang="zh-CN" altLang="en-US" sz="2200" dirty="0" smtClean="0">
                 <a:latin typeface="Times New Roman" panose="02020603050405020304" pitchFamily="18" charset="0"/>
                 <a:cs typeface="Times New Roman" panose="02020603050405020304" pitchFamily="18" charset="0"/>
               </a:rPr>
-              <a:t>统计</a:t>
+              <a:t>。在</a:t>
             </a:r>
             <a:r>
               <a:rPr lang="zh-CN" altLang="en-US" sz="2200" dirty="0">
                 <a:latin typeface="Times New Roman" panose="02020603050405020304" pitchFamily="18" charset="0"/>
                 <a:cs typeface="Times New Roman" panose="02020603050405020304" pitchFamily="18" charset="0"/>
               </a:rPr>
-              <a:t>图像</a:t>
+              <a:t>金属丝和极片卡爪竖直边处会有大量的白点，出现两个</a:t>
             </a:r>
             <a:r>
               <a:rPr lang="zh-CN" altLang="en-US" sz="2200" dirty="0" smtClean="0">
                 <a:latin typeface="Times New Roman" panose="02020603050405020304" pitchFamily="18" charset="0"/>
                 <a:cs typeface="Times New Roman" panose="02020603050405020304" pitchFamily="18" charset="0"/>
               </a:rPr>
-              <a:t>每</a:t>
-            </a:r>
-            <a:r>
-              <a:rPr lang="zh-CN" altLang="en-US" sz="2200" dirty="0">
-                <a:latin typeface="Times New Roman" panose="02020603050405020304" pitchFamily="18" charset="0"/>
-                <a:cs typeface="Times New Roman" panose="02020603050405020304" pitchFamily="18" charset="0"/>
-              </a:rPr>
-              <a:t>一列白点的</a:t>
-            </a:r>
-            <a:r>
-              <a:rPr lang="zh-CN" altLang="en-US" sz="2200" dirty="0" smtClean="0">
-                <a:latin typeface="Times New Roman" panose="02020603050405020304" pitchFamily="18" charset="0"/>
-                <a:cs typeface="Times New Roman" panose="02020603050405020304" pitchFamily="18" charset="0"/>
-              </a:rPr>
-              <a:t>数量。在</a:t>
-            </a:r>
-            <a:r>
-              <a:rPr lang="zh-CN" altLang="en-US" sz="2200" dirty="0">
-                <a:latin typeface="Times New Roman" panose="02020603050405020304" pitchFamily="18" charset="0"/>
-                <a:cs typeface="Times New Roman" panose="02020603050405020304" pitchFamily="18" charset="0"/>
-              </a:rPr>
-              <a:t>金属丝和极片卡爪竖直边处会有大量的白点，出现两个</a:t>
-            </a:r>
-            <a:r>
-              <a:rPr lang="zh-CN" altLang="en-US" sz="2200" dirty="0" smtClean="0">
-                <a:latin typeface="Times New Roman" panose="02020603050405020304" pitchFamily="18" charset="0"/>
-                <a:cs typeface="Times New Roman" panose="02020603050405020304" pitchFamily="18" charset="0"/>
-              </a:rPr>
-              <a:t>极大值</a:t>
+              <a:t>极大值。</a:t>
             </a:r>
             <a:endParaRPr lang="en-US" altLang="zh-CN" sz="2200" dirty="0" smtClean="0">
               <a:latin typeface="Times New Roman" panose="02020603050405020304" pitchFamily="18" charset="0"/>
@@ -7401,18 +7507,25 @@
               <a:buAutoNum type="arabicPeriod"/>
             </a:pPr>
             <a:r>
+              <a:rPr lang="zh-CN" altLang="en-US" sz="2200" b="1" dirty="0" smtClean="0">
+                <a:latin typeface="Times New Roman" panose="02020603050405020304" pitchFamily="18" charset="0"/>
+                <a:cs typeface="Times New Roman" panose="02020603050405020304" pitchFamily="18" charset="0"/>
+              </a:rPr>
+              <a:t>数值过滤。</a:t>
+            </a:r>
+            <a:r>
+              <a:rPr lang="zh-CN" altLang="en-US" sz="2200" dirty="0">
+                <a:latin typeface="Times New Roman" panose="02020603050405020304" pitchFamily="18" charset="0"/>
+                <a:cs typeface="Times New Roman" panose="02020603050405020304" pitchFamily="18" charset="0"/>
+              </a:rPr>
+              <a:t>使小于某一个数值的</a:t>
+            </a:r>
+            <a:r>
               <a:rPr lang="zh-CN" altLang="en-US" sz="2200" dirty="0" smtClean="0">
                 <a:latin typeface="Times New Roman" panose="02020603050405020304" pitchFamily="18" charset="0"/>
                 <a:cs typeface="Times New Roman" panose="02020603050405020304" pitchFamily="18" charset="0"/>
               </a:rPr>
-              <a:t>数值过滤。</a:t>
-            </a:r>
-            <a:r>
-              <a:rPr lang="zh-CN" altLang="en-US" sz="2200" dirty="0">
-                <a:latin typeface="Times New Roman" panose="02020603050405020304" pitchFamily="18" charset="0"/>
-                <a:cs typeface="Times New Roman" panose="02020603050405020304" pitchFamily="18" charset="0"/>
-              </a:rPr>
-              <a:t>使小于某一个数值的数值变为</a:t>
+              <a:t>数变为</a:t>
             </a:r>
             <a:r>
               <a:rPr lang="en-US" altLang="zh-CN" sz="2200" dirty="0" smtClean="0">
@@ -7438,18 +7551,32 @@
               <a:buAutoNum type="arabicPeriod"/>
             </a:pPr>
             <a:r>
+              <a:rPr lang="zh-CN" altLang="en-US" sz="2200" b="1" dirty="0" smtClean="0">
+                <a:latin typeface="Times New Roman" panose="02020603050405020304" pitchFamily="18" charset="0"/>
+                <a:cs typeface="Times New Roman" panose="02020603050405020304" pitchFamily="18" charset="0"/>
+              </a:rPr>
+              <a:t>数值平滑。</a:t>
+            </a:r>
+            <a:r>
               <a:rPr lang="zh-CN" altLang="en-US" sz="2200" dirty="0" smtClean="0">
                 <a:latin typeface="Times New Roman" panose="02020603050405020304" pitchFamily="18" charset="0"/>
                 <a:cs typeface="Times New Roman" panose="02020603050405020304" pitchFamily="18" charset="0"/>
               </a:rPr>
-              <a:t>数值平滑。进行平滑处理，更容易找到极大值，两个极大值的距离就是</a:t>
+              <a:t>进行平滑处理，更容易找到极大值，两个极大值的距离就是</a:t>
             </a:r>
             <a:r>
               <a:rPr lang="zh-CN" altLang="zh-CN" sz="2200" dirty="0">
                 <a:latin typeface="Times New Roman" panose="02020603050405020304" pitchFamily="18" charset="0"/>
                 <a:cs typeface="Times New Roman" panose="02020603050405020304" pitchFamily="18" charset="0"/>
               </a:rPr>
-              <a:t>金属丝与金属片卡</a:t>
+              <a:t>金属丝与</a:t>
+            </a:r>
+            <a:r>
+              <a:rPr lang="zh-CN" altLang="zh-CN" sz="2200" dirty="0" smtClean="0">
+                <a:latin typeface="Times New Roman" panose="02020603050405020304" pitchFamily="18" charset="0"/>
+                <a:cs typeface="Times New Roman" panose="02020603050405020304" pitchFamily="18" charset="0"/>
+              </a:rPr>
+              <a:t>金属卡</a:t>
             </a:r>
             <a:r>
               <a:rPr lang="zh-CN" altLang="zh-CN" sz="2200" dirty="0" smtClean="0">
@@ -7743,7 +7870,7 @@
           <p:nvPr>
             <p:extLst>
               <p:ext uri="{D42A27DB-BD31-4B8C-83A1-F6EECF244321}">
-                <p14:modId xmlns:p14="http://schemas.microsoft.com/office/powerpoint/2010/main" val="57518212"/>
+                <p14:modId xmlns:p14="http://schemas.microsoft.com/office/powerpoint/2010/main" val="1228268229"/>
               </p:ext>
             </p:extLst>
           </p:nvPr>
@@ -8027,7 +8154,7 @@
                         </a:spcAft>
                       </a:pPr>
                       <a:r>
-                        <a:rPr lang="en-US" sz="2000" kern="100">
+                        <a:rPr lang="en-US" sz="2000" kern="100" dirty="0">
                           <a:effectLst/>
                           <a:latin typeface="Times New Roman" panose="02020603050405020304" pitchFamily="18" charset="0"/>
                           <a:ea typeface="宋体" panose="02010600030101010101" pitchFamily="2" charset="-122"/>
@@ -8035,7 +8162,7 @@
                         </a:rPr>
                         <a:t>0%</a:t>
                       </a:r>
-                      <a:endParaRPr lang="zh-CN" sz="2000" kern="100">
+                      <a:endParaRPr lang="zh-CN" sz="2000" kern="100" dirty="0">
                         <a:effectLst/>
                         <a:latin typeface="Times New Roman" panose="02020603050405020304" pitchFamily="18" charset="0"/>
                         <a:ea typeface="宋体" panose="02010600030101010101" pitchFamily="2" charset="-122"/>
@@ -8514,7 +8641,35 @@
                 <a:latin typeface="Times New Roman" panose="02020603050405020304" pitchFamily="18" charset="0"/>
                 <a:cs typeface="Times New Roman" panose="02020603050405020304" pitchFamily="18" charset="0"/>
               </a:rPr>
-              <a:t>检出率指该类别被正确检测出来的比例，误检率指非该类别检测为该类别的比率。</a:t>
+              <a:t>检出率指该类别被正确检测出来的比例，误检率</a:t>
+            </a:r>
+            <a:r>
+              <a:rPr lang="zh-CN" altLang="zh-CN" sz="2200" kern="100" dirty="0" smtClean="0">
+                <a:latin typeface="Times New Roman" panose="02020603050405020304" pitchFamily="18" charset="0"/>
+                <a:cs typeface="Times New Roman" panose="02020603050405020304" pitchFamily="18" charset="0"/>
+              </a:rPr>
+              <a:t>指</a:t>
+            </a:r>
+            <a:r>
+              <a:rPr lang="zh-CN" altLang="en-US" sz="2200" kern="100" dirty="0" smtClean="0">
+                <a:latin typeface="Times New Roman" panose="02020603050405020304" pitchFamily="18" charset="0"/>
+                <a:cs typeface="Times New Roman" panose="02020603050405020304" pitchFamily="18" charset="0"/>
+              </a:rPr>
+              <a:t>把正常样本</a:t>
+            </a:r>
+            <a:r>
+              <a:rPr lang="zh-CN" altLang="zh-CN" sz="2200" kern="100" dirty="0" smtClean="0">
+                <a:latin typeface="Times New Roman" panose="02020603050405020304" pitchFamily="18" charset="0"/>
+                <a:cs typeface="Times New Roman" panose="02020603050405020304" pitchFamily="18" charset="0"/>
+              </a:rPr>
+              <a:t>类别</a:t>
+            </a:r>
+            <a:r>
+              <a:rPr lang="zh-CN" altLang="zh-CN" sz="2200" kern="100" dirty="0">
+                <a:latin typeface="Times New Roman" panose="02020603050405020304" pitchFamily="18" charset="0"/>
+                <a:cs typeface="Times New Roman" panose="02020603050405020304" pitchFamily="18" charset="0"/>
+              </a:rPr>
+              <a:t>检测为该类别的比率。</a:t>
             </a:r>
           </a:p>
         </p:txBody>
@@ -8528,7 +8683,7 @@
         <p:spPr>
           <a:xfrm>
             <a:off x="639848" y="4695172"/>
-            <a:ext cx="7365634" cy="866006"/>
+            <a:ext cx="7365634" cy="904863"/>
           </a:xfrm>
           <a:prstGeom prst="rect">
             <a:avLst/>
@@ -8549,11 +8704,18 @@
               </a:spcAft>
             </a:pPr>
             <a:r>
+              <a:rPr lang="zh-CN" altLang="en-US" sz="2200" b="1" kern="100" dirty="0" smtClean="0">
+                <a:latin typeface="Times New Roman" panose="02020603050405020304" pitchFamily="18" charset="0"/>
+                <a:cs typeface="Times New Roman" panose="02020603050405020304" pitchFamily="18" charset="0"/>
+              </a:rPr>
+              <a:t>棉芯缺失检出率低</a:t>
+            </a:r>
+            <a:r>
               <a:rPr lang="zh-CN" altLang="en-US" sz="2200" kern="100" dirty="0" smtClean="0">
                 <a:latin typeface="Times New Roman" panose="02020603050405020304" pitchFamily="18" charset="0"/>
                 <a:cs typeface="Times New Roman" panose="02020603050405020304" pitchFamily="18" charset="0"/>
               </a:rPr>
-              <a:t>棉芯缺失检出率低：轮廓查找失败，被判定为工件缺失。</a:t>
+              <a:t>：轮廓查找失败，被判定为工件缺失。</a:t>
             </a:r>
             <a:endParaRPr lang="en-US" altLang="zh-CN" sz="2200" kern="100" dirty="0" smtClean="0">
               <a:latin typeface="Times New Roman" panose="02020603050405020304" pitchFamily="18" charset="0"/>
@@ -8570,18 +8732,25 @@
               </a:spcAft>
             </a:pPr>
             <a:r>
-              <a:rPr lang="zh-CN" altLang="en-US" sz="2200" kern="100" dirty="0">
+              <a:rPr lang="zh-CN" altLang="en-US" sz="2200" b="1" kern="100" dirty="0">
                 <a:latin typeface="Times New Roman" panose="02020603050405020304" pitchFamily="18" charset="0"/>
                 <a:cs typeface="Times New Roman" panose="02020603050405020304" pitchFamily="18" charset="0"/>
               </a:rPr>
               <a:t>误</a:t>
+            </a:r>
+            <a:r>
+              <a:rPr lang="zh-CN" altLang="en-US" sz="2200" b="1" kern="100" dirty="0" smtClean="0">
+                <a:latin typeface="Times New Roman" panose="02020603050405020304" pitchFamily="18" charset="0"/>
+                <a:cs typeface="Times New Roman" panose="02020603050405020304" pitchFamily="18" charset="0"/>
+              </a:rPr>
+              <a:t>检原因</a:t>
             </a:r>
             <a:r>
               <a:rPr lang="zh-CN" altLang="en-US" sz="2200" kern="100" dirty="0" smtClean="0">
                 <a:latin typeface="Times New Roman" panose="02020603050405020304" pitchFamily="18" charset="0"/>
                 <a:cs typeface="Times New Roman" panose="02020603050405020304" pitchFamily="18" charset="0"/>
               </a:rPr>
-              <a:t>检原因：</a:t>
+              <a:t>：</a:t>
             </a:r>
             <a:r>
               <a:rPr lang="en-US" altLang="zh-CN" sz="2200" kern="100" dirty="0" smtClean="0">
@@ -8666,8 +8835,8 @@
           </a:p>
         </p:txBody>
       </p:sp>
-      <mc:AlternateContent xmlns:mc="http://schemas.openxmlformats.org/markup-compatibility/2006">
-        <mc:Choice xmlns:a14="http://schemas.microsoft.com/office/drawing/2010/main" Requires="a14">
+      <mc:AlternateContent xmlns:mc="http://schemas.openxmlformats.org/markup-compatibility/2006" xmlns:a14="http://schemas.microsoft.com/office/drawing/2010/main">
+        <mc:Choice Requires="a14">
           <p:sp>
             <p:nvSpPr>
               <p:cNvPr id="3" name="矩形 2"/>
@@ -8785,7 +8954,7 @@
             </p:txBody>
           </p:sp>
         </mc:Choice>
-        <mc:Fallback>
+        <mc:Fallback xmlns="">
           <p:sp>
             <p:nvSpPr>
               <p:cNvPr id="3" name="矩形 2"/>
@@ -9390,7 +9559,7 @@
             <p:cNvPr id="35" name="流程图: 过程 34">
               <a:extLst>
                 <a:ext uri="{FF2B5EF4-FFF2-40B4-BE49-F238E27FC236}">
-                  <a16:creationId xmlns:a16="http://schemas.microsoft.com/office/drawing/2014/main" xmlns="" id="{57AE6D65-AD68-4910-AD70-E3F9CD49580C}"/>
+                  <a16:creationId xmlns="" xmlns:a16="http://schemas.microsoft.com/office/drawing/2014/main" id="{57AE6D65-AD68-4910-AD70-E3F9CD49580C}"/>
                 </a:ext>
               </a:extLst>
             </p:cNvPr>
@@ -9461,7 +9630,7 @@
             <p:cNvPr id="36" name="流程图: 过程 35">
               <a:extLst>
                 <a:ext uri="{FF2B5EF4-FFF2-40B4-BE49-F238E27FC236}">
-                  <a16:creationId xmlns:a16="http://schemas.microsoft.com/office/drawing/2014/main" xmlns="" id="{DF5618C4-A100-4C16-AE5A-386CCEA74366}"/>
+                  <a16:creationId xmlns="" xmlns:a16="http://schemas.microsoft.com/office/drawing/2014/main" id="{DF5618C4-A100-4C16-AE5A-386CCEA74366}"/>
                 </a:ext>
               </a:extLst>
             </p:cNvPr>
@@ -9548,7 +9717,7 @@
               <p:cNvPr id="59" name="菱形 58">
                 <a:extLst>
                   <a:ext uri="{FF2B5EF4-FFF2-40B4-BE49-F238E27FC236}">
-                    <a16:creationId xmlns:a16="http://schemas.microsoft.com/office/drawing/2014/main" xmlns="" id="{12D7EFA7-B56E-49A1-8474-4DB33447F7E4}"/>
+                    <a16:creationId xmlns="" xmlns:a16="http://schemas.microsoft.com/office/drawing/2014/main" id="{12D7EFA7-B56E-49A1-8474-4DB33447F7E4}"/>
                   </a:ext>
                 </a:extLst>
               </p:cNvPr>
@@ -9616,7 +9785,7 @@
               <p:cNvPr id="60" name="文本框 19">
                 <a:extLst>
                   <a:ext uri="{FF2B5EF4-FFF2-40B4-BE49-F238E27FC236}">
-                    <a16:creationId xmlns:a16="http://schemas.microsoft.com/office/drawing/2014/main" xmlns="" id="{D3227F8A-32FC-49B8-8983-80F34F86E615}"/>
+                    <a16:creationId xmlns="" xmlns:a16="http://schemas.microsoft.com/office/drawing/2014/main" id="{D3227F8A-32FC-49B8-8983-80F34F86E615}"/>
                   </a:ext>
                 </a:extLst>
               </p:cNvPr>
@@ -9720,7 +9889,7 @@
               <p:cNvPr id="57" name="流程图: 数据 56">
                 <a:extLst>
                   <a:ext uri="{FF2B5EF4-FFF2-40B4-BE49-F238E27FC236}">
-                    <a16:creationId xmlns:a16="http://schemas.microsoft.com/office/drawing/2014/main" xmlns="" id="{7B982382-5BDD-430A-823F-1EF66C59D414}"/>
+                    <a16:creationId xmlns="" xmlns:a16="http://schemas.microsoft.com/office/drawing/2014/main" id="{7B982382-5BDD-430A-823F-1EF66C59D414}"/>
                   </a:ext>
                 </a:extLst>
               </p:cNvPr>
@@ -9782,7 +9951,7 @@
               <p:cNvPr id="58" name="文本框 27">
                 <a:extLst>
                   <a:ext uri="{FF2B5EF4-FFF2-40B4-BE49-F238E27FC236}">
-                    <a16:creationId xmlns:a16="http://schemas.microsoft.com/office/drawing/2014/main" xmlns="" id="{20A0F180-6CB0-4E70-B6E0-DB14C781003D}"/>
+                    <a16:creationId xmlns="" xmlns:a16="http://schemas.microsoft.com/office/drawing/2014/main" id="{20A0F180-6CB0-4E70-B6E0-DB14C781003D}"/>
                   </a:ext>
                 </a:extLst>
               </p:cNvPr>
@@ -9849,7 +10018,7 @@
             <p:cNvPr id="39" name="组合 38">
               <a:extLst>
                 <a:ext uri="{FF2B5EF4-FFF2-40B4-BE49-F238E27FC236}">
-                  <a16:creationId xmlns:a16="http://schemas.microsoft.com/office/drawing/2014/main" xmlns="" id="{31922F65-88BB-4A94-8732-FF89FB296A7F}"/>
+                  <a16:creationId xmlns="" xmlns:a16="http://schemas.microsoft.com/office/drawing/2014/main" id="{31922F65-88BB-4A94-8732-FF89FB296A7F}"/>
                 </a:ext>
               </a:extLst>
             </p:cNvPr>
@@ -9872,7 +10041,7 @@
               <p:cNvPr id="55" name="流程图: 终止 54">
                 <a:extLst>
                   <a:ext uri="{FF2B5EF4-FFF2-40B4-BE49-F238E27FC236}">
-                    <a16:creationId xmlns:a16="http://schemas.microsoft.com/office/drawing/2014/main" xmlns="" id="{821728A5-ACB2-4DFD-9EF9-C5718E8DB807}"/>
+                    <a16:creationId xmlns="" xmlns:a16="http://schemas.microsoft.com/office/drawing/2014/main" id="{821728A5-ACB2-4DFD-9EF9-C5718E8DB807}"/>
                   </a:ext>
                 </a:extLst>
               </p:cNvPr>
@@ -9934,7 +10103,7 @@
               <p:cNvPr id="56" name="文本框 40">
                 <a:extLst>
                   <a:ext uri="{FF2B5EF4-FFF2-40B4-BE49-F238E27FC236}">
-                    <a16:creationId xmlns:a16="http://schemas.microsoft.com/office/drawing/2014/main" xmlns="" id="{A1896994-9DBF-4384-9783-F23D3457056C}"/>
+                    <a16:creationId xmlns="" xmlns:a16="http://schemas.microsoft.com/office/drawing/2014/main" id="{A1896994-9DBF-4384-9783-F23D3457056C}"/>
                   </a:ext>
                 </a:extLst>
               </p:cNvPr>
@@ -10001,7 +10170,7 @@
             <p:cNvPr id="40" name="组合 39">
               <a:extLst>
                 <a:ext uri="{FF2B5EF4-FFF2-40B4-BE49-F238E27FC236}">
-                  <a16:creationId xmlns:a16="http://schemas.microsoft.com/office/drawing/2014/main" xmlns="" id="{98DAB4CF-B7E6-4A94-B020-148FE92C07ED}"/>
+                  <a16:creationId xmlns="" xmlns:a16="http://schemas.microsoft.com/office/drawing/2014/main" id="{98DAB4CF-B7E6-4A94-B020-148FE92C07ED}"/>
                 </a:ext>
               </a:extLst>
             </p:cNvPr>
@@ -10024,7 +10193,7 @@
               <p:cNvPr id="53" name="流程图: 终止 52">
                 <a:extLst>
                   <a:ext uri="{FF2B5EF4-FFF2-40B4-BE49-F238E27FC236}">
-                    <a16:creationId xmlns:a16="http://schemas.microsoft.com/office/drawing/2014/main" xmlns="" id="{7ADB7280-DA5D-4B25-A4BB-364BDC39C520}"/>
+                    <a16:creationId xmlns="" xmlns:a16="http://schemas.microsoft.com/office/drawing/2014/main" id="{7ADB7280-DA5D-4B25-A4BB-364BDC39C520}"/>
                   </a:ext>
                 </a:extLst>
               </p:cNvPr>
@@ -10086,7 +10255,7 @@
               <p:cNvPr id="54" name="文本框 3">
                 <a:extLst>
                   <a:ext uri="{FF2B5EF4-FFF2-40B4-BE49-F238E27FC236}">
-                    <a16:creationId xmlns:a16="http://schemas.microsoft.com/office/drawing/2014/main" xmlns="" id="{505B618B-DD3F-4711-B98B-A034FBC53F99}"/>
+                    <a16:creationId xmlns="" xmlns:a16="http://schemas.microsoft.com/office/drawing/2014/main" id="{505B618B-DD3F-4711-B98B-A034FBC53F99}"/>
                   </a:ext>
                 </a:extLst>
               </p:cNvPr>
@@ -10153,7 +10322,7 @@
             <p:cNvPr id="41" name="流程图: 过程 40">
               <a:extLst>
                 <a:ext uri="{FF2B5EF4-FFF2-40B4-BE49-F238E27FC236}">
-                  <a16:creationId xmlns:a16="http://schemas.microsoft.com/office/drawing/2014/main" xmlns="" id="{A2B7C6EB-B9C5-4815-9207-7ABAD5294750}"/>
+                  <a16:creationId xmlns="" xmlns:a16="http://schemas.microsoft.com/office/drawing/2014/main" id="{A2B7C6EB-B9C5-4815-9207-7ABAD5294750}"/>
                 </a:ext>
               </a:extLst>
             </p:cNvPr>
@@ -10224,7 +10393,7 @@
             <p:cNvPr id="42" name="直接箭头连接符 41">
               <a:extLst>
                 <a:ext uri="{FF2B5EF4-FFF2-40B4-BE49-F238E27FC236}">
-                  <a16:creationId xmlns:a16="http://schemas.microsoft.com/office/drawing/2014/main" xmlns="" id="{1D2F8702-EF1E-4E42-A00F-F506FB845B9C}"/>
+                  <a16:creationId xmlns="" xmlns:a16="http://schemas.microsoft.com/office/drawing/2014/main" id="{1D2F8702-EF1E-4E42-A00F-F506FB845B9C}"/>
                 </a:ext>
               </a:extLst>
             </p:cNvPr>
@@ -10266,7 +10435,7 @@
             <p:cNvPr id="43" name="直接箭头连接符 42">
               <a:extLst>
                 <a:ext uri="{FF2B5EF4-FFF2-40B4-BE49-F238E27FC236}">
-                  <a16:creationId xmlns:a16="http://schemas.microsoft.com/office/drawing/2014/main" xmlns="" id="{E62DF940-C9F0-44A1-9639-8EBE6D2B1770}"/>
+                  <a16:creationId xmlns="" xmlns:a16="http://schemas.microsoft.com/office/drawing/2014/main" id="{E62DF940-C9F0-44A1-9639-8EBE6D2B1770}"/>
                 </a:ext>
               </a:extLst>
             </p:cNvPr>
@@ -10308,7 +10477,7 @@
             <p:cNvPr id="44" name="直接箭头连接符 43">
               <a:extLst>
                 <a:ext uri="{FF2B5EF4-FFF2-40B4-BE49-F238E27FC236}">
-                  <a16:creationId xmlns:a16="http://schemas.microsoft.com/office/drawing/2014/main" xmlns="" id="{4CF753CC-E42A-4CD0-AA90-8267A1E33C0C}"/>
+                  <a16:creationId xmlns="" xmlns:a16="http://schemas.microsoft.com/office/drawing/2014/main" id="{4CF753CC-E42A-4CD0-AA90-8267A1E33C0C}"/>
                 </a:ext>
               </a:extLst>
             </p:cNvPr>
@@ -10350,7 +10519,7 @@
             <p:cNvPr id="45" name="直接箭头连接符 44">
               <a:extLst>
                 <a:ext uri="{FF2B5EF4-FFF2-40B4-BE49-F238E27FC236}">
-                  <a16:creationId xmlns:a16="http://schemas.microsoft.com/office/drawing/2014/main" xmlns="" id="{1F333818-AA2B-4765-B105-91E62155BB7E}"/>
+                  <a16:creationId xmlns="" xmlns:a16="http://schemas.microsoft.com/office/drawing/2014/main" id="{1F333818-AA2B-4765-B105-91E62155BB7E}"/>
                 </a:ext>
               </a:extLst>
             </p:cNvPr>
@@ -10392,7 +10561,7 @@
             <p:cNvPr id="46" name="直接箭头连接符 45">
               <a:extLst>
                 <a:ext uri="{FF2B5EF4-FFF2-40B4-BE49-F238E27FC236}">
-                  <a16:creationId xmlns:a16="http://schemas.microsoft.com/office/drawing/2014/main" xmlns="" id="{22BBC817-1511-4F14-8D7D-7887AAACA9D0}"/>
+                  <a16:creationId xmlns="" xmlns:a16="http://schemas.microsoft.com/office/drawing/2014/main" id="{22BBC817-1511-4F14-8D7D-7887AAACA9D0}"/>
                 </a:ext>
               </a:extLst>
             </p:cNvPr>
@@ -10434,7 +10603,7 @@
             <p:cNvPr id="47" name="直接连接符 46">
               <a:extLst>
                 <a:ext uri="{FF2B5EF4-FFF2-40B4-BE49-F238E27FC236}">
-                  <a16:creationId xmlns:a16="http://schemas.microsoft.com/office/drawing/2014/main" xmlns="" id="{CF8115CD-2AAA-4FBC-AA85-48B59DAB5C3B}"/>
+                  <a16:creationId xmlns="" xmlns:a16="http://schemas.microsoft.com/office/drawing/2014/main" id="{CF8115CD-2AAA-4FBC-AA85-48B59DAB5C3B}"/>
                 </a:ext>
               </a:extLst>
             </p:cNvPr>
@@ -10477,7 +10646,7 @@
             <p:cNvPr id="48" name="直接箭头连接符 47">
               <a:extLst>
                 <a:ext uri="{FF2B5EF4-FFF2-40B4-BE49-F238E27FC236}">
-                  <a16:creationId xmlns:a16="http://schemas.microsoft.com/office/drawing/2014/main" xmlns="" id="{581F2596-4DA6-4C27-A7A8-43381C6D5C09}"/>
+                  <a16:creationId xmlns="" xmlns:a16="http://schemas.microsoft.com/office/drawing/2014/main" id="{581F2596-4DA6-4C27-A7A8-43381C6D5C09}"/>
                 </a:ext>
               </a:extLst>
             </p:cNvPr>
@@ -10519,7 +10688,7 @@
             <p:cNvPr id="49" name="直接连接符 48">
               <a:extLst>
                 <a:ext uri="{FF2B5EF4-FFF2-40B4-BE49-F238E27FC236}">
-                  <a16:creationId xmlns:a16="http://schemas.microsoft.com/office/drawing/2014/main" xmlns="" id="{09D3F5CF-B59E-4D6D-B843-9B98FBC3A18A}"/>
+                  <a16:creationId xmlns="" xmlns:a16="http://schemas.microsoft.com/office/drawing/2014/main" id="{09D3F5CF-B59E-4D6D-B843-9B98FBC3A18A}"/>
                 </a:ext>
               </a:extLst>
             </p:cNvPr>
@@ -10560,7 +10729,7 @@
             <p:cNvPr id="50" name="直接箭头连接符 49">
               <a:extLst>
                 <a:ext uri="{FF2B5EF4-FFF2-40B4-BE49-F238E27FC236}">
-                  <a16:creationId xmlns:a16="http://schemas.microsoft.com/office/drawing/2014/main" xmlns="" id="{3E159BB4-B276-4D87-8FC2-CA2E517589CC}"/>
+                  <a16:creationId xmlns="" xmlns:a16="http://schemas.microsoft.com/office/drawing/2014/main" id="{3E159BB4-B276-4D87-8FC2-CA2E517589CC}"/>
                 </a:ext>
               </a:extLst>
             </p:cNvPr>
@@ -10602,7 +10771,7 @@
             <p:cNvPr id="51" name="流程图: 过程 50">
               <a:extLst>
                 <a:ext uri="{FF2B5EF4-FFF2-40B4-BE49-F238E27FC236}">
-                  <a16:creationId xmlns:a16="http://schemas.microsoft.com/office/drawing/2014/main" xmlns="" id="{237F87A4-C6BA-48FF-97F6-D55F2D8B0B31}"/>
+                  <a16:creationId xmlns="" xmlns:a16="http://schemas.microsoft.com/office/drawing/2014/main" id="{237F87A4-C6BA-48FF-97F6-D55F2D8B0B31}"/>
                 </a:ext>
               </a:extLst>
             </p:cNvPr>
@@ -10683,7 +10852,7 @@
             <p:cNvPr id="52" name="直接箭头连接符 51">
               <a:extLst>
                 <a:ext uri="{FF2B5EF4-FFF2-40B4-BE49-F238E27FC236}">
-                  <a16:creationId xmlns:a16="http://schemas.microsoft.com/office/drawing/2014/main" xmlns="" id="{22ECF350-4564-49DC-98CD-F8825053E871}"/>
+                  <a16:creationId xmlns="" xmlns:a16="http://schemas.microsoft.com/office/drawing/2014/main" id="{22ECF350-4564-49DC-98CD-F8825053E871}"/>
                 </a:ext>
               </a:extLst>
             </p:cNvPr>
@@ -10726,7 +10895,7 @@
           <p:cNvPr id="61" name="文本框 60">
             <a:extLst>
               <a:ext uri="{FF2B5EF4-FFF2-40B4-BE49-F238E27FC236}">
-                <a16:creationId xmlns:a16="http://schemas.microsoft.com/office/drawing/2014/main" xmlns="" id="{F21A5795-F290-4143-B443-28B09DE65C16}"/>
+                <a16:creationId xmlns="" xmlns:a16="http://schemas.microsoft.com/office/drawing/2014/main" id="{F21A5795-F290-4143-B443-28B09DE65C16}"/>
               </a:ext>
             </a:extLst>
           </p:cNvPr>
@@ -10876,10 +11045,14 @@
             </a:r>
             <a:r>
               <a:rPr lang="zh-CN" altLang="zh-CN" sz="2400" dirty="0"/>
-              <a:t>使用交叉熵</a:t>
-            </a:r>
-            <a:r>
-              <a:rPr lang="zh-CN" altLang="zh-CN" sz="2400" dirty="0" smtClean="0"/>
+              <a:t>使用</a:t>
+            </a:r>
+            <a:r>
+              <a:rPr lang="zh-CN" altLang="zh-CN" sz="2400" b="1" dirty="0"/>
+              <a:t>交叉熵</a:t>
+            </a:r>
+            <a:r>
+              <a:rPr lang="zh-CN" altLang="zh-CN" sz="2400" b="1" dirty="0" smtClean="0"/>
               <a:t>损失函数</a:t>
             </a:r>
             <a:r>
@@ -11338,7 +11511,19 @@
               <a:rPr lang="zh-CN" altLang="en-US" sz="2200" dirty="0" smtClean="0">
                 <a:latin typeface="Times New Roman" panose="02020603050405020304" pitchFamily="18" charset="0"/>
               </a:rPr>
-              <a:t>根据梯度下降的方向更新模型的参数。</a:t>
+              <a:t>根据</a:t>
+            </a:r>
+            <a:r>
+              <a:rPr lang="zh-CN" altLang="en-US" sz="2200" b="1" dirty="0" smtClean="0">
+                <a:latin typeface="Times New Roman" panose="02020603050405020304" pitchFamily="18" charset="0"/>
+              </a:rPr>
+              <a:t>梯度下降</a:t>
+            </a:r>
+            <a:r>
+              <a:rPr lang="zh-CN" altLang="en-US" sz="2200" dirty="0" smtClean="0">
+                <a:latin typeface="Times New Roman" panose="02020603050405020304" pitchFamily="18" charset="0"/>
+              </a:rPr>
+              <a:t>的方向更新模型的参数。</a:t>
             </a:r>
             <a:endParaRPr lang="zh-CN" altLang="en-US" sz="2200" dirty="0"/>
           </a:p>
@@ -11417,34 +11602,172 @@
           </a:p>
         </p:txBody>
       </p:sp>
+      <p:sp>
+        <p:nvSpPr>
+          <p:cNvPr id="5" name="矩形 4"/>
+          <p:cNvSpPr/>
+          <p:nvPr/>
+        </p:nvSpPr>
+        <p:spPr>
+          <a:xfrm>
+            <a:off x="639846" y="4690271"/>
+            <a:ext cx="7733187" cy="1311128"/>
+          </a:xfrm>
+          <a:prstGeom prst="rect">
+            <a:avLst/>
+          </a:prstGeom>
+        </p:spPr>
+        <p:txBody>
+          <a:bodyPr wrap="square">
+            <a:spAutoFit/>
+          </a:bodyPr>
+          <a:lstStyle/>
+          <a:p>
+            <a:pPr algn="just">
+              <a:lnSpc>
+                <a:spcPct val="120000"/>
+              </a:lnSpc>
+              <a:spcAft>
+                <a:spcPts val="0"/>
+              </a:spcAft>
+            </a:pPr>
+            <a:r>
+              <a:rPr lang="zh-CN" altLang="zh-CN" sz="2200" kern="100" dirty="0">
+                <a:latin typeface="Times New Roman" panose="02020603050405020304" pitchFamily="18" charset="0"/>
+                <a:cs typeface="Times New Roman" panose="02020603050405020304" pitchFamily="18" charset="0"/>
+              </a:rPr>
+              <a:t>卷积神经网络算法的</a:t>
+            </a:r>
+            <a:r>
+              <a:rPr lang="zh-CN" altLang="zh-CN" sz="2200" b="1" kern="100" dirty="0">
+                <a:latin typeface="Times New Roman" panose="02020603050405020304" pitchFamily="18" charset="0"/>
+                <a:cs typeface="Times New Roman" panose="02020603050405020304" pitchFamily="18" charset="0"/>
+              </a:rPr>
+              <a:t>分类准确率和误检率都得到了提升，但是检出率会有一点降低</a:t>
+            </a:r>
+            <a:r>
+              <a:rPr lang="zh-CN" altLang="zh-CN" sz="2200" kern="100" dirty="0">
+                <a:latin typeface="Times New Roman" panose="02020603050405020304" pitchFamily="18" charset="0"/>
+                <a:cs typeface="Times New Roman" panose="02020603050405020304" pitchFamily="18" charset="0"/>
+              </a:rPr>
+              <a:t>。主要原因是卷积神经网络算法是平等的对待每一种类别。后续将对检出率做一些优化。</a:t>
+            </a:r>
+          </a:p>
+        </p:txBody>
+      </p:sp>
+      <p:sp>
+        <p:nvSpPr>
+          <p:cNvPr id="6" name="矩形 5"/>
+          <p:cNvSpPr/>
+          <p:nvPr/>
+        </p:nvSpPr>
+        <p:spPr>
+          <a:xfrm>
+            <a:off x="639847" y="1185071"/>
+            <a:ext cx="7733187" cy="869469"/>
+          </a:xfrm>
+          <a:prstGeom prst="rect">
+            <a:avLst/>
+          </a:prstGeom>
+        </p:spPr>
+        <p:txBody>
+          <a:bodyPr wrap="square">
+            <a:spAutoFit/>
+          </a:bodyPr>
+          <a:lstStyle/>
+          <a:p>
+            <a:pPr algn="just">
+              <a:lnSpc>
+                <a:spcPct val="120000"/>
+              </a:lnSpc>
+              <a:spcAft>
+                <a:spcPts val="0"/>
+              </a:spcAft>
+            </a:pPr>
+            <a:r>
+              <a:rPr lang="zh-CN" altLang="en-US" sz="2200" kern="100" dirty="0" smtClean="0">
+                <a:latin typeface="Times New Roman" panose="02020603050405020304" pitchFamily="18" charset="0"/>
+                <a:cs typeface="Times New Roman" panose="02020603050405020304" pitchFamily="18" charset="0"/>
+              </a:rPr>
+              <a:t>精确率是指，检测为该类别且检测正确的比率。</a:t>
+            </a:r>
+            <a:endParaRPr lang="en-US" altLang="zh-CN" sz="2200" kern="100" dirty="0" smtClean="0">
+              <a:latin typeface="Times New Roman" panose="02020603050405020304" pitchFamily="18" charset="0"/>
+              <a:cs typeface="Times New Roman" panose="02020603050405020304" pitchFamily="18" charset="0"/>
+            </a:endParaRPr>
+          </a:p>
+          <a:p>
+            <a:pPr algn="just">
+              <a:lnSpc>
+                <a:spcPct val="120000"/>
+              </a:lnSpc>
+              <a:spcAft>
+                <a:spcPts val="0"/>
+              </a:spcAft>
+            </a:pPr>
+            <a:r>
+              <a:rPr lang="en-US" altLang="zh-CN" sz="2200" kern="100" dirty="0" smtClean="0">
+                <a:latin typeface="Times New Roman" panose="02020603050405020304" pitchFamily="18" charset="0"/>
+                <a:cs typeface="Times New Roman" panose="02020603050405020304" pitchFamily="18" charset="0"/>
+              </a:rPr>
+              <a:t>F1</a:t>
+            </a:r>
+            <a:r>
+              <a:rPr lang="zh-CN" altLang="en-US" sz="2200" kern="100" dirty="0" smtClean="0">
+                <a:latin typeface="Times New Roman" panose="02020603050405020304" pitchFamily="18" charset="0"/>
+                <a:cs typeface="Times New Roman" panose="02020603050405020304" pitchFamily="18" charset="0"/>
+              </a:rPr>
+              <a:t>是精确率和召回率的</a:t>
+            </a:r>
+            <a:r>
+              <a:rPr lang="zh-CN" altLang="en-US" sz="2200" kern="100" dirty="0">
+                <a:latin typeface="Times New Roman" panose="02020603050405020304" pitchFamily="18" charset="0"/>
+                <a:cs typeface="Times New Roman" panose="02020603050405020304" pitchFamily="18" charset="0"/>
+              </a:rPr>
+              <a:t>综合</a:t>
+            </a:r>
+            <a:r>
+              <a:rPr lang="zh-CN" altLang="en-US" sz="2200" kern="100" dirty="0" smtClean="0">
+                <a:latin typeface="Times New Roman" panose="02020603050405020304" pitchFamily="18" charset="0"/>
+                <a:cs typeface="Times New Roman" panose="02020603050405020304" pitchFamily="18" charset="0"/>
+              </a:rPr>
+              <a:t>指标。</a:t>
+            </a:r>
+            <a:endParaRPr lang="zh-CN" altLang="zh-CN" sz="2200" kern="100" dirty="0">
+              <a:latin typeface="Times New Roman" panose="02020603050405020304" pitchFamily="18" charset="0"/>
+              <a:cs typeface="Times New Roman" panose="02020603050405020304" pitchFamily="18" charset="0"/>
+            </a:endParaRPr>
+          </a:p>
+        </p:txBody>
+      </p:sp>
       <p:graphicFrame>
         <p:nvGraphicFramePr>
-          <p:cNvPr id="4" name="表格 3"/>
+          <p:cNvPr id="7" name="表格 6"/>
           <p:cNvGraphicFramePr>
             <a:graphicFrameLocks noGrp="1"/>
           </p:cNvGraphicFramePr>
           <p:nvPr>
             <p:extLst>
               <p:ext uri="{D42A27DB-BD31-4B8C-83A1-F6EECF244321}">
-                <p14:modId xmlns:p14="http://schemas.microsoft.com/office/powerpoint/2010/main" val="3328618083"/>
+                <p14:modId xmlns:p14="http://schemas.microsoft.com/office/powerpoint/2010/main" val="447223796"/>
               </p:ext>
             </p:extLst>
           </p:nvPr>
         </p:nvGraphicFramePr>
         <p:xfrm>
-          <a:off x="304801" y="2284105"/>
-          <a:ext cx="8319245" cy="1828800"/>
+          <a:off x="215153" y="2206940"/>
+          <a:ext cx="8758517" cy="2194560"/>
         </p:xfrm>
         <a:graphic>
           <a:graphicData uri="http://schemas.openxmlformats.org/drawingml/2006/table">
             <a:tbl>
               <a:tblPr firstRow="1" firstCol="1" bandRow="1"/>
               <a:tblGrid>
-                <a:gridCol w="1608562"/>
-                <a:gridCol w="1562486"/>
-                <a:gridCol w="1746781"/>
-                <a:gridCol w="1627591"/>
-                <a:gridCol w="1773825"/>
+                <a:gridCol w="1693496"/>
+                <a:gridCol w="1644991"/>
+                <a:gridCol w="1839014"/>
+                <a:gridCol w="1713531"/>
+                <a:gridCol w="1867485"/>
               </a:tblGrid>
               <a:tr h="0">
                 <a:tc>
@@ -11462,12 +11785,15 @@
                       </a:pPr>
                       <a:r>
                         <a:rPr lang="zh-CN" sz="2000" kern="100" dirty="0">
+                          <a:solidFill>
+                            <a:schemeClr val="tx1"/>
+                          </a:solidFill>
                           <a:effectLst/>
                           <a:latin typeface="Times New Roman" panose="02020603050405020304" pitchFamily="18" charset="0"/>
                           <a:ea typeface="宋体" panose="02010600030101010101" pitchFamily="2" charset="-122"/>
                           <a:cs typeface="Times New Roman" panose="02020603050405020304" pitchFamily="18" charset="0"/>
                         </a:rPr>
-                        <a:t>不良类别</a:t>
+                        <a:t>类别</a:t>
                       </a:r>
                     </a:p>
                   </a:txBody>
@@ -11513,6 +11839,9 @@
                       </a:pPr>
                       <a:r>
                         <a:rPr lang="zh-CN" sz="2000" kern="100" dirty="0">
+                          <a:solidFill>
+                            <a:schemeClr val="tx1"/>
+                          </a:solidFill>
                           <a:effectLst/>
                           <a:latin typeface="Times New Roman" panose="02020603050405020304" pitchFamily="18" charset="0"/>
                           <a:ea typeface="宋体" panose="02010600030101010101" pitchFamily="2" charset="-122"/>
@@ -11563,7 +11892,10 @@
                         </a:spcAft>
                       </a:pPr>
                       <a:r>
-                        <a:rPr lang="zh-CN" sz="2000" kern="100" dirty="0">
+                        <a:rPr lang="zh-CN" sz="2000" kern="100">
+                          <a:solidFill>
+                            <a:schemeClr val="tx1"/>
+                          </a:solidFill>
                           <a:effectLst/>
                           <a:latin typeface="Times New Roman" panose="02020603050405020304" pitchFamily="18" charset="0"/>
                           <a:ea typeface="宋体" panose="02010600030101010101" pitchFamily="2" charset="-122"/>
@@ -11572,7 +11904,10 @@
                         <a:t>召回率</a:t>
                       </a:r>
                       <a:r>
-                        <a:rPr lang="en-US" sz="2000" kern="100" dirty="0">
+                        <a:rPr lang="en-US" sz="2000" kern="100">
+                          <a:solidFill>
+                            <a:schemeClr val="tx1"/>
+                          </a:solidFill>
                           <a:effectLst/>
                           <a:latin typeface="Times New Roman" panose="02020603050405020304" pitchFamily="18" charset="0"/>
                           <a:ea typeface="宋体" panose="02010600030101010101" pitchFamily="2" charset="-122"/>
@@ -11581,7 +11916,10 @@
                         <a:t>/</a:t>
                       </a:r>
                       <a:r>
-                        <a:rPr lang="zh-CN" sz="2000" kern="100" dirty="0">
+                        <a:rPr lang="zh-CN" sz="2000" kern="100">
+                          <a:solidFill>
+                            <a:schemeClr val="tx1"/>
+                          </a:solidFill>
                           <a:effectLst/>
                           <a:latin typeface="Times New Roman" panose="02020603050405020304" pitchFamily="18" charset="0"/>
                           <a:ea typeface="宋体" panose="02010600030101010101" pitchFamily="2" charset="-122"/>
@@ -11632,7 +11970,10 @@
                         </a:spcAft>
                       </a:pPr>
                       <a:r>
-                        <a:rPr lang="en-US" sz="2000" kern="100" dirty="0">
+                        <a:rPr lang="en-US" sz="2000" kern="100">
+                          <a:solidFill>
+                            <a:schemeClr val="tx1"/>
+                          </a:solidFill>
                           <a:effectLst/>
                           <a:latin typeface="Times New Roman" panose="02020603050405020304" pitchFamily="18" charset="0"/>
                           <a:ea typeface="宋体" panose="02010600030101010101" pitchFamily="2" charset="-122"/>
@@ -11640,7 +11981,10 @@
                         </a:rPr>
                         <a:t>F1</a:t>
                       </a:r>
-                      <a:endParaRPr lang="zh-CN" sz="2000" kern="100" dirty="0">
+                      <a:endParaRPr lang="zh-CN" sz="2000" kern="100">
+                        <a:solidFill>
+                          <a:schemeClr val="tx1"/>
+                        </a:solidFill>
                         <a:effectLst/>
                         <a:latin typeface="Times New Roman" panose="02020603050405020304" pitchFamily="18" charset="0"/>
                         <a:ea typeface="宋体" panose="02010600030101010101" pitchFamily="2" charset="-122"/>
@@ -11690,6 +12034,9 @@
                       </a:pPr>
                       <a:r>
                         <a:rPr lang="zh-CN" sz="2000" kern="100">
+                          <a:solidFill>
+                            <a:schemeClr val="tx1"/>
+                          </a:solidFill>
                           <a:effectLst/>
                           <a:latin typeface="Times New Roman" panose="02020603050405020304" pitchFamily="18" charset="0"/>
                           <a:ea typeface="宋体" panose="02010600030101010101" pitchFamily="2" charset="-122"/>
@@ -11742,13 +12089,16 @@
                         </a:spcAft>
                       </a:pPr>
                       <a:r>
-                        <a:rPr lang="zh-CN" sz="2000" kern="100" dirty="0">
+                        <a:rPr lang="zh-CN" sz="2000" kern="100">
+                          <a:solidFill>
+                            <a:schemeClr val="tx1"/>
+                          </a:solidFill>
                           <a:effectLst/>
                           <a:latin typeface="Times New Roman" panose="02020603050405020304" pitchFamily="18" charset="0"/>
                           <a:ea typeface="宋体" panose="02010600030101010101" pitchFamily="2" charset="-122"/>
                           <a:cs typeface="Times New Roman" panose="02020603050405020304" pitchFamily="18" charset="0"/>
                         </a:rPr>
-                        <a:t>工件缺失</a:t>
+                        <a:t>正常</a:t>
                       </a:r>
                     </a:p>
                   </a:txBody>
@@ -11788,14 +12138,77 @@
                       </a:pPr>
                       <a:r>
                         <a:rPr lang="en-US" sz="2000" kern="100" dirty="0">
+                          <a:solidFill>
+                            <a:schemeClr val="tx1"/>
+                          </a:solidFill>
                           <a:effectLst/>
                           <a:latin typeface="Times New Roman" panose="02020603050405020304" pitchFamily="18" charset="0"/>
                           <a:ea typeface="宋体" panose="02010600030101010101" pitchFamily="2" charset="-122"/>
                           <a:cs typeface="Times New Roman" panose="02020603050405020304" pitchFamily="18" charset="0"/>
                         </a:rPr>
-                        <a:t>100%</a:t>
+                        <a:t>98.63%</a:t>
                       </a:r>
                       <a:endParaRPr lang="zh-CN" sz="2000" kern="100" dirty="0">
+                        <a:solidFill>
+                          <a:schemeClr val="tx1"/>
+                        </a:solidFill>
+                        <a:effectLst/>
+                        <a:latin typeface="Times New Roman" panose="02020603050405020304" pitchFamily="18" charset="0"/>
+                        <a:ea typeface="宋体" panose="02010600030101010101" pitchFamily="2" charset="-122"/>
+                        <a:cs typeface="Times New Roman" panose="02020603050405020304" pitchFamily="18" charset="0"/>
+                      </a:endParaRPr>
+                    </a:p>
+                  </a:txBody>
+                  <a:tcPr marL="68580" marR="68580" marT="0" marB="0">
+                    <a:lnL>
+                      <a:noFill/>
+                    </a:lnL>
+                    <a:lnR>
+                      <a:noFill/>
+                    </a:lnR>
+                    <a:lnT w="12700" cap="flat" cmpd="sng" algn="ctr">
+                      <a:solidFill>
+                        <a:srgbClr val="000000"/>
+                      </a:solidFill>
+                      <a:prstDash val="solid"/>
+                      <a:round/>
+                      <a:headEnd type="none" w="med" len="med"/>
+                      <a:tailEnd type="none" w="med" len="med"/>
+                    </a:lnT>
+                    <a:lnB>
+                      <a:noFill/>
+                    </a:lnB>
+                  </a:tcPr>
+                </a:tc>
+                <a:tc>
+                  <a:txBody>
+                    <a:bodyPr/>
+                    <a:lstStyle/>
+                    <a:p>
+                      <a:pPr algn="ctr">
+                        <a:lnSpc>
+                          <a:spcPct val="120000"/>
+                        </a:lnSpc>
+                        <a:spcAft>
+                          <a:spcPts val="0"/>
+                        </a:spcAft>
+                      </a:pPr>
+                      <a:r>
+                        <a:rPr lang="en-US" sz="2000" kern="100" dirty="0">
+                          <a:solidFill>
+                            <a:schemeClr val="tx1"/>
+                          </a:solidFill>
+                          <a:effectLst/>
+                          <a:latin typeface="Times New Roman" panose="02020603050405020304" pitchFamily="18" charset="0"/>
+                          <a:ea typeface="宋体" panose="02010600030101010101" pitchFamily="2" charset="-122"/>
+                          <a:cs typeface="Times New Roman" panose="02020603050405020304" pitchFamily="18" charset="0"/>
+                        </a:rPr>
+                        <a:t>99.31%</a:t>
+                      </a:r>
+                      <a:endParaRPr lang="zh-CN" sz="2000" kern="100" dirty="0">
+                        <a:solidFill>
+                          <a:schemeClr val="tx1"/>
+                        </a:solidFill>
                         <a:effectLst/>
                         <a:latin typeface="Times New Roman" panose="02020603050405020304" pitchFamily="18" charset="0"/>
                         <a:ea typeface="宋体" panose="02010600030101010101" pitchFamily="2" charset="-122"/>
@@ -11839,14 +12252,20 @@
                       </a:pPr>
                       <a:r>
                         <a:rPr lang="en-US" sz="2000" kern="100">
+                          <a:solidFill>
+                            <a:schemeClr val="tx1"/>
+                          </a:solidFill>
                           <a:effectLst/>
                           <a:latin typeface="Times New Roman" panose="02020603050405020304" pitchFamily="18" charset="0"/>
                           <a:ea typeface="宋体" panose="02010600030101010101" pitchFamily="2" charset="-122"/>
                           <a:cs typeface="Times New Roman" panose="02020603050405020304" pitchFamily="18" charset="0"/>
                         </a:rPr>
-                        <a:t>100%</a:t>
+                        <a:t>98.97%</a:t>
                       </a:r>
                       <a:endParaRPr lang="zh-CN" sz="2000" kern="100">
+                        <a:solidFill>
+                          <a:schemeClr val="tx1"/>
+                        </a:solidFill>
                         <a:effectLst/>
                         <a:latin typeface="Times New Roman" panose="02020603050405020304" pitchFamily="18" charset="0"/>
                         <a:ea typeface="宋体" panose="02010600030101010101" pitchFamily="2" charset="-122"/>
@@ -11890,65 +12309,20 @@
                       </a:pPr>
                       <a:r>
                         <a:rPr lang="en-US" sz="2000" kern="100" dirty="0">
+                          <a:solidFill>
+                            <a:schemeClr val="tx1"/>
+                          </a:solidFill>
                           <a:effectLst/>
                           <a:latin typeface="Times New Roman" panose="02020603050405020304" pitchFamily="18" charset="0"/>
                           <a:ea typeface="宋体" panose="02010600030101010101" pitchFamily="2" charset="-122"/>
                           <a:cs typeface="Times New Roman" panose="02020603050405020304" pitchFamily="18" charset="0"/>
                         </a:rPr>
-                        <a:t>100%</a:t>
+                        <a:t>2.35%</a:t>
                       </a:r>
                       <a:endParaRPr lang="zh-CN" sz="2000" kern="100" dirty="0">
-                        <a:effectLst/>
-                        <a:latin typeface="Times New Roman" panose="02020603050405020304" pitchFamily="18" charset="0"/>
-                        <a:ea typeface="宋体" panose="02010600030101010101" pitchFamily="2" charset="-122"/>
-                        <a:cs typeface="Times New Roman" panose="02020603050405020304" pitchFamily="18" charset="0"/>
-                      </a:endParaRPr>
-                    </a:p>
-                  </a:txBody>
-                  <a:tcPr marL="68580" marR="68580" marT="0" marB="0">
-                    <a:lnL>
-                      <a:noFill/>
-                    </a:lnL>
-                    <a:lnR>
-                      <a:noFill/>
-                    </a:lnR>
-                    <a:lnT w="12700" cap="flat" cmpd="sng" algn="ctr">
-                      <a:solidFill>
-                        <a:srgbClr val="000000"/>
-                      </a:solidFill>
-                      <a:prstDash val="solid"/>
-                      <a:round/>
-                      <a:headEnd type="none" w="med" len="med"/>
-                      <a:tailEnd type="none" w="med" len="med"/>
-                    </a:lnT>
-                    <a:lnB>
-                      <a:noFill/>
-                    </a:lnB>
-                  </a:tcPr>
-                </a:tc>
-                <a:tc>
-                  <a:txBody>
-                    <a:bodyPr/>
-                    <a:lstStyle/>
-                    <a:p>
-                      <a:pPr algn="ctr">
-                        <a:lnSpc>
-                          <a:spcPct val="120000"/>
-                        </a:lnSpc>
-                        <a:spcAft>
-                          <a:spcPts val="0"/>
-                        </a:spcAft>
-                      </a:pPr>
-                      <a:r>
-                        <a:rPr lang="en-US" sz="2000" kern="100">
-                          <a:effectLst/>
-                          <a:latin typeface="Times New Roman" panose="02020603050405020304" pitchFamily="18" charset="0"/>
-                          <a:ea typeface="宋体" panose="02010600030101010101" pitchFamily="2" charset="-122"/>
-                          <a:cs typeface="Times New Roman" panose="02020603050405020304" pitchFamily="18" charset="0"/>
-                        </a:rPr>
-                        <a:t>0%</a:t>
-                      </a:r>
-                      <a:endParaRPr lang="zh-CN" sz="2000" kern="100">
+                        <a:solidFill>
+                          <a:schemeClr val="tx1"/>
+                        </a:solidFill>
                         <a:effectLst/>
                         <a:latin typeface="Times New Roman" panose="02020603050405020304" pitchFamily="18" charset="0"/>
                         <a:ea typeface="宋体" panose="02010600030101010101" pitchFamily="2" charset="-122"/>
@@ -11994,12 +12368,15 @@
                       </a:pPr>
                       <a:r>
                         <a:rPr lang="zh-CN" sz="2000" kern="100">
+                          <a:solidFill>
+                            <a:schemeClr val="tx1"/>
+                          </a:solidFill>
                           <a:effectLst/>
                           <a:latin typeface="Times New Roman" panose="02020603050405020304" pitchFamily="18" charset="0"/>
                           <a:ea typeface="宋体" panose="02010600030101010101" pitchFamily="2" charset="-122"/>
                           <a:cs typeface="Times New Roman" panose="02020603050405020304" pitchFamily="18" charset="0"/>
                         </a:rPr>
-                        <a:t>棉芯缺失</a:t>
+                        <a:t>工件缺失</a:t>
                       </a:r>
                     </a:p>
                   </a:txBody>
@@ -12032,7 +12409,10 @@
                         </a:spcAft>
                       </a:pPr>
                       <a:r>
-                        <a:rPr lang="en-US" sz="2000" kern="100" dirty="0">
+                        <a:rPr lang="en-US" sz="2000" kern="100">
+                          <a:solidFill>
+                            <a:schemeClr val="tx1"/>
+                          </a:solidFill>
                           <a:effectLst/>
                           <a:latin typeface="Times New Roman" panose="02020603050405020304" pitchFamily="18" charset="0"/>
                           <a:ea typeface="宋体" panose="02010600030101010101" pitchFamily="2" charset="-122"/>
@@ -12040,7 +12420,10 @@
                         </a:rPr>
                         <a:t>100%</a:t>
                       </a:r>
-                      <a:endParaRPr lang="zh-CN" sz="2000" kern="100" dirty="0">
+                      <a:endParaRPr lang="zh-CN" sz="2000" kern="100">
+                        <a:solidFill>
+                          <a:schemeClr val="tx1"/>
+                        </a:solidFill>
                         <a:effectLst/>
                         <a:latin typeface="Times New Roman" panose="02020603050405020304" pitchFamily="18" charset="0"/>
                         <a:ea typeface="宋体" panose="02010600030101010101" pitchFamily="2" charset="-122"/>
@@ -12078,6 +12461,9 @@
                       </a:pPr>
                       <a:r>
                         <a:rPr lang="en-US" sz="2000" kern="100" dirty="0">
+                          <a:solidFill>
+                            <a:schemeClr val="tx1"/>
+                          </a:solidFill>
                           <a:effectLst/>
                           <a:latin typeface="Times New Roman" panose="02020603050405020304" pitchFamily="18" charset="0"/>
                           <a:ea typeface="宋体" panose="02010600030101010101" pitchFamily="2" charset="-122"/>
@@ -12086,6 +12472,9 @@
                         <a:t>100%</a:t>
                       </a:r>
                       <a:endParaRPr lang="zh-CN" sz="2000" kern="100" dirty="0">
+                        <a:solidFill>
+                          <a:schemeClr val="tx1"/>
+                        </a:solidFill>
                         <a:effectLst/>
                         <a:latin typeface="Times New Roman" panose="02020603050405020304" pitchFamily="18" charset="0"/>
                         <a:ea typeface="宋体" panose="02010600030101010101" pitchFamily="2" charset="-122"/>
@@ -12123,6 +12512,9 @@
                       </a:pPr>
                       <a:r>
                         <a:rPr lang="en-US" sz="2000" kern="100" dirty="0">
+                          <a:solidFill>
+                            <a:schemeClr val="tx1"/>
+                          </a:solidFill>
                           <a:effectLst/>
                           <a:latin typeface="Times New Roman" panose="02020603050405020304" pitchFamily="18" charset="0"/>
                           <a:ea typeface="宋体" panose="02010600030101010101" pitchFamily="2" charset="-122"/>
@@ -12131,6 +12523,9 @@
                         <a:t>100%</a:t>
                       </a:r>
                       <a:endParaRPr lang="zh-CN" sz="2000" kern="100" dirty="0">
+                        <a:solidFill>
+                          <a:schemeClr val="tx1"/>
+                        </a:solidFill>
                         <a:effectLst/>
                         <a:latin typeface="Times New Roman" panose="02020603050405020304" pitchFamily="18" charset="0"/>
                         <a:ea typeface="宋体" panose="02010600030101010101" pitchFamily="2" charset="-122"/>
@@ -12167,7 +12562,10 @@
                         </a:spcAft>
                       </a:pPr>
                       <a:r>
-                        <a:rPr lang="en-US" sz="2000" kern="100" dirty="0">
+                        <a:rPr lang="en-US" sz="2000" kern="100">
+                          <a:solidFill>
+                            <a:schemeClr val="tx1"/>
+                          </a:solidFill>
                           <a:effectLst/>
                           <a:latin typeface="Times New Roman" panose="02020603050405020304" pitchFamily="18" charset="0"/>
                           <a:ea typeface="宋体" panose="02010600030101010101" pitchFamily="2" charset="-122"/>
@@ -12175,7 +12573,10 @@
                         </a:rPr>
                         <a:t>0%</a:t>
                       </a:r>
-                      <a:endParaRPr lang="zh-CN" sz="2000" kern="100" dirty="0">
+                      <a:endParaRPr lang="zh-CN" sz="2000" kern="100">
+                        <a:solidFill>
+                          <a:schemeClr val="tx1"/>
+                        </a:solidFill>
                         <a:effectLst/>
                         <a:latin typeface="Times New Roman" panose="02020603050405020304" pitchFamily="18" charset="0"/>
                         <a:ea typeface="宋体" panose="02010600030101010101" pitchFamily="2" charset="-122"/>
@@ -12215,6 +12616,257 @@
                       </a:pPr>
                       <a:r>
                         <a:rPr lang="zh-CN" sz="2000" kern="100">
+                          <a:solidFill>
+                            <a:schemeClr val="tx1"/>
+                          </a:solidFill>
+                          <a:effectLst/>
+                          <a:latin typeface="Times New Roman" panose="02020603050405020304" pitchFamily="18" charset="0"/>
+                          <a:ea typeface="宋体" panose="02010600030101010101" pitchFamily="2" charset="-122"/>
+                          <a:cs typeface="Times New Roman" panose="02020603050405020304" pitchFamily="18" charset="0"/>
+                        </a:rPr>
+                        <a:t>棉芯缺失</a:t>
+                      </a:r>
+                    </a:p>
+                  </a:txBody>
+                  <a:tcPr marL="68580" marR="68580" marT="0" marB="0">
+                    <a:lnL>
+                      <a:noFill/>
+                    </a:lnL>
+                    <a:lnR>
+                      <a:noFill/>
+                    </a:lnR>
+                    <a:lnT>
+                      <a:noFill/>
+                    </a:lnT>
+                    <a:lnB>
+                      <a:noFill/>
+                    </a:lnB>
+                  </a:tcPr>
+                </a:tc>
+                <a:tc>
+                  <a:txBody>
+                    <a:bodyPr/>
+                    <a:lstStyle/>
+                    <a:p>
+                      <a:pPr algn="ctr">
+                        <a:lnSpc>
+                          <a:spcPct val="120000"/>
+                        </a:lnSpc>
+                        <a:spcAft>
+                          <a:spcPts val="0"/>
+                        </a:spcAft>
+                      </a:pPr>
+                      <a:r>
+                        <a:rPr lang="en-US" sz="2000" kern="100">
+                          <a:solidFill>
+                            <a:schemeClr val="tx1"/>
+                          </a:solidFill>
+                          <a:effectLst/>
+                          <a:latin typeface="Times New Roman" panose="02020603050405020304" pitchFamily="18" charset="0"/>
+                          <a:ea typeface="宋体" panose="02010600030101010101" pitchFamily="2" charset="-122"/>
+                          <a:cs typeface="Times New Roman" panose="02020603050405020304" pitchFamily="18" charset="0"/>
+                        </a:rPr>
+                        <a:t>100%</a:t>
+                      </a:r>
+                      <a:endParaRPr lang="zh-CN" sz="2000" kern="100">
+                        <a:solidFill>
+                          <a:schemeClr val="tx1"/>
+                        </a:solidFill>
+                        <a:effectLst/>
+                        <a:latin typeface="Times New Roman" panose="02020603050405020304" pitchFamily="18" charset="0"/>
+                        <a:ea typeface="宋体" panose="02010600030101010101" pitchFamily="2" charset="-122"/>
+                        <a:cs typeface="Times New Roman" panose="02020603050405020304" pitchFamily="18" charset="0"/>
+                      </a:endParaRPr>
+                    </a:p>
+                  </a:txBody>
+                  <a:tcPr marL="68580" marR="68580" marT="0" marB="0">
+                    <a:lnL>
+                      <a:noFill/>
+                    </a:lnL>
+                    <a:lnR>
+                      <a:noFill/>
+                    </a:lnR>
+                    <a:lnT>
+                      <a:noFill/>
+                    </a:lnT>
+                    <a:lnB>
+                      <a:noFill/>
+                    </a:lnB>
+                  </a:tcPr>
+                </a:tc>
+                <a:tc>
+                  <a:txBody>
+                    <a:bodyPr/>
+                    <a:lstStyle/>
+                    <a:p>
+                      <a:pPr algn="ctr">
+                        <a:lnSpc>
+                          <a:spcPct val="120000"/>
+                        </a:lnSpc>
+                        <a:spcAft>
+                          <a:spcPts val="0"/>
+                        </a:spcAft>
+                      </a:pPr>
+                      <a:r>
+                        <a:rPr lang="en-US" sz="2000" kern="100">
+                          <a:solidFill>
+                            <a:schemeClr val="tx1"/>
+                          </a:solidFill>
+                          <a:effectLst/>
+                          <a:latin typeface="Times New Roman" panose="02020603050405020304" pitchFamily="18" charset="0"/>
+                          <a:ea typeface="宋体" panose="02010600030101010101" pitchFamily="2" charset="-122"/>
+                          <a:cs typeface="Times New Roman" panose="02020603050405020304" pitchFamily="18" charset="0"/>
+                        </a:rPr>
+                        <a:t>100%</a:t>
+                      </a:r>
+                      <a:endParaRPr lang="zh-CN" sz="2000" kern="100">
+                        <a:solidFill>
+                          <a:schemeClr val="tx1"/>
+                        </a:solidFill>
+                        <a:effectLst/>
+                        <a:latin typeface="Times New Roman" panose="02020603050405020304" pitchFamily="18" charset="0"/>
+                        <a:ea typeface="宋体" panose="02010600030101010101" pitchFamily="2" charset="-122"/>
+                        <a:cs typeface="Times New Roman" panose="02020603050405020304" pitchFamily="18" charset="0"/>
+                      </a:endParaRPr>
+                    </a:p>
+                  </a:txBody>
+                  <a:tcPr marL="68580" marR="68580" marT="0" marB="0">
+                    <a:lnL>
+                      <a:noFill/>
+                    </a:lnL>
+                    <a:lnR>
+                      <a:noFill/>
+                    </a:lnR>
+                    <a:lnT>
+                      <a:noFill/>
+                    </a:lnT>
+                    <a:lnB>
+                      <a:noFill/>
+                    </a:lnB>
+                  </a:tcPr>
+                </a:tc>
+                <a:tc>
+                  <a:txBody>
+                    <a:bodyPr/>
+                    <a:lstStyle/>
+                    <a:p>
+                      <a:pPr algn="ctr">
+                        <a:lnSpc>
+                          <a:spcPct val="120000"/>
+                        </a:lnSpc>
+                        <a:spcAft>
+                          <a:spcPts val="0"/>
+                        </a:spcAft>
+                      </a:pPr>
+                      <a:r>
+                        <a:rPr lang="en-US" sz="2000" kern="100" dirty="0">
+                          <a:solidFill>
+                            <a:schemeClr val="tx1"/>
+                          </a:solidFill>
+                          <a:effectLst/>
+                          <a:latin typeface="Times New Roman" panose="02020603050405020304" pitchFamily="18" charset="0"/>
+                          <a:ea typeface="宋体" panose="02010600030101010101" pitchFamily="2" charset="-122"/>
+                          <a:cs typeface="Times New Roman" panose="02020603050405020304" pitchFamily="18" charset="0"/>
+                        </a:rPr>
+                        <a:t>100%</a:t>
+                      </a:r>
+                      <a:endParaRPr lang="zh-CN" sz="2000" kern="100" dirty="0">
+                        <a:solidFill>
+                          <a:schemeClr val="tx1"/>
+                        </a:solidFill>
+                        <a:effectLst/>
+                        <a:latin typeface="Times New Roman" panose="02020603050405020304" pitchFamily="18" charset="0"/>
+                        <a:ea typeface="宋体" panose="02010600030101010101" pitchFamily="2" charset="-122"/>
+                        <a:cs typeface="Times New Roman" panose="02020603050405020304" pitchFamily="18" charset="0"/>
+                      </a:endParaRPr>
+                    </a:p>
+                  </a:txBody>
+                  <a:tcPr marL="68580" marR="68580" marT="0" marB="0">
+                    <a:lnL>
+                      <a:noFill/>
+                    </a:lnL>
+                    <a:lnR>
+                      <a:noFill/>
+                    </a:lnR>
+                    <a:lnT>
+                      <a:noFill/>
+                    </a:lnT>
+                    <a:lnB>
+                      <a:noFill/>
+                    </a:lnB>
+                  </a:tcPr>
+                </a:tc>
+                <a:tc>
+                  <a:txBody>
+                    <a:bodyPr/>
+                    <a:lstStyle/>
+                    <a:p>
+                      <a:pPr algn="ctr">
+                        <a:lnSpc>
+                          <a:spcPct val="120000"/>
+                        </a:lnSpc>
+                        <a:spcAft>
+                          <a:spcPts val="0"/>
+                        </a:spcAft>
+                      </a:pPr>
+                      <a:r>
+                        <a:rPr lang="en-US" sz="2000" kern="100">
+                          <a:solidFill>
+                            <a:schemeClr val="tx1"/>
+                          </a:solidFill>
+                          <a:effectLst/>
+                          <a:latin typeface="Times New Roman" panose="02020603050405020304" pitchFamily="18" charset="0"/>
+                          <a:ea typeface="宋体" panose="02010600030101010101" pitchFamily="2" charset="-122"/>
+                          <a:cs typeface="Times New Roman" panose="02020603050405020304" pitchFamily="18" charset="0"/>
+                        </a:rPr>
+                        <a:t>0%</a:t>
+                      </a:r>
+                      <a:endParaRPr lang="zh-CN" sz="2000" kern="100">
+                        <a:solidFill>
+                          <a:schemeClr val="tx1"/>
+                        </a:solidFill>
+                        <a:effectLst/>
+                        <a:latin typeface="Times New Roman" panose="02020603050405020304" pitchFamily="18" charset="0"/>
+                        <a:ea typeface="宋体" panose="02010600030101010101" pitchFamily="2" charset="-122"/>
+                        <a:cs typeface="Times New Roman" panose="02020603050405020304" pitchFamily="18" charset="0"/>
+                      </a:endParaRPr>
+                    </a:p>
+                  </a:txBody>
+                  <a:tcPr marL="68580" marR="68580" marT="0" marB="0">
+                    <a:lnL>
+                      <a:noFill/>
+                    </a:lnL>
+                    <a:lnR>
+                      <a:noFill/>
+                    </a:lnR>
+                    <a:lnT>
+                      <a:noFill/>
+                    </a:lnT>
+                    <a:lnB>
+                      <a:noFill/>
+                    </a:lnB>
+                  </a:tcPr>
+                </a:tc>
+              </a:tr>
+              <a:tr h="0">
+                <a:tc>
+                  <a:txBody>
+                    <a:bodyPr/>
+                    <a:lstStyle/>
+                    <a:p>
+                      <a:pPr algn="ctr">
+                        <a:lnSpc>
+                          <a:spcPct val="120000"/>
+                        </a:lnSpc>
+                        <a:spcAft>
+                          <a:spcPts val="0"/>
+                        </a:spcAft>
+                      </a:pPr>
+                      <a:r>
+                        <a:rPr lang="zh-CN" sz="2000" kern="100">
+                          <a:solidFill>
+                            <a:schemeClr val="tx1"/>
+                          </a:solidFill>
                           <a:effectLst/>
                           <a:latin typeface="Times New Roman" panose="02020603050405020304" pitchFamily="18" charset="0"/>
                           <a:ea typeface="宋体" panose="02010600030101010101" pitchFamily="2" charset="-122"/>
@@ -12254,6 +12906,9 @@
                       </a:pPr>
                       <a:r>
                         <a:rPr lang="en-US" sz="2000" kern="100">
+                          <a:solidFill>
+                            <a:schemeClr val="tx1"/>
+                          </a:solidFill>
                           <a:effectLst/>
                           <a:latin typeface="Times New Roman" panose="02020603050405020304" pitchFamily="18" charset="0"/>
                           <a:ea typeface="宋体" panose="02010600030101010101" pitchFamily="2" charset="-122"/>
@@ -12262,6 +12917,60 @@
                         <a:t>94.44%</a:t>
                       </a:r>
                       <a:endParaRPr lang="zh-CN" sz="2000" kern="100">
+                        <a:solidFill>
+                          <a:schemeClr val="tx1"/>
+                        </a:solidFill>
+                        <a:effectLst/>
+                        <a:latin typeface="Times New Roman" panose="02020603050405020304" pitchFamily="18" charset="0"/>
+                        <a:ea typeface="宋体" panose="02010600030101010101" pitchFamily="2" charset="-122"/>
+                        <a:cs typeface="Times New Roman" panose="02020603050405020304" pitchFamily="18" charset="0"/>
+                      </a:endParaRPr>
+                    </a:p>
+                  </a:txBody>
+                  <a:tcPr marL="68580" marR="68580" marT="0" marB="0">
+                    <a:lnL>
+                      <a:noFill/>
+                    </a:lnL>
+                    <a:lnR>
+                      <a:noFill/>
+                    </a:lnR>
+                    <a:lnT>
+                      <a:noFill/>
+                    </a:lnT>
+                    <a:lnB>
+                      <a:noFill/>
+                    </a:lnB>
+                  </a:tcPr>
+                </a:tc>
+                <a:tc>
+                  <a:txBody>
+                    <a:bodyPr/>
+                    <a:lstStyle/>
+                    <a:p>
+                      <a:pPr algn="ctr">
+                        <a:lnSpc>
+                          <a:spcPct val="120000"/>
+                        </a:lnSpc>
+                        <a:spcAft>
+                          <a:spcPts val="0"/>
+                        </a:spcAft>
+                      </a:pPr>
+                      <a:r>
+                        <a:rPr lang="en-US" sz="2000" kern="100">
+                          <a:solidFill>
+                            <a:schemeClr val="tx1"/>
+                          </a:solidFill>
+                          <a:effectLst/>
+                          <a:latin typeface="Times New Roman" panose="02020603050405020304" pitchFamily="18" charset="0"/>
+                          <a:ea typeface="宋体" panose="02010600030101010101" pitchFamily="2" charset="-122"/>
+                          <a:cs typeface="Times New Roman" panose="02020603050405020304" pitchFamily="18" charset="0"/>
+                        </a:rPr>
+                        <a:t>97.14%</a:t>
+                      </a:r>
+                      <a:endParaRPr lang="zh-CN" sz="2000" kern="100">
+                        <a:solidFill>
+                          <a:schemeClr val="tx1"/>
+                        </a:solidFill>
                         <a:effectLst/>
                         <a:latin typeface="Times New Roman" panose="02020603050405020304" pitchFamily="18" charset="0"/>
                         <a:ea typeface="宋体" panose="02010600030101010101" pitchFamily="2" charset="-122"/>
@@ -12299,6 +13008,9 @@
                       </a:pPr>
                       <a:r>
                         <a:rPr lang="en-US" sz="2000" kern="100" dirty="0">
+                          <a:solidFill>
+                            <a:schemeClr val="tx1"/>
+                          </a:solidFill>
                           <a:effectLst/>
                           <a:latin typeface="Times New Roman" panose="02020603050405020304" pitchFamily="18" charset="0"/>
                           <a:ea typeface="宋体" panose="02010600030101010101" pitchFamily="2" charset="-122"/>
@@ -12307,51 +13019,9 @@
                         <a:t>97.14%</a:t>
                       </a:r>
                       <a:endParaRPr lang="zh-CN" sz="2000" kern="100" dirty="0">
-                        <a:effectLst/>
-                        <a:latin typeface="Times New Roman" panose="02020603050405020304" pitchFamily="18" charset="0"/>
-                        <a:ea typeface="宋体" panose="02010600030101010101" pitchFamily="2" charset="-122"/>
-                        <a:cs typeface="Times New Roman" panose="02020603050405020304" pitchFamily="18" charset="0"/>
-                      </a:endParaRPr>
-                    </a:p>
-                  </a:txBody>
-                  <a:tcPr marL="68580" marR="68580" marT="0" marB="0">
-                    <a:lnL>
-                      <a:noFill/>
-                    </a:lnL>
-                    <a:lnR>
-                      <a:noFill/>
-                    </a:lnR>
-                    <a:lnT>
-                      <a:noFill/>
-                    </a:lnT>
-                    <a:lnB>
-                      <a:noFill/>
-                    </a:lnB>
-                  </a:tcPr>
-                </a:tc>
-                <a:tc>
-                  <a:txBody>
-                    <a:bodyPr/>
-                    <a:lstStyle/>
-                    <a:p>
-                      <a:pPr algn="ctr">
-                        <a:lnSpc>
-                          <a:spcPct val="120000"/>
-                        </a:lnSpc>
-                        <a:spcAft>
-                          <a:spcPts val="0"/>
-                        </a:spcAft>
-                      </a:pPr>
-                      <a:r>
-                        <a:rPr lang="en-US" sz="2000" kern="100">
-                          <a:effectLst/>
-                          <a:latin typeface="Times New Roman" panose="02020603050405020304" pitchFamily="18" charset="0"/>
-                          <a:ea typeface="宋体" panose="02010600030101010101" pitchFamily="2" charset="-122"/>
-                          <a:cs typeface="Times New Roman" panose="02020603050405020304" pitchFamily="18" charset="0"/>
-                        </a:rPr>
-                        <a:t>97.14%</a:t>
-                      </a:r>
-                      <a:endParaRPr lang="zh-CN" sz="2000" kern="100">
+                        <a:solidFill>
+                          <a:schemeClr val="tx1"/>
+                        </a:solidFill>
                         <a:effectLst/>
                         <a:latin typeface="Times New Roman" panose="02020603050405020304" pitchFamily="18" charset="0"/>
                         <a:ea typeface="宋体" panose="02010600030101010101" pitchFamily="2" charset="-122"/>
@@ -12389,6 +13059,9 @@
                       </a:pPr>
                       <a:r>
                         <a:rPr lang="en-US" sz="2000" kern="100" dirty="0">
+                          <a:solidFill>
+                            <a:schemeClr val="tx1"/>
+                          </a:solidFill>
                           <a:effectLst/>
                           <a:latin typeface="Times New Roman" panose="02020603050405020304" pitchFamily="18" charset="0"/>
                           <a:ea typeface="宋体" panose="02010600030101010101" pitchFamily="2" charset="-122"/>
@@ -12397,6 +13070,9 @@
                         <a:t>0.47%</a:t>
                       </a:r>
                       <a:endParaRPr lang="zh-CN" sz="2000" kern="100" dirty="0">
+                        <a:solidFill>
+                          <a:schemeClr val="tx1"/>
+                        </a:solidFill>
                         <a:effectLst/>
                         <a:latin typeface="Times New Roman" panose="02020603050405020304" pitchFamily="18" charset="0"/>
                         <a:ea typeface="宋体" panose="02010600030101010101" pitchFamily="2" charset="-122"/>
@@ -12436,6 +13112,9 @@
                       </a:pPr>
                       <a:r>
                         <a:rPr lang="zh-CN" sz="2000" kern="100">
+                          <a:solidFill>
+                            <a:schemeClr val="tx1"/>
+                          </a:solidFill>
                           <a:effectLst/>
                           <a:latin typeface="Times New Roman" panose="02020603050405020304" pitchFamily="18" charset="0"/>
                           <a:ea typeface="宋体" panose="02010600030101010101" pitchFamily="2" charset="-122"/>
@@ -12481,6 +13160,9 @@
                       </a:pPr>
                       <a:r>
                         <a:rPr lang="en-US" sz="2000" kern="100">
+                          <a:solidFill>
+                            <a:schemeClr val="tx1"/>
+                          </a:solidFill>
                           <a:effectLst/>
                           <a:latin typeface="Times New Roman" panose="02020603050405020304" pitchFamily="18" charset="0"/>
                           <a:ea typeface="宋体" panose="02010600030101010101" pitchFamily="2" charset="-122"/>
@@ -12489,6 +13171,123 @@
                         <a:t>100%</a:t>
                       </a:r>
                       <a:endParaRPr lang="zh-CN" sz="2000" kern="100">
+                        <a:solidFill>
+                          <a:schemeClr val="tx1"/>
+                        </a:solidFill>
+                        <a:effectLst/>
+                        <a:latin typeface="Times New Roman" panose="02020603050405020304" pitchFamily="18" charset="0"/>
+                        <a:ea typeface="宋体" panose="02010600030101010101" pitchFamily="2" charset="-122"/>
+                        <a:cs typeface="Times New Roman" panose="02020603050405020304" pitchFamily="18" charset="0"/>
+                      </a:endParaRPr>
+                    </a:p>
+                  </a:txBody>
+                  <a:tcPr marL="68580" marR="68580" marT="0" marB="0">
+                    <a:lnL>
+                      <a:noFill/>
+                    </a:lnL>
+                    <a:lnR>
+                      <a:noFill/>
+                    </a:lnR>
+                    <a:lnT>
+                      <a:noFill/>
+                    </a:lnT>
+                    <a:lnB w="12700" cap="flat" cmpd="sng" algn="ctr">
+                      <a:solidFill>
+                        <a:srgbClr val="000000"/>
+                      </a:solidFill>
+                      <a:prstDash val="solid"/>
+                      <a:round/>
+                      <a:headEnd type="none" w="med" len="med"/>
+                      <a:tailEnd type="none" w="med" len="med"/>
+                    </a:lnB>
+                  </a:tcPr>
+                </a:tc>
+                <a:tc>
+                  <a:txBody>
+                    <a:bodyPr/>
+                    <a:lstStyle/>
+                    <a:p>
+                      <a:pPr algn="ctr">
+                        <a:lnSpc>
+                          <a:spcPct val="120000"/>
+                        </a:lnSpc>
+                        <a:spcAft>
+                          <a:spcPts val="0"/>
+                        </a:spcAft>
+                      </a:pPr>
+                      <a:r>
+                        <a:rPr lang="en-US" sz="2000" kern="100">
+                          <a:solidFill>
+                            <a:schemeClr val="tx1"/>
+                          </a:solidFill>
+                          <a:effectLst/>
+                          <a:latin typeface="Times New Roman" panose="02020603050405020304" pitchFamily="18" charset="0"/>
+                          <a:ea typeface="宋体" panose="02010600030101010101" pitchFamily="2" charset="-122"/>
+                          <a:cs typeface="Times New Roman" panose="02020603050405020304" pitchFamily="18" charset="0"/>
+                        </a:rPr>
+                        <a:t>83.33%</a:t>
+                      </a:r>
+                      <a:endParaRPr lang="zh-CN" sz="2000" kern="100">
+                        <a:solidFill>
+                          <a:schemeClr val="tx1"/>
+                        </a:solidFill>
+                        <a:effectLst/>
+                        <a:latin typeface="Times New Roman" panose="02020603050405020304" pitchFamily="18" charset="0"/>
+                        <a:ea typeface="宋体" panose="02010600030101010101" pitchFamily="2" charset="-122"/>
+                        <a:cs typeface="Times New Roman" panose="02020603050405020304" pitchFamily="18" charset="0"/>
+                      </a:endParaRPr>
+                    </a:p>
+                  </a:txBody>
+                  <a:tcPr marL="68580" marR="68580" marT="0" marB="0">
+                    <a:lnL>
+                      <a:noFill/>
+                    </a:lnL>
+                    <a:lnR>
+                      <a:noFill/>
+                    </a:lnR>
+                    <a:lnT>
+                      <a:noFill/>
+                    </a:lnT>
+                    <a:lnB w="12700" cap="flat" cmpd="sng" algn="ctr">
+                      <a:solidFill>
+                        <a:srgbClr val="000000"/>
+                      </a:solidFill>
+                      <a:prstDash val="solid"/>
+                      <a:round/>
+                      <a:headEnd type="none" w="med" len="med"/>
+                      <a:tailEnd type="none" w="med" len="med"/>
+                    </a:lnB>
+                  </a:tcPr>
+                </a:tc>
+                <a:tc>
+                  <a:txBody>
+                    <a:bodyPr/>
+                    <a:lstStyle/>
+                    <a:p>
+                      <a:pPr algn="ctr">
+                        <a:lnSpc>
+                          <a:spcPct val="120000"/>
+                        </a:lnSpc>
+                        <a:spcAft>
+                          <a:spcPts val="0"/>
+                        </a:spcAft>
+                      </a:pPr>
+                      <a:r>
+                        <a:rPr lang="en-US" sz="2000" kern="100">
+                          <a:solidFill>
+                            <a:schemeClr val="tx1"/>
+                          </a:solidFill>
+                          <a:effectLst/>
+                          <a:latin typeface="Times New Roman" panose="02020603050405020304" pitchFamily="18" charset="0"/>
+                          <a:ea typeface="宋体" panose="02010600030101010101" pitchFamily="2" charset="-122"/>
+                          <a:cs typeface="Times New Roman" panose="02020603050405020304" pitchFamily="18" charset="0"/>
+                        </a:rPr>
+                        <a:t>90.91%</a:t>
+                      </a:r>
+                      <a:endParaRPr lang="zh-CN" sz="2000" kern="100">
+                        <a:solidFill>
+                          <a:schemeClr val="tx1"/>
+                        </a:solidFill>
                         <a:effectLst/>
                         <a:latin typeface="Times New Roman" panose="02020603050405020304" pitchFamily="18" charset="0"/>
                         <a:ea typeface="宋体" panose="02010600030101010101" pitchFamily="2" charset="-122"/>
@@ -12532,108 +13331,9 @@
                       </a:pPr>
                       <a:r>
                         <a:rPr lang="en-US" sz="2000" kern="100" dirty="0">
-                          <a:effectLst/>
-                          <a:latin typeface="Times New Roman" panose="02020603050405020304" pitchFamily="18" charset="0"/>
-                          <a:ea typeface="宋体" panose="02010600030101010101" pitchFamily="2" charset="-122"/>
-                          <a:cs typeface="Times New Roman" panose="02020603050405020304" pitchFamily="18" charset="0"/>
-                        </a:rPr>
-                        <a:t>83.33%</a:t>
-                      </a:r>
-                      <a:endParaRPr lang="zh-CN" sz="2000" kern="100" dirty="0">
-                        <a:effectLst/>
-                        <a:latin typeface="Times New Roman" panose="02020603050405020304" pitchFamily="18" charset="0"/>
-                        <a:ea typeface="宋体" panose="02010600030101010101" pitchFamily="2" charset="-122"/>
-                        <a:cs typeface="Times New Roman" panose="02020603050405020304" pitchFamily="18" charset="0"/>
-                      </a:endParaRPr>
-                    </a:p>
-                  </a:txBody>
-                  <a:tcPr marL="68580" marR="68580" marT="0" marB="0">
-                    <a:lnL>
-                      <a:noFill/>
-                    </a:lnL>
-                    <a:lnR>
-                      <a:noFill/>
-                    </a:lnR>
-                    <a:lnT>
-                      <a:noFill/>
-                    </a:lnT>
-                    <a:lnB w="12700" cap="flat" cmpd="sng" algn="ctr">
-                      <a:solidFill>
-                        <a:srgbClr val="000000"/>
-                      </a:solidFill>
-                      <a:prstDash val="solid"/>
-                      <a:round/>
-                      <a:headEnd type="none" w="med" len="med"/>
-                      <a:tailEnd type="none" w="med" len="med"/>
-                    </a:lnB>
-                  </a:tcPr>
-                </a:tc>
-                <a:tc>
-                  <a:txBody>
-                    <a:bodyPr/>
-                    <a:lstStyle/>
-                    <a:p>
-                      <a:pPr algn="ctr">
-                        <a:lnSpc>
-                          <a:spcPct val="120000"/>
-                        </a:lnSpc>
-                        <a:spcAft>
-                          <a:spcPts val="0"/>
-                        </a:spcAft>
-                      </a:pPr>
-                      <a:r>
-                        <a:rPr lang="en-US" sz="2000" kern="100" dirty="0">
-                          <a:effectLst/>
-                          <a:latin typeface="Times New Roman" panose="02020603050405020304" pitchFamily="18" charset="0"/>
-                          <a:ea typeface="宋体" panose="02010600030101010101" pitchFamily="2" charset="-122"/>
-                          <a:cs typeface="Times New Roman" panose="02020603050405020304" pitchFamily="18" charset="0"/>
-                        </a:rPr>
-                        <a:t>90.91%</a:t>
-                      </a:r>
-                      <a:endParaRPr lang="zh-CN" sz="2000" kern="100" dirty="0">
-                        <a:effectLst/>
-                        <a:latin typeface="Times New Roman" panose="02020603050405020304" pitchFamily="18" charset="0"/>
-                        <a:ea typeface="宋体" panose="02010600030101010101" pitchFamily="2" charset="-122"/>
-                        <a:cs typeface="Times New Roman" panose="02020603050405020304" pitchFamily="18" charset="0"/>
-                      </a:endParaRPr>
-                    </a:p>
-                  </a:txBody>
-                  <a:tcPr marL="68580" marR="68580" marT="0" marB="0">
-                    <a:lnL>
-                      <a:noFill/>
-                    </a:lnL>
-                    <a:lnR>
-                      <a:noFill/>
-                    </a:lnR>
-                    <a:lnT>
-                      <a:noFill/>
-                    </a:lnT>
-                    <a:lnB w="12700" cap="flat" cmpd="sng" algn="ctr">
-                      <a:solidFill>
-                        <a:srgbClr val="000000"/>
-                      </a:solidFill>
-                      <a:prstDash val="solid"/>
-                      <a:round/>
-                      <a:headEnd type="none" w="med" len="med"/>
-                      <a:tailEnd type="none" w="med" len="med"/>
-                    </a:lnB>
-                  </a:tcPr>
-                </a:tc>
-                <a:tc>
-                  <a:txBody>
-                    <a:bodyPr/>
-                    <a:lstStyle/>
-                    <a:p>
-                      <a:pPr algn="ctr">
-                        <a:lnSpc>
-                          <a:spcPct val="120000"/>
-                        </a:lnSpc>
-                        <a:spcAft>
-                          <a:spcPts val="0"/>
-                        </a:spcAft>
-                      </a:pPr>
-                      <a:r>
-                        <a:rPr lang="en-US" sz="2000" kern="100" dirty="0">
+                          <a:solidFill>
+                            <a:schemeClr val="tx1"/>
+                          </a:solidFill>
                           <a:effectLst/>
                           <a:latin typeface="Times New Roman" panose="02020603050405020304" pitchFamily="18" charset="0"/>
                           <a:ea typeface="宋体" panose="02010600030101010101" pitchFamily="2" charset="-122"/>
@@ -12642,6 +13342,9 @@
                         <a:t>0%</a:t>
                       </a:r>
                       <a:endParaRPr lang="zh-CN" sz="2000" kern="100" dirty="0">
+                        <a:solidFill>
+                          <a:schemeClr val="tx1"/>
+                        </a:solidFill>
                         <a:effectLst/>
                         <a:latin typeface="Times New Roman" panose="02020603050405020304" pitchFamily="18" charset="0"/>
                         <a:ea typeface="宋体" panose="02010600030101010101" pitchFamily="2" charset="-122"/>
@@ -12675,130 +13378,6 @@
           </a:graphicData>
         </a:graphic>
       </p:graphicFrame>
-      <p:sp>
-        <p:nvSpPr>
-          <p:cNvPr id="5" name="矩形 4"/>
-          <p:cNvSpPr/>
-          <p:nvPr/>
-        </p:nvSpPr>
-        <p:spPr>
-          <a:xfrm>
-            <a:off x="639848" y="4340647"/>
-            <a:ext cx="7733187" cy="1311128"/>
-          </a:xfrm>
-          <a:prstGeom prst="rect">
-            <a:avLst/>
-          </a:prstGeom>
-        </p:spPr>
-        <p:txBody>
-          <a:bodyPr wrap="square">
-            <a:spAutoFit/>
-          </a:bodyPr>
-          <a:lstStyle/>
-          <a:p>
-            <a:pPr algn="just">
-              <a:lnSpc>
-                <a:spcPct val="120000"/>
-              </a:lnSpc>
-              <a:spcAft>
-                <a:spcPts val="0"/>
-              </a:spcAft>
-            </a:pPr>
-            <a:r>
-              <a:rPr lang="zh-CN" altLang="zh-CN" sz="2200" kern="100" dirty="0">
-                <a:latin typeface="Times New Roman" panose="02020603050405020304" pitchFamily="18" charset="0"/>
-                <a:cs typeface="Times New Roman" panose="02020603050405020304" pitchFamily="18" charset="0"/>
-              </a:rPr>
-              <a:t>卷积神经网络算法的分类准确率和误检率都得到了提升，但是检出率会有一点降低。主要原因是卷积神经网络算法是平等的对待每一种类别。后续将对检出率做一些优化。</a:t>
-            </a:r>
-          </a:p>
-        </p:txBody>
-      </p:sp>
-      <p:sp>
-        <p:nvSpPr>
-          <p:cNvPr id="6" name="矩形 5"/>
-          <p:cNvSpPr/>
-          <p:nvPr/>
-        </p:nvSpPr>
-        <p:spPr>
-          <a:xfrm>
-            <a:off x="639847" y="1185071"/>
-            <a:ext cx="7733187" cy="869469"/>
-          </a:xfrm>
-          <a:prstGeom prst="rect">
-            <a:avLst/>
-          </a:prstGeom>
-        </p:spPr>
-        <p:txBody>
-          <a:bodyPr wrap="square">
-            <a:spAutoFit/>
-          </a:bodyPr>
-          <a:lstStyle/>
-          <a:p>
-            <a:pPr algn="just">
-              <a:lnSpc>
-                <a:spcPct val="120000"/>
-              </a:lnSpc>
-              <a:spcAft>
-                <a:spcPts val="0"/>
-              </a:spcAft>
-            </a:pPr>
-            <a:r>
-              <a:rPr lang="zh-CN" altLang="en-US" sz="2200" kern="100" dirty="0" smtClean="0">
-                <a:latin typeface="Times New Roman" panose="02020603050405020304" pitchFamily="18" charset="0"/>
-                <a:cs typeface="Times New Roman" panose="02020603050405020304" pitchFamily="18" charset="0"/>
-              </a:rPr>
-              <a:t>精确率是指，检测为该类别且检测正确的比率。</a:t>
-            </a:r>
-            <a:endParaRPr lang="en-US" altLang="zh-CN" sz="2200" kern="100" dirty="0" smtClean="0">
-              <a:latin typeface="Times New Roman" panose="02020603050405020304" pitchFamily="18" charset="0"/>
-              <a:cs typeface="Times New Roman" panose="02020603050405020304" pitchFamily="18" charset="0"/>
-            </a:endParaRPr>
-          </a:p>
-          <a:p>
-            <a:pPr algn="just">
-              <a:lnSpc>
-                <a:spcPct val="120000"/>
-              </a:lnSpc>
-              <a:spcAft>
-                <a:spcPts val="0"/>
-              </a:spcAft>
-            </a:pPr>
-            <a:r>
-              <a:rPr lang="en-US" altLang="zh-CN" sz="2200" kern="100" dirty="0" smtClean="0">
-                <a:latin typeface="Times New Roman" panose="02020603050405020304" pitchFamily="18" charset="0"/>
-                <a:cs typeface="Times New Roman" panose="02020603050405020304" pitchFamily="18" charset="0"/>
-              </a:rPr>
-              <a:t>F1</a:t>
-            </a:r>
-            <a:r>
-              <a:rPr lang="zh-CN" altLang="en-US" sz="2200" kern="100" dirty="0" smtClean="0">
-                <a:latin typeface="Times New Roman" panose="02020603050405020304" pitchFamily="18" charset="0"/>
-                <a:cs typeface="Times New Roman" panose="02020603050405020304" pitchFamily="18" charset="0"/>
-              </a:rPr>
-              <a:t>是精确率和召回率的</a:t>
-            </a:r>
-            <a:r>
-              <a:rPr lang="zh-CN" altLang="en-US" sz="2200" kern="100" dirty="0">
-                <a:latin typeface="Times New Roman" panose="02020603050405020304" pitchFamily="18" charset="0"/>
-                <a:cs typeface="Times New Roman" panose="02020603050405020304" pitchFamily="18" charset="0"/>
-              </a:rPr>
-              <a:t>综合</a:t>
-            </a:r>
-            <a:r>
-              <a:rPr lang="zh-CN" altLang="en-US" sz="2200" kern="100" dirty="0" smtClean="0">
-                <a:latin typeface="Times New Roman" panose="02020603050405020304" pitchFamily="18" charset="0"/>
-                <a:cs typeface="Times New Roman" panose="02020603050405020304" pitchFamily="18" charset="0"/>
-              </a:rPr>
-              <a:t>指标。</a:t>
-            </a:r>
-            <a:endParaRPr lang="zh-CN" altLang="zh-CN" sz="2200" kern="100" dirty="0">
-              <a:latin typeface="Times New Roman" panose="02020603050405020304" pitchFamily="18" charset="0"/>
-              <a:cs typeface="Times New Roman" panose="02020603050405020304" pitchFamily="18" charset="0"/>
-            </a:endParaRPr>
-          </a:p>
-        </p:txBody>
-      </p:sp>
     </p:spTree>
     <p:extLst>
       <p:ext uri="{BB962C8B-B14F-4D97-AF65-F5344CB8AC3E}">
@@ -12861,12 +13440,12 @@
       </p:sp>
       <p:pic>
         <p:nvPicPr>
-          <p:cNvPr id="5" name="图片 4"/>
+          <p:cNvPr id="3" name="图片 2"/>
           <p:cNvPicPr/>
           <p:nvPr/>
         </p:nvPicPr>
         <p:blipFill>
-          <a:blip r:embed="rId2">
+          <a:blip r:embed="rId2" cstate="print">
             <a:extLst>
               <a:ext uri="{28A0092B-C50C-407E-A947-70E740481C1C}">
                 <a14:useLocalDpi xmlns:a14="http://schemas.microsoft.com/office/drawing/2010/main" val="0"/>
@@ -12879,35 +13458,7 @@
         </p:blipFill>
         <p:spPr>
           <a:xfrm>
-            <a:off x="2657454" y="2589124"/>
-            <a:ext cx="3966547" cy="3848100"/>
-          </a:xfrm>
-          <a:prstGeom prst="rect">
-            <a:avLst/>
-          </a:prstGeom>
-        </p:spPr>
-      </p:pic>
-      <p:pic>
-        <p:nvPicPr>
-          <p:cNvPr id="3" name="图片 2"/>
-          <p:cNvPicPr/>
-          <p:nvPr/>
-        </p:nvPicPr>
-        <p:blipFill>
-          <a:blip r:embed="rId3" cstate="print">
-            <a:extLst>
-              <a:ext uri="{28A0092B-C50C-407E-A947-70E740481C1C}">
-                <a14:useLocalDpi xmlns:a14="http://schemas.microsoft.com/office/drawing/2010/main" val="0"/>
-              </a:ext>
-            </a:extLst>
-          </a:blip>
-          <a:stretch>
-            <a:fillRect/>
-          </a:stretch>
-        </p:blipFill>
-        <p:spPr>
-          <a:xfrm>
-            <a:off x="2120731" y="2557374"/>
+            <a:off x="1762325" y="2557374"/>
             <a:ext cx="5039995" cy="3911600"/>
           </a:xfrm>
           <a:prstGeom prst="rect">
@@ -13165,6 +13716,34 @@
           </a:p>
         </p:txBody>
       </p:sp>
+      <p:pic>
+        <p:nvPicPr>
+          <p:cNvPr id="5" name="图片 4"/>
+          <p:cNvPicPr/>
+          <p:nvPr/>
+        </p:nvPicPr>
+        <p:blipFill>
+          <a:blip r:embed="rId3">
+            <a:extLst>
+              <a:ext uri="{28A0092B-C50C-407E-A947-70E740481C1C}">
+                <a14:useLocalDpi xmlns:a14="http://schemas.microsoft.com/office/drawing/2010/main" val="0"/>
+              </a:ext>
+            </a:extLst>
+          </a:blip>
+          <a:stretch>
+            <a:fillRect/>
+          </a:stretch>
+        </p:blipFill>
+        <p:spPr>
+          <a:xfrm>
+            <a:off x="2299048" y="2589124"/>
+            <a:ext cx="3966547" cy="3848100"/>
+          </a:xfrm>
+          <a:prstGeom prst="rect">
+            <a:avLst/>
+          </a:prstGeom>
+        </p:spPr>
+      </p:pic>
     </p:spTree>
     <p:extLst>
       <p:ext uri="{BB962C8B-B14F-4D97-AF65-F5344CB8AC3E}">
@@ -13178,7 +13757,75 @@
   <p:timing>
     <p:tnLst>
       <p:par>
-        <p:cTn id="1" dur="indefinite" restart="never" nodeType="tmRoot"/>
+        <p:cTn id="1" dur="indefinite" restart="never" nodeType="tmRoot">
+          <p:childTnLst>
+            <p:seq concurrent="1" nextAc="seek">
+              <p:cTn id="2" dur="indefinite" nodeType="mainSeq">
+                <p:childTnLst>
+                  <p:par>
+                    <p:cTn id="3" fill="hold">
+                      <p:stCondLst>
+                        <p:cond delay="indefinite"/>
+                      </p:stCondLst>
+                      <p:childTnLst>
+                        <p:par>
+                          <p:cTn id="4" fill="hold">
+                            <p:stCondLst>
+                              <p:cond delay="0"/>
+                            </p:stCondLst>
+                            <p:childTnLst>
+                              <p:par>
+                                <p:cTn id="5" presetID="1" presetClass="entr" presetSubtype="0" fill="hold" nodeType="clickEffect">
+                                  <p:stCondLst>
+                                    <p:cond delay="0"/>
+                                  </p:stCondLst>
+                                  <p:childTnLst>
+                                    <p:set>
+                                      <p:cBhvr>
+                                        <p:cTn id="6" dur="1" fill="hold">
+                                          <p:stCondLst>
+                                            <p:cond delay="0"/>
+                                          </p:stCondLst>
+                                        </p:cTn>
+                                        <p:tgtEl>
+                                          <p:spTgt spid="5"/>
+                                        </p:tgtEl>
+                                        <p:attrNameLst>
+                                          <p:attrName>style.visibility</p:attrName>
+                                        </p:attrNameLst>
+                                      </p:cBhvr>
+                                      <p:to>
+                                        <p:strVal val="visible"/>
+                                      </p:to>
+                                    </p:set>
+                                  </p:childTnLst>
+                                </p:cTn>
+                              </p:par>
+                            </p:childTnLst>
+                          </p:cTn>
+                        </p:par>
+                      </p:childTnLst>
+                    </p:cTn>
+                  </p:par>
+                </p:childTnLst>
+              </p:cTn>
+              <p:prevCondLst>
+                <p:cond evt="onPrev" delay="0">
+                  <p:tgtEl>
+                    <p:sldTgt/>
+                  </p:tgtEl>
+                </p:cond>
+              </p:prevCondLst>
+              <p:nextCondLst>
+                <p:cond evt="onNext" delay="0">
+                  <p:tgtEl>
+                    <p:sldTgt/>
+                  </p:tgtEl>
+                </p:cond>
+              </p:nextCondLst>
+            </p:seq>
+          </p:childTnLst>
+        </p:cTn>
       </p:par>
     </p:tnLst>
   </p:timing>
@@ -14352,7 +14999,11 @@
             </a:r>
             <a:r>
               <a:rPr lang="zh-CN" altLang="en-US" sz="2200" dirty="0" smtClean="0"/>
-              <a:t>开发，可以通过网页查看检测数据</a:t>
+              <a:t>开发，可以</a:t>
+            </a:r>
+            <a:r>
+              <a:rPr lang="zh-CN" altLang="en-US" sz="2200" b="1" dirty="0" smtClean="0"/>
+              <a:t>通过网页查看检测数据</a:t>
             </a:r>
             <a:r>
               <a:rPr lang="zh-CN" altLang="zh-CN" sz="2200" kern="100" dirty="0" smtClean="0">
@@ -14378,21 +15029,21 @@
               <a:buChar char="Ø"/>
             </a:pPr>
             <a:r>
-              <a:rPr lang="zh-CN" altLang="zh-CN" sz="2200" kern="100" dirty="0" smtClean="0">
+              <a:rPr lang="zh-CN" altLang="zh-CN" sz="2200" b="1" kern="100" dirty="0" smtClean="0">
                 <a:latin typeface="Times New Roman" panose="02020603050405020304" pitchFamily="18" charset="0"/>
                 <a:cs typeface="Times New Roman" panose="02020603050405020304" pitchFamily="18" charset="0"/>
               </a:rPr>
               <a:t>检测</a:t>
             </a:r>
             <a:r>
-              <a:rPr lang="zh-CN" altLang="zh-CN" sz="2200" kern="100" dirty="0">
+              <a:rPr lang="zh-CN" altLang="zh-CN" sz="2200" b="1" kern="100" dirty="0">
                 <a:latin typeface="Times New Roman" panose="02020603050405020304" pitchFamily="18" charset="0"/>
                 <a:cs typeface="Times New Roman" panose="02020603050405020304" pitchFamily="18" charset="0"/>
               </a:rPr>
               <a:t>记录查询</a:t>
             </a:r>
             <a:r>
-              <a:rPr lang="zh-CN" altLang="zh-CN" sz="2200" kern="100" dirty="0" smtClean="0">
+              <a:rPr lang="zh-CN" altLang="zh-CN" sz="2200" b="1" kern="100" dirty="0" smtClean="0">
                 <a:latin typeface="Times New Roman" panose="02020603050405020304" pitchFamily="18" charset="0"/>
                 <a:cs typeface="Times New Roman" panose="02020603050405020304" pitchFamily="18" charset="0"/>
               </a:rPr>
@@ -14443,21 +15094,21 @@
               <a:buChar char="Ø"/>
             </a:pPr>
             <a:r>
-              <a:rPr lang="zh-CN" altLang="zh-CN" sz="2200" kern="100" dirty="0" smtClean="0">
+              <a:rPr lang="zh-CN" altLang="zh-CN" sz="2200" b="1" kern="100" dirty="0" smtClean="0">
                 <a:latin typeface="Times New Roman" panose="02020603050405020304" pitchFamily="18" charset="0"/>
                 <a:cs typeface="Times New Roman" panose="02020603050405020304" pitchFamily="18" charset="0"/>
               </a:rPr>
               <a:t>不良</a:t>
             </a:r>
             <a:r>
-              <a:rPr lang="zh-CN" altLang="zh-CN" sz="2200" kern="100" dirty="0">
+              <a:rPr lang="zh-CN" altLang="zh-CN" sz="2200" b="1" kern="100" dirty="0">
                 <a:latin typeface="Times New Roman" panose="02020603050405020304" pitchFamily="18" charset="0"/>
                 <a:cs typeface="Times New Roman" panose="02020603050405020304" pitchFamily="18" charset="0"/>
               </a:rPr>
               <a:t>图片查询</a:t>
             </a:r>
             <a:r>
-              <a:rPr lang="zh-CN" altLang="zh-CN" sz="2200" kern="100" dirty="0" smtClean="0">
+              <a:rPr lang="zh-CN" altLang="zh-CN" sz="2200" b="1" kern="100" dirty="0" smtClean="0">
                 <a:latin typeface="Times New Roman" panose="02020603050405020304" pitchFamily="18" charset="0"/>
                 <a:cs typeface="Times New Roman" panose="02020603050405020304" pitchFamily="18" charset="0"/>
               </a:rPr>
@@ -15550,21 +16201,28 @@
                 <a:latin typeface="Times New Roman" panose="02020603050405020304" pitchFamily="18" charset="0"/>
                 <a:cs typeface="Times New Roman" panose="02020603050405020304" pitchFamily="18" charset="0"/>
               </a:rPr>
-              <a:t>目前存在的主要问题和困难是卷积神经网络算法虽然在分类的整体准确率上有所提高，算法的鲁棒性也更好，但漏检</a:t>
+              <a:t>目前存在的主要问题和困难是卷积神经网络算法虽然在分类的整体准确率上有所提高，算法的鲁棒性也更好，</a:t>
             </a:r>
             <a:r>
               <a:rPr lang="zh-CN" altLang="zh-CN" sz="2400" kern="100" dirty="0" smtClean="0">
                 <a:latin typeface="Times New Roman" panose="02020603050405020304" pitchFamily="18" charset="0"/>
                 <a:cs typeface="Times New Roman" panose="02020603050405020304" pitchFamily="18" charset="0"/>
               </a:rPr>
-              <a:t>率</a:t>
+              <a:t>但</a:t>
             </a:r>
             <a:r>
               <a:rPr lang="zh-CN" altLang="en-US" sz="2400" kern="100" dirty="0" smtClean="0">
                 <a:latin typeface="Times New Roman" panose="02020603050405020304" pitchFamily="18" charset="0"/>
                 <a:cs typeface="Times New Roman" panose="02020603050405020304" pitchFamily="18" charset="0"/>
               </a:rPr>
-              <a:t>偏高</a:t>
+              <a:t>检出率偏</a:t>
+            </a:r>
+            <a:r>
+              <a:rPr lang="zh-CN" altLang="en-US" sz="2400" kern="100" dirty="0">
+                <a:latin typeface="Times New Roman" panose="02020603050405020304" pitchFamily="18" charset="0"/>
+                <a:cs typeface="Times New Roman" panose="02020603050405020304" pitchFamily="18" charset="0"/>
+              </a:rPr>
+              <a:t>低</a:t>
             </a:r>
             <a:r>
               <a:rPr lang="zh-CN" altLang="zh-CN" sz="2400" kern="100" dirty="0" smtClean="0">
@@ -15658,8 +16316,61 @@
                 <a:latin typeface="Times New Roman" panose="02020603050405020304" pitchFamily="18" charset="0"/>
                 <a:cs typeface="Times New Roman" panose="02020603050405020304" pitchFamily="18" charset="0"/>
               </a:rPr>
-              <a:t>卷积神经网络算法，包括损失函数、网络结构和训练策略。在保证分类的整体准确率偏差不大的情况下，降低检测的漏检率。</a:t>
-            </a:r>
+              <a:t>卷积神经网络算法，包括损失函数、网络结构和训练策略。在保证分类的整体准确率偏差不大的情况下</a:t>
+            </a:r>
+            <a:r>
+              <a:rPr lang="zh-CN" altLang="zh-CN" sz="2400" kern="100" dirty="0" smtClean="0">
+                <a:latin typeface="Times New Roman" panose="02020603050405020304" pitchFamily="18" charset="0"/>
+                <a:cs typeface="Times New Roman" panose="02020603050405020304" pitchFamily="18" charset="0"/>
+              </a:rPr>
+              <a:t>，</a:t>
+            </a:r>
+            <a:r>
+              <a:rPr lang="zh-CN" altLang="en-US" sz="2400" kern="100" dirty="0" smtClean="0">
+                <a:latin typeface="Times New Roman" panose="02020603050405020304" pitchFamily="18" charset="0"/>
+                <a:cs typeface="Times New Roman" panose="02020603050405020304" pitchFamily="18" charset="0"/>
+              </a:rPr>
+              <a:t>增加</a:t>
+            </a:r>
+            <a:r>
+              <a:rPr lang="zh-CN" altLang="zh-CN" sz="2400" kern="100" dirty="0" smtClean="0">
+                <a:latin typeface="Times New Roman" panose="02020603050405020304" pitchFamily="18" charset="0"/>
+                <a:cs typeface="Times New Roman" panose="02020603050405020304" pitchFamily="18" charset="0"/>
+              </a:rPr>
+              <a:t>检测</a:t>
+            </a:r>
+            <a:r>
+              <a:rPr lang="zh-CN" altLang="zh-CN" sz="2400" kern="100" dirty="0">
+                <a:latin typeface="Times New Roman" panose="02020603050405020304" pitchFamily="18" charset="0"/>
+                <a:cs typeface="Times New Roman" panose="02020603050405020304" pitchFamily="18" charset="0"/>
+              </a:rPr>
+              <a:t>的</a:t>
+            </a:r>
+            <a:r>
+              <a:rPr lang="zh-CN" altLang="zh-CN" sz="2400" kern="100" dirty="0" smtClean="0">
+                <a:latin typeface="Times New Roman" panose="02020603050405020304" pitchFamily="18" charset="0"/>
+                <a:cs typeface="Times New Roman" panose="02020603050405020304" pitchFamily="18" charset="0"/>
+              </a:rPr>
+              <a:t>漏</a:t>
+            </a:r>
+            <a:r>
+              <a:rPr lang="zh-CN" altLang="en-US" sz="2400" kern="100" dirty="0" smtClean="0">
+                <a:latin typeface="Times New Roman" panose="02020603050405020304" pitchFamily="18" charset="0"/>
+                <a:cs typeface="Times New Roman" panose="02020603050405020304" pitchFamily="18" charset="0"/>
+              </a:rPr>
+              <a:t>检出率</a:t>
+            </a:r>
+            <a:r>
+              <a:rPr lang="zh-CN" altLang="zh-CN" sz="2400" kern="100" dirty="0" smtClean="0">
+                <a:latin typeface="Times New Roman" panose="02020603050405020304" pitchFamily="18" charset="0"/>
+                <a:cs typeface="Times New Roman" panose="02020603050405020304" pitchFamily="18" charset="0"/>
+              </a:rPr>
+              <a:t>。</a:t>
+            </a:r>
+            <a:endParaRPr lang="zh-CN" altLang="zh-CN" sz="2400" kern="100" dirty="0">
+              <a:latin typeface="Times New Roman" panose="02020603050405020304" pitchFamily="18" charset="0"/>
+              <a:cs typeface="Times New Roman" panose="02020603050405020304" pitchFamily="18" charset="0"/>
+            </a:endParaRPr>
           </a:p>
         </p:txBody>
       </p:sp>
@@ -15939,24 +16650,38 @@
             <p:ph type="body" sz="quarter" idx="13"/>
           </p:nvPr>
         </p:nvSpPr>
-        <p:spPr/>
+        <p:spPr>
+          <a:xfrm>
+            <a:off x="3901015" y="3346594"/>
+            <a:ext cx="3126335" cy="2749405"/>
+          </a:xfrm>
+        </p:spPr>
         <p:txBody>
           <a:bodyPr>
-            <a:normAutofit lnSpcReduction="10000"/>
+            <a:normAutofit/>
           </a:bodyPr>
           <a:lstStyle/>
           <a:p>
+            <a:pPr algn="l"/>
             <a:r>
               <a:rPr lang="zh-CN" altLang="en-US" dirty="0"/>
-              <a:t>答辩人：王建</a:t>
-            </a:r>
-            <a:r>
-              <a:rPr lang="zh-CN" altLang="en-US" dirty="0" smtClean="0"/>
-              <a:t>坤        导师</a:t>
-            </a:r>
+              <a:t>答辩人：王建坤       </a:t>
+            </a:r>
+            <a:endParaRPr lang="en-US" altLang="zh-CN" dirty="0"/>
+          </a:p>
+          <a:p>
+            <a:pPr algn="l"/>
             <a:r>
               <a:rPr lang="zh-CN" altLang="en-US" dirty="0"/>
-              <a:t>：胡泓</a:t>
+              <a:t>导     师：胡泓教授</a:t>
+            </a:r>
+            <a:endParaRPr lang="en-US" altLang="zh-CN" dirty="0"/>
+          </a:p>
+          <a:p>
+            <a:pPr algn="l"/>
+            <a:r>
+              <a:rPr lang="zh-CN" altLang="en-US" dirty="0"/>
+              <a:t>专     业：机械工程</a:t>
             </a:r>
           </a:p>
           <a:p>
@@ -15989,7 +16714,7 @@
     </p:spTree>
     <p:extLst>
       <p:ext uri="{BB962C8B-B14F-4D97-AF65-F5344CB8AC3E}">
-        <p14:creationId xmlns:p14="http://schemas.microsoft.com/office/powerpoint/2010/main" val="2323605655"/>
+        <p14:creationId xmlns:p14="http://schemas.microsoft.com/office/powerpoint/2010/main" val="1386305328"/>
       </p:ext>
     </p:extLst>
   </p:cSld>
@@ -16283,17 +17008,7 @@
                 <a:latin typeface="+mn-ea"/>
                 <a:cs typeface="Times New Roman" panose="02020603050405020304" pitchFamily="18" charset="0"/>
               </a:rPr>
-              <a:t>基于图像处理</a:t>
-            </a:r>
-            <a:r>
-              <a:rPr lang="zh-CN" altLang="zh-CN" sz="2400" b="1" kern="100" dirty="0" smtClean="0">
-                <a:solidFill>
-                  <a:srgbClr val="231F20"/>
-                </a:solidFill>
-                <a:latin typeface="+mn-ea"/>
-                <a:cs typeface="Times New Roman" panose="02020603050405020304" pitchFamily="18" charset="0"/>
-              </a:rPr>
-              <a:t>的检测算法研究。</a:t>
+              <a:t>基于图像处理的检测算法研究。</a:t>
             </a:r>
             <a:r>
               <a:rPr lang="zh-CN" altLang="zh-CN" sz="2400" kern="100" dirty="0">
@@ -16395,6 +17110,36 @@
               <a:t>。</a:t>
             </a:r>
             <a:r>
+              <a:rPr lang="zh-CN" altLang="en-US" sz="2400" kern="100" dirty="0">
+                <a:solidFill>
+                  <a:srgbClr val="231F20"/>
+                </a:solidFill>
+                <a:latin typeface="+mn-ea"/>
+                <a:cs typeface="Times New Roman" panose="02020603050405020304" pitchFamily="18" charset="0"/>
+              </a:rPr>
+              <a:t>根据</a:t>
+            </a:r>
+            <a:r>
+              <a:rPr lang="zh-CN" altLang="zh-CN" sz="2400" kern="100" dirty="0" smtClean="0">
+                <a:solidFill>
+                  <a:srgbClr val="231F20"/>
+                </a:solidFill>
+                <a:latin typeface="+mn-ea"/>
+                <a:cs typeface="Times New Roman" panose="02020603050405020304" pitchFamily="18" charset="0"/>
+              </a:rPr>
+              <a:t>工业</a:t>
+            </a:r>
+            <a:r>
+              <a:rPr lang="zh-CN" altLang="zh-CN" sz="2400" kern="100" dirty="0" smtClean="0">
+                <a:solidFill>
+                  <a:srgbClr val="231F20"/>
+                </a:solidFill>
+                <a:latin typeface="+mn-ea"/>
+                <a:cs typeface="Times New Roman" panose="02020603050405020304" pitchFamily="18" charset="0"/>
+              </a:rPr>
+              <a:t>检测</a:t>
+            </a:r>
+            <a:r>
               <a:rPr lang="zh-CN" altLang="en-US" sz="2400" kern="100" dirty="0" smtClean="0">
                 <a:solidFill>
                   <a:srgbClr val="231F20"/>
@@ -16402,7 +17147,7 @@
                 <a:latin typeface="+mn-ea"/>
                 <a:cs typeface="Times New Roman" panose="02020603050405020304" pitchFamily="18" charset="0"/>
               </a:rPr>
-              <a:t>基于</a:t>
+              <a:t>的</a:t>
             </a:r>
             <a:r>
               <a:rPr lang="zh-CN" altLang="zh-CN" sz="2400" kern="100" dirty="0" smtClean="0">
@@ -16412,7 +17157,27 @@
                 <a:latin typeface="+mn-ea"/>
                 <a:cs typeface="Times New Roman" panose="02020603050405020304" pitchFamily="18" charset="0"/>
               </a:rPr>
-              <a:t>工业检测</a:t>
+              <a:t>特点研究</a:t>
+            </a:r>
+            <a:r>
+              <a:rPr lang="zh-CN" altLang="zh-CN" sz="2400" kern="100" dirty="0">
+                <a:solidFill>
+                  <a:srgbClr val="231F20"/>
+                </a:solidFill>
+                <a:latin typeface="+mn-ea"/>
+                <a:cs typeface="Times New Roman" panose="02020603050405020304" pitchFamily="18" charset="0"/>
+              </a:rPr>
+              <a:t>基于深度学习</a:t>
+            </a:r>
+            <a:r>
+              <a:rPr lang="zh-CN" altLang="zh-CN" sz="2400" kern="100" dirty="0" smtClean="0">
+                <a:solidFill>
+                  <a:srgbClr val="231F20"/>
+                </a:solidFill>
+                <a:latin typeface="+mn-ea"/>
+                <a:cs typeface="Times New Roman" panose="02020603050405020304" pitchFamily="18" charset="0"/>
+              </a:rPr>
+              <a:t>的</a:t>
             </a:r>
             <a:r>
               <a:rPr lang="zh-CN" altLang="en-US" sz="2400" kern="100" dirty="0" smtClean="0">
@@ -16422,7 +17187,7 @@
                 <a:latin typeface="+mn-ea"/>
                 <a:cs typeface="Times New Roman" panose="02020603050405020304" pitchFamily="18" charset="0"/>
               </a:rPr>
-              <a:t>的</a:t>
+              <a:t>检测</a:t>
             </a:r>
             <a:r>
               <a:rPr lang="zh-CN" altLang="zh-CN" sz="2400" kern="100" dirty="0" smtClean="0">
@@ -16432,17 +17197,7 @@
                 <a:latin typeface="+mn-ea"/>
                 <a:cs typeface="Times New Roman" panose="02020603050405020304" pitchFamily="18" charset="0"/>
               </a:rPr>
-              <a:t>特点研究</a:t>
-            </a:r>
-            <a:r>
-              <a:rPr lang="zh-CN" altLang="zh-CN" sz="2400" kern="100" dirty="0">
-                <a:solidFill>
-                  <a:srgbClr val="231F20"/>
-                </a:solidFill>
-                <a:latin typeface="+mn-ea"/>
-                <a:cs typeface="Times New Roman" panose="02020603050405020304" pitchFamily="18" charset="0"/>
-              </a:rPr>
-              <a:t>基于深度学习的图像识别</a:t>
+              <a:t>算法</a:t>
             </a:r>
             <a:r>
               <a:rPr lang="zh-CN" altLang="zh-CN" sz="2400" kern="100" dirty="0" smtClean="0">
@@ -16452,7 +17207,7 @@
                 <a:latin typeface="+mn-ea"/>
                 <a:cs typeface="Times New Roman" panose="02020603050405020304" pitchFamily="18" charset="0"/>
               </a:rPr>
-              <a:t>算法。</a:t>
+              <a:t>。</a:t>
             </a:r>
             <a:endParaRPr lang="en-US" altLang="zh-CN" sz="2400" kern="100" dirty="0">
               <a:latin typeface="+mn-ea"/>
@@ -17870,7 +18625,7 @@
         <p:spPr>
           <a:xfrm>
             <a:off x="639847" y="905435"/>
-            <a:ext cx="1877437" cy="461665"/>
+            <a:ext cx="3262432" cy="461665"/>
           </a:xfrm>
           <a:prstGeom prst="rect">
             <a:avLst/>
@@ -17895,7 +18650,21 @@
                 <a:latin typeface="黑体" panose="02010609060101010101" pitchFamily="49" charset="-122"/>
                 <a:ea typeface="黑体" panose="02010609060101010101" pitchFamily="49" charset="-122"/>
               </a:rPr>
-              <a:t>数据采集</a:t>
+              <a:t>数据采集（</a:t>
+            </a:r>
+            <a:r>
+              <a:rPr lang="en-US" altLang="zh-CN" sz="2400" dirty="0" smtClean="0">
+                <a:latin typeface="黑体" panose="02010609060101010101" pitchFamily="49" charset="-122"/>
+                <a:ea typeface="黑体" panose="02010609060101010101" pitchFamily="49" charset="-122"/>
+              </a:rPr>
+              <a:t>382</a:t>
+            </a:r>
+            <a:r>
+              <a:rPr lang="zh-CN" altLang="en-US" sz="2400" dirty="0" smtClean="0">
+                <a:latin typeface="黑体" panose="02010609060101010101" pitchFamily="49" charset="-122"/>
+                <a:ea typeface="黑体" panose="02010609060101010101" pitchFamily="49" charset="-122"/>
+              </a:rPr>
+              <a:t>张）</a:t>
             </a:r>
             <a:endParaRPr lang="zh-CN" altLang="en-US" sz="2400" dirty="0">
               <a:latin typeface="黑体" panose="02010609060101010101" pitchFamily="49" charset="-122"/>
@@ -17913,7 +18682,7 @@
         <p:spPr>
           <a:xfrm>
             <a:off x="639847" y="2384611"/>
-            <a:ext cx="1877437" cy="461665"/>
+            <a:ext cx="3416320" cy="461665"/>
           </a:xfrm>
           <a:prstGeom prst="rect">
             <a:avLst/>
@@ -17938,7 +18707,35 @@
                 <a:latin typeface="黑体" panose="02010609060101010101" pitchFamily="49" charset="-122"/>
                 <a:ea typeface="黑体" panose="02010609060101010101" pitchFamily="49" charset="-122"/>
               </a:rPr>
-              <a:t>数据增强</a:t>
+              <a:t>数据</a:t>
+            </a:r>
+            <a:r>
+              <a:rPr lang="zh-CN" altLang="en-US" sz="2400" dirty="0">
+                <a:latin typeface="黑体" panose="02010609060101010101" pitchFamily="49" charset="-122"/>
+                <a:ea typeface="黑体" panose="02010609060101010101" pitchFamily="49" charset="-122"/>
+              </a:rPr>
+              <a:t>增强</a:t>
+            </a:r>
+            <a:r>
+              <a:rPr lang="zh-CN" altLang="en-US" sz="2400" dirty="0" smtClean="0">
+                <a:latin typeface="黑体" panose="02010609060101010101" pitchFamily="49" charset="-122"/>
+                <a:ea typeface="黑体" panose="02010609060101010101" pitchFamily="49" charset="-122"/>
+              </a:rPr>
+              <a:t>（</a:t>
+            </a:r>
+            <a:r>
+              <a:rPr lang="en-US" altLang="zh-CN" sz="2400" dirty="0" smtClean="0">
+                <a:latin typeface="黑体" panose="02010609060101010101" pitchFamily="49" charset="-122"/>
+                <a:ea typeface="黑体" panose="02010609060101010101" pitchFamily="49" charset="-122"/>
+              </a:rPr>
+              <a:t>1146</a:t>
+            </a:r>
+            <a:r>
+              <a:rPr lang="zh-CN" altLang="en-US" sz="2400" dirty="0" smtClean="0">
+                <a:latin typeface="黑体" panose="02010609060101010101" pitchFamily="49" charset="-122"/>
+                <a:ea typeface="黑体" panose="02010609060101010101" pitchFamily="49" charset="-122"/>
+              </a:rPr>
+              <a:t>张）</a:t>
             </a:r>
             <a:endParaRPr lang="zh-CN" altLang="en-US" sz="2400" dirty="0">
               <a:latin typeface="黑体" panose="02010609060101010101" pitchFamily="49" charset="-122"/>
@@ -18552,19 +19349,27 @@
           <a:lstStyle/>
           <a:p>
             <a:r>
+              <a:rPr lang="zh-CN" altLang="en-US" sz="2200" b="1" dirty="0" smtClean="0"/>
+              <a:t>二值化</a:t>
+            </a:r>
+            <a:r>
               <a:rPr lang="zh-CN" altLang="en-US" sz="2200" dirty="0" smtClean="0"/>
-              <a:t>二值化：分割出夹具和装配件</a:t>
+              <a:t>：分割出夹具和装配件</a:t>
             </a:r>
             <a:endParaRPr lang="en-US" altLang="zh-CN" sz="2200" dirty="0" smtClean="0"/>
           </a:p>
           <a:p>
             <a:r>
-              <a:rPr lang="zh-CN" altLang="en-US" sz="2200" dirty="0"/>
+              <a:rPr lang="zh-CN" altLang="en-US" sz="2200" b="1" dirty="0"/>
               <a:t>开</a:t>
             </a:r>
             <a:r>
+              <a:rPr lang="zh-CN" altLang="en-US" sz="2200" b="1" dirty="0" smtClean="0"/>
+              <a:t>运算</a:t>
+            </a:r>
+            <a:r>
               <a:rPr lang="zh-CN" altLang="en-US" sz="2200" dirty="0" smtClean="0"/>
-              <a:t>运算：</a:t>
+              <a:t>：</a:t>
             </a:r>
             <a:r>
               <a:rPr lang="zh-CN" altLang="zh-CN" sz="2200" dirty="0" smtClean="0"/>
@@ -18586,8 +19391,12 @@
           </a:p>
           <a:p>
             <a:r>
+              <a:rPr lang="zh-CN" altLang="en-US" sz="2200" b="1" dirty="0" smtClean="0"/>
+              <a:t>找轮廓</a:t>
+            </a:r>
+            <a:r>
               <a:rPr lang="zh-CN" altLang="en-US" sz="2200" dirty="0" smtClean="0"/>
-              <a:t>找轮廓：</a:t>
+              <a:t>：</a:t>
             </a:r>
             <a:r>
               <a:rPr lang="zh-CN" altLang="zh-CN" sz="2200" dirty="0"/>
@@ -18988,8 +19797,8 @@
           <a:lstStyle/>
           <a:p>
             <a:r>
-              <a:rPr lang="zh-CN" altLang="en-US" sz="2000" dirty="0" smtClean="0"/>
-              <a:t>金属片缺失检测</a:t>
+              <a:rPr lang="zh-CN" altLang="en-US" sz="2000" dirty="0"/>
+              <a:t>金属丝位置检测</a:t>
             </a:r>
             <a:endParaRPr lang="zh-CN" altLang="en-US" sz="2000" dirty="0"/>
           </a:p>
@@ -19048,8 +19857,12 @@
           <a:lstStyle/>
           <a:p>
             <a:r>
+              <a:rPr lang="zh-CN" altLang="en-US" sz="2000" dirty="0"/>
+              <a:t>金属片缺失</a:t>
+            </a:r>
+            <a:r>
               <a:rPr lang="zh-CN" altLang="en-US" sz="2000" dirty="0" smtClean="0"/>
-              <a:t>金属丝位置检测</a:t>
+              <a:t>检测</a:t>
             </a:r>
             <a:endParaRPr lang="zh-CN" altLang="en-US" sz="2000" dirty="0"/>
           </a:p>

--- a/中期PPT-王建坤.pptx
+++ b/中期PPT-王建坤.pptx
@@ -226,7 +226,7 @@
           <a:p>
             <a:fld id="{A4993278-BEDC-410D-8D8A-17342E535FDF}" type="datetimeFigureOut">
               <a:rPr lang="zh-CN" altLang="en-US" smtClean="0"/>
-              <a:t>2019/3/6</a:t>
+              <a:t>2019/3/7</a:t>
             </a:fld>
             <a:endParaRPr lang="zh-CN" altLang="en-US"/>
           </a:p>
@@ -528,7 +528,7 @@
           <a:p>
             <a:fld id="{43A07DD8-6722-4182-892A-E3676524296F}" type="datetimeFigureOut">
               <a:rPr lang="zh-CN" altLang="en-US" smtClean="0"/>
-              <a:t>2019/3/6</a:t>
+              <a:t>2019/3/7</a:t>
             </a:fld>
             <a:endParaRPr lang="zh-CN" altLang="en-US"/>
           </a:p>
@@ -1919,7 +1919,7 @@
           <a:p>
             <a:fld id="{43A07DD8-6722-4182-892A-E3676524296F}" type="datetimeFigureOut">
               <a:rPr lang="zh-CN" altLang="en-US" smtClean="0"/>
-              <a:t>2019/3/6</a:t>
+              <a:t>2019/3/7</a:t>
             </a:fld>
             <a:endParaRPr lang="zh-CN" altLang="en-US"/>
           </a:p>
@@ -2897,7 +2897,7 @@
           <a:p>
             <a:fld id="{43A07DD8-6722-4182-892A-E3676524296F}" type="datetimeFigureOut">
               <a:rPr lang="zh-CN" altLang="en-US" smtClean="0"/>
-              <a:t>2019/3/6</a:t>
+              <a:t>2019/3/7</a:t>
             </a:fld>
             <a:endParaRPr lang="zh-CN" altLang="en-US"/>
           </a:p>
@@ -3402,7 +3402,7 @@
           <a:p>
             <a:fld id="{43A07DD8-6722-4182-892A-E3676524296F}" type="datetimeFigureOut">
               <a:rPr lang="zh-CN" altLang="en-US" smtClean="0"/>
-              <a:t>2019/3/6</a:t>
+              <a:t>2019/3/7</a:t>
             </a:fld>
             <a:endParaRPr lang="zh-CN" altLang="en-US"/>
           </a:p>
@@ -3542,7 +3542,7 @@
           <a:p>
             <a:fld id="{43A07DD8-6722-4182-892A-E3676524296F}" type="datetimeFigureOut">
               <a:rPr lang="zh-CN" altLang="en-US" smtClean="0"/>
-              <a:t>2019/3/6</a:t>
+              <a:t>2019/3/7</a:t>
             </a:fld>
             <a:endParaRPr lang="zh-CN" altLang="en-US"/>
           </a:p>
@@ -5059,7 +5059,7 @@
           <a:p>
             <a:fld id="{43A07DD8-6722-4182-892A-E3676524296F}" type="datetimeFigureOut">
               <a:rPr lang="zh-CN" altLang="en-US" smtClean="0"/>
-              <a:t>2019/3/6</a:t>
+              <a:t>2019/3/7</a:t>
             </a:fld>
             <a:endParaRPr lang="zh-CN" altLang="en-US"/>
           </a:p>
@@ -6128,14 +6128,7 @@
                 <a:latin typeface="Times New Roman" panose="02020603050405020304" pitchFamily="18" charset="0"/>
                 <a:cs typeface="Times New Roman" panose="02020603050405020304" pitchFamily="18" charset="0"/>
               </a:rPr>
-              <a:t>像素</a:t>
-            </a:r>
-            <a:r>
-              <a:rPr lang="zh-CN" altLang="zh-CN" sz="2200" b="1" dirty="0" smtClean="0">
-                <a:latin typeface="Times New Roman" panose="02020603050405020304" pitchFamily="18" charset="0"/>
-                <a:cs typeface="Times New Roman" panose="02020603050405020304" pitchFamily="18" charset="0"/>
-              </a:rPr>
-              <a:t>统计法</a:t>
+              <a:t>像素统计法</a:t>
             </a:r>
             <a:r>
               <a:rPr lang="zh-CN" altLang="en-US" sz="2200" dirty="0">
@@ -6149,49 +6142,42 @@
                 <a:latin typeface="Times New Roman" panose="02020603050405020304" pitchFamily="18" charset="0"/>
                 <a:cs typeface="Times New Roman" panose="02020603050405020304" pitchFamily="18" charset="0"/>
               </a:rPr>
-              <a:t>棉</a:t>
+              <a:t>棉芯</a:t>
+            </a:r>
+            <a:r>
+              <a:rPr lang="zh-CN" altLang="en-US" sz="2200" dirty="0" smtClean="0">
+                <a:latin typeface="Times New Roman" panose="02020603050405020304" pitchFamily="18" charset="0"/>
+                <a:cs typeface="Times New Roman" panose="02020603050405020304" pitchFamily="18" charset="0"/>
+              </a:rPr>
+              <a:t>和金属丝</a:t>
             </a:r>
             <a:r>
               <a:rPr lang="zh-CN" altLang="zh-CN" sz="2200" dirty="0" smtClean="0">
                 <a:latin typeface="Times New Roman" panose="02020603050405020304" pitchFamily="18" charset="0"/>
                 <a:cs typeface="Times New Roman" panose="02020603050405020304" pitchFamily="18" charset="0"/>
               </a:rPr>
-              <a:t>芯</a:t>
-            </a:r>
-            <a:r>
-              <a:rPr lang="zh-CN" altLang="en-US" sz="2200" dirty="0" smtClean="0">
+              <a:t>在</a:t>
+            </a:r>
+            <a:r>
+              <a:rPr lang="zh-CN" altLang="zh-CN" sz="2200" dirty="0">
                 <a:latin typeface="Times New Roman" panose="02020603050405020304" pitchFamily="18" charset="0"/>
                 <a:cs typeface="Times New Roman" panose="02020603050405020304" pitchFamily="18" charset="0"/>
               </a:rPr>
-              <a:t>和金属丝</a:t>
+              <a:t>成像时呈亮白色</a:t>
             </a:r>
             <a:r>
               <a:rPr lang="zh-CN" altLang="zh-CN" sz="2200" dirty="0" smtClean="0">
                 <a:latin typeface="Times New Roman" panose="02020603050405020304" pitchFamily="18" charset="0"/>
                 <a:cs typeface="Times New Roman" panose="02020603050405020304" pitchFamily="18" charset="0"/>
               </a:rPr>
-              <a:t>在</a:t>
-            </a:r>
-            <a:r>
-              <a:rPr lang="zh-CN" altLang="zh-CN" sz="2200" dirty="0">
-                <a:latin typeface="Times New Roman" panose="02020603050405020304" pitchFamily="18" charset="0"/>
-                <a:cs typeface="Times New Roman" panose="02020603050405020304" pitchFamily="18" charset="0"/>
-              </a:rPr>
-              <a:t>成像时呈亮白色</a:t>
+              <a:t>，通过</a:t>
             </a:r>
             <a:r>
               <a:rPr lang="zh-CN" altLang="zh-CN" sz="2200" dirty="0" smtClean="0">
                 <a:latin typeface="Times New Roman" panose="02020603050405020304" pitchFamily="18" charset="0"/>
                 <a:cs typeface="Times New Roman" panose="02020603050405020304" pitchFamily="18" charset="0"/>
               </a:rPr>
-              <a:t>，通过</a:t>
-            </a:r>
-            <a:r>
-              <a:rPr lang="zh-CN" altLang="zh-CN" sz="2200" dirty="0">
-                <a:latin typeface="Times New Roman" panose="02020603050405020304" pitchFamily="18" charset="0"/>
-                <a:cs typeface="Times New Roman" panose="02020603050405020304" pitchFamily="18" charset="0"/>
-              </a:rPr>
-              <a:t>统计棉芯检测</a:t>
+              <a:t>统计检测</a:t>
             </a:r>
             <a:r>
               <a:rPr lang="en-US" altLang="zh-CN" sz="2200" dirty="0">
@@ -7576,14 +7562,7 @@
                 <a:latin typeface="Times New Roman" panose="02020603050405020304" pitchFamily="18" charset="0"/>
                 <a:cs typeface="Times New Roman" panose="02020603050405020304" pitchFamily="18" charset="0"/>
               </a:rPr>
-              <a:t>金属卡</a:t>
-            </a:r>
-            <a:r>
-              <a:rPr lang="zh-CN" altLang="zh-CN" sz="2200" dirty="0" smtClean="0">
-                <a:latin typeface="Times New Roman" panose="02020603050405020304" pitchFamily="18" charset="0"/>
-                <a:cs typeface="Times New Roman" panose="02020603050405020304" pitchFamily="18" charset="0"/>
-              </a:rPr>
-              <a:t>爪的</a:t>
+              <a:t>金属卡爪的</a:t>
             </a:r>
             <a:r>
               <a:rPr lang="zh-CN" altLang="zh-CN" sz="2200" dirty="0">
@@ -7870,14 +7849,14 @@
           <p:nvPr>
             <p:extLst>
               <p:ext uri="{D42A27DB-BD31-4B8C-83A1-F6EECF244321}">
-                <p14:modId xmlns:p14="http://schemas.microsoft.com/office/powerpoint/2010/main" val="1228268229"/>
+                <p14:modId xmlns:p14="http://schemas.microsoft.com/office/powerpoint/2010/main" val="2899585235"/>
               </p:ext>
             </p:extLst>
           </p:nvPr>
         </p:nvGraphicFramePr>
         <p:xfrm>
           <a:off x="1284450" y="2659897"/>
-          <a:ext cx="5915063" cy="1828800"/>
+          <a:ext cx="5915063" cy="2162620"/>
         </p:xfrm>
         <a:graphic>
           <a:graphicData uri="http://schemas.openxmlformats.org/drawingml/2006/table">
@@ -7902,15 +7881,12 @@
                           <a:spcPts val="0"/>
                         </a:spcAft>
                       </a:pPr>
-                      <a:r>
-                        <a:rPr lang="zh-CN" sz="2000" kern="100" dirty="0">
-                          <a:effectLst/>
-                          <a:latin typeface="Times New Roman" panose="02020603050405020304" pitchFamily="18" charset="0"/>
-                          <a:ea typeface="宋体" panose="02010600030101010101" pitchFamily="2" charset="-122"/>
-                          <a:cs typeface="Times New Roman" panose="02020603050405020304" pitchFamily="18" charset="0"/>
-                        </a:rPr>
-                        <a:t>不良类别</a:t>
-                      </a:r>
+                      <a:endParaRPr lang="zh-CN" sz="2000" kern="100" dirty="0">
+                        <a:effectLst/>
+                        <a:latin typeface="Times New Roman" panose="02020603050405020304" pitchFamily="18" charset="0"/>
+                        <a:ea typeface="宋体" panose="02010600030101010101" pitchFamily="2" charset="-122"/>
+                        <a:cs typeface="Times New Roman" panose="02020603050405020304" pitchFamily="18" charset="0"/>
+                      </a:endParaRPr>
                     </a:p>
                   </a:txBody>
                   <a:tcPr marL="68580" marR="68580" marT="0" marB="0">
@@ -7931,7 +7907,7 @@
                     </a:lnT>
                     <a:lnB w="12700" cap="flat" cmpd="sng" algn="ctr">
                       <a:solidFill>
-                        <a:srgbClr val="000000"/>
+                        <a:schemeClr val="tx1"/>
                       </a:solidFill>
                       <a:prstDash val="solid"/>
                       <a:round/>
@@ -7982,7 +7958,7 @@
                     </a:lnT>
                     <a:lnB w="12700" cap="flat" cmpd="sng" algn="ctr">
                       <a:solidFill>
-                        <a:srgbClr val="000000"/>
+                        <a:schemeClr val="tx1"/>
                       </a:solidFill>
                       <a:prstDash val="solid"/>
                       <a:round/>
@@ -8005,14 +7981,29 @@
                         </a:spcAft>
                       </a:pPr>
                       <a:r>
-                        <a:rPr lang="zh-CN" sz="2000" kern="100">
+                        <a:rPr lang="zh-CN" sz="2000" kern="100" dirty="0">
                           <a:effectLst/>
                           <a:latin typeface="Times New Roman" panose="02020603050405020304" pitchFamily="18" charset="0"/>
                           <a:ea typeface="宋体" panose="02010600030101010101" pitchFamily="2" charset="-122"/>
                           <a:cs typeface="Times New Roman" panose="02020603050405020304" pitchFamily="18" charset="0"/>
                         </a:rPr>
-                        <a:t>误检率</a:t>
+                        <a:t>误检</a:t>
                       </a:r>
+                      <a:r>
+                        <a:rPr lang="zh-CN" sz="2000" kern="100" dirty="0" smtClean="0">
+                          <a:effectLst/>
+                          <a:latin typeface="Times New Roman" panose="02020603050405020304" pitchFamily="18" charset="0"/>
+                          <a:ea typeface="宋体" panose="02010600030101010101" pitchFamily="2" charset="-122"/>
+                          <a:cs typeface="Times New Roman" panose="02020603050405020304" pitchFamily="18" charset="0"/>
+                        </a:rPr>
+                        <a:t>率</a:t>
+                      </a:r>
+                      <a:endParaRPr lang="zh-CN" sz="2000" kern="100" dirty="0">
+                        <a:effectLst/>
+                        <a:latin typeface="Times New Roman" panose="02020603050405020304" pitchFamily="18" charset="0"/>
+                        <a:ea typeface="宋体" panose="02010600030101010101" pitchFamily="2" charset="-122"/>
+                        <a:cs typeface="Times New Roman" panose="02020603050405020304" pitchFamily="18" charset="0"/>
+                      </a:endParaRPr>
                     </a:p>
                   </a:txBody>
                   <a:tcPr marL="68580" marR="68580" marT="0" marB="0">
@@ -8033,7 +8024,7 @@
                     </a:lnT>
                     <a:lnB w="12700" cap="flat" cmpd="sng" algn="ctr">
                       <a:solidFill>
-                        <a:srgbClr val="000000"/>
+                        <a:schemeClr val="tx1"/>
                       </a:solidFill>
                       <a:prstDash val="solid"/>
                       <a:round/>
@@ -8058,13 +8049,189 @@
                         </a:spcAft>
                       </a:pPr>
                       <a:r>
+                        <a:rPr lang="zh-CN" altLang="en-US" sz="2000" kern="100" dirty="0" smtClean="0">
+                          <a:effectLst/>
+                          <a:latin typeface="Times New Roman" panose="02020603050405020304" pitchFamily="18" charset="0"/>
+                          <a:ea typeface="宋体" panose="02010600030101010101" pitchFamily="2" charset="-122"/>
+                          <a:cs typeface="Times New Roman" panose="02020603050405020304" pitchFamily="18" charset="0"/>
+                        </a:rPr>
+                        <a:t>正常</a:t>
+                      </a:r>
+                      <a:endParaRPr lang="zh-CN" sz="2000" kern="100" dirty="0">
+                        <a:effectLst/>
+                        <a:latin typeface="Times New Roman" panose="02020603050405020304" pitchFamily="18" charset="0"/>
+                        <a:ea typeface="宋体" panose="02010600030101010101" pitchFamily="2" charset="-122"/>
+                        <a:cs typeface="Times New Roman" panose="02020603050405020304" pitchFamily="18" charset="0"/>
+                      </a:endParaRPr>
+                    </a:p>
+                  </a:txBody>
+                  <a:tcPr marL="68580" marR="68580" marT="0" marB="0">
+                    <a:lnL>
+                      <a:noFill/>
+                    </a:lnL>
+                    <a:lnR>
+                      <a:noFill/>
+                    </a:lnR>
+                    <a:lnT w="12700" cap="flat" cmpd="sng" algn="ctr">
+                      <a:solidFill>
+                        <a:schemeClr val="tx1"/>
+                      </a:solidFill>
+                      <a:prstDash val="solid"/>
+                      <a:round/>
+                      <a:headEnd type="none" w="med" len="med"/>
+                      <a:tailEnd type="none" w="med" len="med"/>
+                    </a:lnT>
+                    <a:lnB w="12700" cap="flat" cmpd="sng" algn="ctr">
+                      <a:noFill/>
+                      <a:prstDash val="solid"/>
+                      <a:round/>
+                      <a:headEnd type="none" w="med" len="med"/>
+                      <a:tailEnd type="none" w="med" len="med"/>
+                    </a:lnB>
+                  </a:tcPr>
+                </a:tc>
+                <a:tc>
+                  <a:txBody>
+                    <a:bodyPr/>
+                    <a:lstStyle/>
+                    <a:p>
+                      <a:pPr algn="ctr">
+                        <a:lnSpc>
+                          <a:spcPct val="120000"/>
+                        </a:lnSpc>
+                        <a:spcAft>
+                          <a:spcPts val="0"/>
+                        </a:spcAft>
+                      </a:pPr>
+                      <a:r>
+                        <a:rPr lang="en-US" altLang="zh-CN" sz="2000" kern="100" dirty="0" smtClean="0">
+                          <a:effectLst/>
+                          <a:latin typeface="Times New Roman" panose="02020603050405020304" pitchFamily="18" charset="0"/>
+                          <a:ea typeface="宋体" panose="02010600030101010101" pitchFamily="2" charset="-122"/>
+                          <a:cs typeface="Times New Roman" panose="02020603050405020304" pitchFamily="18" charset="0"/>
+                        </a:rPr>
+                        <a:t>96.16%</a:t>
+                      </a:r>
+                      <a:endParaRPr lang="zh-CN" sz="2000" kern="100" dirty="0">
+                        <a:effectLst/>
+                        <a:latin typeface="Times New Roman" panose="02020603050405020304" pitchFamily="18" charset="0"/>
+                        <a:ea typeface="宋体" panose="02010600030101010101" pitchFamily="2" charset="-122"/>
+                        <a:cs typeface="Times New Roman" panose="02020603050405020304" pitchFamily="18" charset="0"/>
+                      </a:endParaRPr>
+                    </a:p>
+                  </a:txBody>
+                  <a:tcPr marL="68580" marR="68580" marT="0" marB="0">
+                    <a:lnL>
+                      <a:noFill/>
+                    </a:lnL>
+                    <a:lnR>
+                      <a:noFill/>
+                    </a:lnR>
+                    <a:lnT w="12700" cap="flat" cmpd="sng" algn="ctr">
+                      <a:solidFill>
+                        <a:schemeClr val="tx1"/>
+                      </a:solidFill>
+                      <a:prstDash val="solid"/>
+                      <a:round/>
+                      <a:headEnd type="none" w="med" len="med"/>
+                      <a:tailEnd type="none" w="med" len="med"/>
+                    </a:lnT>
+                    <a:lnB w="12700" cap="flat" cmpd="sng" algn="ctr">
+                      <a:noFill/>
+                      <a:prstDash val="solid"/>
+                      <a:round/>
+                      <a:headEnd type="none" w="med" len="med"/>
+                      <a:tailEnd type="none" w="med" len="med"/>
+                    </a:lnB>
+                  </a:tcPr>
+                </a:tc>
+                <a:tc>
+                  <a:txBody>
+                    <a:bodyPr/>
+                    <a:lstStyle/>
+                    <a:p>
+                      <a:pPr algn="ctr">
+                        <a:lnSpc>
+                          <a:spcPct val="120000"/>
+                        </a:lnSpc>
+                        <a:spcAft>
+                          <a:spcPts val="0"/>
+                        </a:spcAft>
+                      </a:pPr>
+                      <a:r>
+                        <a:rPr lang="en-US" altLang="zh-CN" sz="2000" kern="100" dirty="0" smtClean="0">
+                          <a:effectLst/>
+                          <a:latin typeface="Times New Roman" panose="02020603050405020304" pitchFamily="18" charset="0"/>
+                          <a:ea typeface="宋体" panose="02010600030101010101" pitchFamily="2" charset="-122"/>
+                          <a:cs typeface="Times New Roman" panose="02020603050405020304" pitchFamily="18" charset="0"/>
+                        </a:rPr>
+                        <a:t>-</a:t>
+                      </a:r>
+                      <a:endParaRPr lang="zh-CN" sz="2000" kern="100" dirty="0">
+                        <a:effectLst/>
+                        <a:latin typeface="Times New Roman" panose="02020603050405020304" pitchFamily="18" charset="0"/>
+                        <a:ea typeface="宋体" panose="02010600030101010101" pitchFamily="2" charset="-122"/>
+                        <a:cs typeface="Times New Roman" panose="02020603050405020304" pitchFamily="18" charset="0"/>
+                      </a:endParaRPr>
+                    </a:p>
+                  </a:txBody>
+                  <a:tcPr marL="68580" marR="68580" marT="0" marB="0">
+                    <a:lnL>
+                      <a:noFill/>
+                    </a:lnL>
+                    <a:lnR>
+                      <a:noFill/>
+                    </a:lnR>
+                    <a:lnT w="12700" cap="flat" cmpd="sng" algn="ctr">
+                      <a:solidFill>
+                        <a:schemeClr val="tx1"/>
+                      </a:solidFill>
+                      <a:prstDash val="solid"/>
+                      <a:round/>
+                      <a:headEnd type="none" w="med" len="med"/>
+                      <a:tailEnd type="none" w="med" len="med"/>
+                    </a:lnT>
+                    <a:lnB w="12700" cap="flat" cmpd="sng" algn="ctr">
+                      <a:noFill/>
+                      <a:prstDash val="solid"/>
+                      <a:round/>
+                      <a:headEnd type="none" w="med" len="med"/>
+                      <a:tailEnd type="none" w="med" len="med"/>
+                    </a:lnB>
+                  </a:tcPr>
+                </a:tc>
+              </a:tr>
+              <a:tr h="0">
+                <a:tc>
+                  <a:txBody>
+                    <a:bodyPr/>
+                    <a:lstStyle/>
+                    <a:p>
+                      <a:pPr algn="ctr">
+                        <a:lnSpc>
+                          <a:spcPct val="120000"/>
+                        </a:lnSpc>
+                        <a:spcAft>
+                          <a:spcPts val="0"/>
+                        </a:spcAft>
+                      </a:pPr>
+                      <a:r>
+                        <a:rPr lang="zh-CN" sz="2000" kern="100" dirty="0" smtClean="0">
+                          <a:effectLst/>
+                          <a:latin typeface="Times New Roman" panose="02020603050405020304" pitchFamily="18" charset="0"/>
+                          <a:ea typeface="宋体" panose="02010600030101010101" pitchFamily="2" charset="-122"/>
+                          <a:cs typeface="Times New Roman" panose="02020603050405020304" pitchFamily="18" charset="0"/>
+                        </a:rPr>
+                        <a:t>工件</a:t>
+                      </a:r>
+                      <a:r>
                         <a:rPr lang="zh-CN" sz="2000" kern="100" dirty="0">
                           <a:effectLst/>
                           <a:latin typeface="Times New Roman" panose="02020603050405020304" pitchFamily="18" charset="0"/>
                           <a:ea typeface="宋体" panose="02010600030101010101" pitchFamily="2" charset="-122"/>
                           <a:cs typeface="Times New Roman" panose="02020603050405020304" pitchFamily="18" charset="0"/>
                         </a:rPr>
-                        <a:t>工件缺失</a:t>
+                        <a:t>缺失</a:t>
                       </a:r>
                     </a:p>
                   </a:txBody>
@@ -8076,9 +8243,7 @@
                       <a:noFill/>
                     </a:lnR>
                     <a:lnT w="12700" cap="flat" cmpd="sng" algn="ctr">
-                      <a:solidFill>
-                        <a:srgbClr val="000000"/>
-                      </a:solidFill>
+                      <a:noFill/>
                       <a:prstDash val="solid"/>
                       <a:round/>
                       <a:headEnd type="none" w="med" len="med"/>
@@ -8127,9 +8292,7 @@
                       <a:noFill/>
                     </a:lnR>
                     <a:lnT w="12700" cap="flat" cmpd="sng" algn="ctr">
-                      <a:solidFill>
-                        <a:srgbClr val="000000"/>
-                      </a:solidFill>
+                      <a:noFill/>
                       <a:prstDash val="solid"/>
                       <a:round/>
                       <a:headEnd type="none" w="med" len="med"/>
@@ -8178,9 +8341,7 @@
                       <a:noFill/>
                     </a:lnR>
                     <a:lnT w="12700" cap="flat" cmpd="sng" algn="ctr">
-                      <a:solidFill>
-                        <a:srgbClr val="000000"/>
-                      </a:solidFill>
+                      <a:noFill/>
                       <a:prstDash val="solid"/>
                       <a:round/>
                       <a:headEnd type="none" w="med" len="med"/>
@@ -8682,7 +8843,7 @@
         </p:nvSpPr>
         <p:spPr>
           <a:xfrm>
-            <a:off x="639848" y="4695172"/>
+            <a:off x="639848" y="4919290"/>
             <a:ext cx="7365634" cy="904863"/>
           </a:xfrm>
           <a:prstGeom prst="rect">
@@ -9559,7 +9720,7 @@
             <p:cNvPr id="35" name="流程图: 过程 34">
               <a:extLst>
                 <a:ext uri="{FF2B5EF4-FFF2-40B4-BE49-F238E27FC236}">
-                  <a16:creationId xmlns="" xmlns:a16="http://schemas.microsoft.com/office/drawing/2014/main" id="{57AE6D65-AD68-4910-AD70-E3F9CD49580C}"/>
+                  <a16:creationId xmlns:a16="http://schemas.microsoft.com/office/drawing/2014/main" xmlns="" id="{57AE6D65-AD68-4910-AD70-E3F9CD49580C}"/>
                 </a:ext>
               </a:extLst>
             </p:cNvPr>
@@ -9630,7 +9791,7 @@
             <p:cNvPr id="36" name="流程图: 过程 35">
               <a:extLst>
                 <a:ext uri="{FF2B5EF4-FFF2-40B4-BE49-F238E27FC236}">
-                  <a16:creationId xmlns="" xmlns:a16="http://schemas.microsoft.com/office/drawing/2014/main" id="{DF5618C4-A100-4C16-AE5A-386CCEA74366}"/>
+                  <a16:creationId xmlns:a16="http://schemas.microsoft.com/office/drawing/2014/main" xmlns="" id="{DF5618C4-A100-4C16-AE5A-386CCEA74366}"/>
                 </a:ext>
               </a:extLst>
             </p:cNvPr>
@@ -9717,7 +9878,7 @@
               <p:cNvPr id="59" name="菱形 58">
                 <a:extLst>
                   <a:ext uri="{FF2B5EF4-FFF2-40B4-BE49-F238E27FC236}">
-                    <a16:creationId xmlns="" xmlns:a16="http://schemas.microsoft.com/office/drawing/2014/main" id="{12D7EFA7-B56E-49A1-8474-4DB33447F7E4}"/>
+                    <a16:creationId xmlns:a16="http://schemas.microsoft.com/office/drawing/2014/main" xmlns="" id="{12D7EFA7-B56E-49A1-8474-4DB33447F7E4}"/>
                   </a:ext>
                 </a:extLst>
               </p:cNvPr>
@@ -9785,7 +9946,7 @@
               <p:cNvPr id="60" name="文本框 19">
                 <a:extLst>
                   <a:ext uri="{FF2B5EF4-FFF2-40B4-BE49-F238E27FC236}">
-                    <a16:creationId xmlns="" xmlns:a16="http://schemas.microsoft.com/office/drawing/2014/main" id="{D3227F8A-32FC-49B8-8983-80F34F86E615}"/>
+                    <a16:creationId xmlns:a16="http://schemas.microsoft.com/office/drawing/2014/main" xmlns="" id="{D3227F8A-32FC-49B8-8983-80F34F86E615}"/>
                   </a:ext>
                 </a:extLst>
               </p:cNvPr>
@@ -9889,7 +10050,7 @@
               <p:cNvPr id="57" name="流程图: 数据 56">
                 <a:extLst>
                   <a:ext uri="{FF2B5EF4-FFF2-40B4-BE49-F238E27FC236}">
-                    <a16:creationId xmlns="" xmlns:a16="http://schemas.microsoft.com/office/drawing/2014/main" id="{7B982382-5BDD-430A-823F-1EF66C59D414}"/>
+                    <a16:creationId xmlns:a16="http://schemas.microsoft.com/office/drawing/2014/main" xmlns="" id="{7B982382-5BDD-430A-823F-1EF66C59D414}"/>
                   </a:ext>
                 </a:extLst>
               </p:cNvPr>
@@ -9951,7 +10112,7 @@
               <p:cNvPr id="58" name="文本框 27">
                 <a:extLst>
                   <a:ext uri="{FF2B5EF4-FFF2-40B4-BE49-F238E27FC236}">
-                    <a16:creationId xmlns="" xmlns:a16="http://schemas.microsoft.com/office/drawing/2014/main" id="{20A0F180-6CB0-4E70-B6E0-DB14C781003D}"/>
+                    <a16:creationId xmlns:a16="http://schemas.microsoft.com/office/drawing/2014/main" xmlns="" id="{20A0F180-6CB0-4E70-B6E0-DB14C781003D}"/>
                   </a:ext>
                 </a:extLst>
               </p:cNvPr>
@@ -10018,7 +10179,7 @@
             <p:cNvPr id="39" name="组合 38">
               <a:extLst>
                 <a:ext uri="{FF2B5EF4-FFF2-40B4-BE49-F238E27FC236}">
-                  <a16:creationId xmlns="" xmlns:a16="http://schemas.microsoft.com/office/drawing/2014/main" id="{31922F65-88BB-4A94-8732-FF89FB296A7F}"/>
+                  <a16:creationId xmlns:a16="http://schemas.microsoft.com/office/drawing/2014/main" xmlns="" id="{31922F65-88BB-4A94-8732-FF89FB296A7F}"/>
                 </a:ext>
               </a:extLst>
             </p:cNvPr>
@@ -10041,7 +10202,7 @@
               <p:cNvPr id="55" name="流程图: 终止 54">
                 <a:extLst>
                   <a:ext uri="{FF2B5EF4-FFF2-40B4-BE49-F238E27FC236}">
-                    <a16:creationId xmlns="" xmlns:a16="http://schemas.microsoft.com/office/drawing/2014/main" id="{821728A5-ACB2-4DFD-9EF9-C5718E8DB807}"/>
+                    <a16:creationId xmlns:a16="http://schemas.microsoft.com/office/drawing/2014/main" xmlns="" id="{821728A5-ACB2-4DFD-9EF9-C5718E8DB807}"/>
                   </a:ext>
                 </a:extLst>
               </p:cNvPr>
@@ -10103,7 +10264,7 @@
               <p:cNvPr id="56" name="文本框 40">
                 <a:extLst>
                   <a:ext uri="{FF2B5EF4-FFF2-40B4-BE49-F238E27FC236}">
-                    <a16:creationId xmlns="" xmlns:a16="http://schemas.microsoft.com/office/drawing/2014/main" id="{A1896994-9DBF-4384-9783-F23D3457056C}"/>
+                    <a16:creationId xmlns:a16="http://schemas.microsoft.com/office/drawing/2014/main" xmlns="" id="{A1896994-9DBF-4384-9783-F23D3457056C}"/>
                   </a:ext>
                 </a:extLst>
               </p:cNvPr>
@@ -10170,7 +10331,7 @@
             <p:cNvPr id="40" name="组合 39">
               <a:extLst>
                 <a:ext uri="{FF2B5EF4-FFF2-40B4-BE49-F238E27FC236}">
-                  <a16:creationId xmlns="" xmlns:a16="http://schemas.microsoft.com/office/drawing/2014/main" id="{98DAB4CF-B7E6-4A94-B020-148FE92C07ED}"/>
+                  <a16:creationId xmlns:a16="http://schemas.microsoft.com/office/drawing/2014/main" xmlns="" id="{98DAB4CF-B7E6-4A94-B020-148FE92C07ED}"/>
                 </a:ext>
               </a:extLst>
             </p:cNvPr>
@@ -10193,7 +10354,7 @@
               <p:cNvPr id="53" name="流程图: 终止 52">
                 <a:extLst>
                   <a:ext uri="{FF2B5EF4-FFF2-40B4-BE49-F238E27FC236}">
-                    <a16:creationId xmlns="" xmlns:a16="http://schemas.microsoft.com/office/drawing/2014/main" id="{7ADB7280-DA5D-4B25-A4BB-364BDC39C520}"/>
+                    <a16:creationId xmlns:a16="http://schemas.microsoft.com/office/drawing/2014/main" xmlns="" id="{7ADB7280-DA5D-4B25-A4BB-364BDC39C520}"/>
                   </a:ext>
                 </a:extLst>
               </p:cNvPr>
@@ -10255,7 +10416,7 @@
               <p:cNvPr id="54" name="文本框 3">
                 <a:extLst>
                   <a:ext uri="{FF2B5EF4-FFF2-40B4-BE49-F238E27FC236}">
-                    <a16:creationId xmlns="" xmlns:a16="http://schemas.microsoft.com/office/drawing/2014/main" id="{505B618B-DD3F-4711-B98B-A034FBC53F99}"/>
+                    <a16:creationId xmlns:a16="http://schemas.microsoft.com/office/drawing/2014/main" xmlns="" id="{505B618B-DD3F-4711-B98B-A034FBC53F99}"/>
                   </a:ext>
                 </a:extLst>
               </p:cNvPr>
@@ -10322,7 +10483,7 @@
             <p:cNvPr id="41" name="流程图: 过程 40">
               <a:extLst>
                 <a:ext uri="{FF2B5EF4-FFF2-40B4-BE49-F238E27FC236}">
-                  <a16:creationId xmlns="" xmlns:a16="http://schemas.microsoft.com/office/drawing/2014/main" id="{A2B7C6EB-B9C5-4815-9207-7ABAD5294750}"/>
+                  <a16:creationId xmlns:a16="http://schemas.microsoft.com/office/drawing/2014/main" xmlns="" id="{A2B7C6EB-B9C5-4815-9207-7ABAD5294750}"/>
                 </a:ext>
               </a:extLst>
             </p:cNvPr>
@@ -10393,7 +10554,7 @@
             <p:cNvPr id="42" name="直接箭头连接符 41">
               <a:extLst>
                 <a:ext uri="{FF2B5EF4-FFF2-40B4-BE49-F238E27FC236}">
-                  <a16:creationId xmlns="" xmlns:a16="http://schemas.microsoft.com/office/drawing/2014/main" id="{1D2F8702-EF1E-4E42-A00F-F506FB845B9C}"/>
+                  <a16:creationId xmlns:a16="http://schemas.microsoft.com/office/drawing/2014/main" xmlns="" id="{1D2F8702-EF1E-4E42-A00F-F506FB845B9C}"/>
                 </a:ext>
               </a:extLst>
             </p:cNvPr>
@@ -10435,7 +10596,7 @@
             <p:cNvPr id="43" name="直接箭头连接符 42">
               <a:extLst>
                 <a:ext uri="{FF2B5EF4-FFF2-40B4-BE49-F238E27FC236}">
-                  <a16:creationId xmlns="" xmlns:a16="http://schemas.microsoft.com/office/drawing/2014/main" id="{E62DF940-C9F0-44A1-9639-8EBE6D2B1770}"/>
+                  <a16:creationId xmlns:a16="http://schemas.microsoft.com/office/drawing/2014/main" xmlns="" id="{E62DF940-C9F0-44A1-9639-8EBE6D2B1770}"/>
                 </a:ext>
               </a:extLst>
             </p:cNvPr>
@@ -10477,7 +10638,7 @@
             <p:cNvPr id="44" name="直接箭头连接符 43">
               <a:extLst>
                 <a:ext uri="{FF2B5EF4-FFF2-40B4-BE49-F238E27FC236}">
-                  <a16:creationId xmlns="" xmlns:a16="http://schemas.microsoft.com/office/drawing/2014/main" id="{4CF753CC-E42A-4CD0-AA90-8267A1E33C0C}"/>
+                  <a16:creationId xmlns:a16="http://schemas.microsoft.com/office/drawing/2014/main" xmlns="" id="{4CF753CC-E42A-4CD0-AA90-8267A1E33C0C}"/>
                 </a:ext>
               </a:extLst>
             </p:cNvPr>
@@ -10519,7 +10680,7 @@
             <p:cNvPr id="45" name="直接箭头连接符 44">
               <a:extLst>
                 <a:ext uri="{FF2B5EF4-FFF2-40B4-BE49-F238E27FC236}">
-                  <a16:creationId xmlns="" xmlns:a16="http://schemas.microsoft.com/office/drawing/2014/main" id="{1F333818-AA2B-4765-B105-91E62155BB7E}"/>
+                  <a16:creationId xmlns:a16="http://schemas.microsoft.com/office/drawing/2014/main" xmlns="" id="{1F333818-AA2B-4765-B105-91E62155BB7E}"/>
                 </a:ext>
               </a:extLst>
             </p:cNvPr>
@@ -10561,7 +10722,7 @@
             <p:cNvPr id="46" name="直接箭头连接符 45">
               <a:extLst>
                 <a:ext uri="{FF2B5EF4-FFF2-40B4-BE49-F238E27FC236}">
-                  <a16:creationId xmlns="" xmlns:a16="http://schemas.microsoft.com/office/drawing/2014/main" id="{22BBC817-1511-4F14-8D7D-7887AAACA9D0}"/>
+                  <a16:creationId xmlns:a16="http://schemas.microsoft.com/office/drawing/2014/main" xmlns="" id="{22BBC817-1511-4F14-8D7D-7887AAACA9D0}"/>
                 </a:ext>
               </a:extLst>
             </p:cNvPr>
@@ -10603,7 +10764,7 @@
             <p:cNvPr id="47" name="直接连接符 46">
               <a:extLst>
                 <a:ext uri="{FF2B5EF4-FFF2-40B4-BE49-F238E27FC236}">
-                  <a16:creationId xmlns="" xmlns:a16="http://schemas.microsoft.com/office/drawing/2014/main" id="{CF8115CD-2AAA-4FBC-AA85-48B59DAB5C3B}"/>
+                  <a16:creationId xmlns:a16="http://schemas.microsoft.com/office/drawing/2014/main" xmlns="" id="{CF8115CD-2AAA-4FBC-AA85-48B59DAB5C3B}"/>
                 </a:ext>
               </a:extLst>
             </p:cNvPr>
@@ -10646,7 +10807,7 @@
             <p:cNvPr id="48" name="直接箭头连接符 47">
               <a:extLst>
                 <a:ext uri="{FF2B5EF4-FFF2-40B4-BE49-F238E27FC236}">
-                  <a16:creationId xmlns="" xmlns:a16="http://schemas.microsoft.com/office/drawing/2014/main" id="{581F2596-4DA6-4C27-A7A8-43381C6D5C09}"/>
+                  <a16:creationId xmlns:a16="http://schemas.microsoft.com/office/drawing/2014/main" xmlns="" id="{581F2596-4DA6-4C27-A7A8-43381C6D5C09}"/>
                 </a:ext>
               </a:extLst>
             </p:cNvPr>
@@ -10688,7 +10849,7 @@
             <p:cNvPr id="49" name="直接连接符 48">
               <a:extLst>
                 <a:ext uri="{FF2B5EF4-FFF2-40B4-BE49-F238E27FC236}">
-                  <a16:creationId xmlns="" xmlns:a16="http://schemas.microsoft.com/office/drawing/2014/main" id="{09D3F5CF-B59E-4D6D-B843-9B98FBC3A18A}"/>
+                  <a16:creationId xmlns:a16="http://schemas.microsoft.com/office/drawing/2014/main" xmlns="" id="{09D3F5CF-B59E-4D6D-B843-9B98FBC3A18A}"/>
                 </a:ext>
               </a:extLst>
             </p:cNvPr>
@@ -10729,7 +10890,7 @@
             <p:cNvPr id="50" name="直接箭头连接符 49">
               <a:extLst>
                 <a:ext uri="{FF2B5EF4-FFF2-40B4-BE49-F238E27FC236}">
-                  <a16:creationId xmlns="" xmlns:a16="http://schemas.microsoft.com/office/drawing/2014/main" id="{3E159BB4-B276-4D87-8FC2-CA2E517589CC}"/>
+                  <a16:creationId xmlns:a16="http://schemas.microsoft.com/office/drawing/2014/main" xmlns="" id="{3E159BB4-B276-4D87-8FC2-CA2E517589CC}"/>
                 </a:ext>
               </a:extLst>
             </p:cNvPr>
@@ -10771,7 +10932,7 @@
             <p:cNvPr id="51" name="流程图: 过程 50">
               <a:extLst>
                 <a:ext uri="{FF2B5EF4-FFF2-40B4-BE49-F238E27FC236}">
-                  <a16:creationId xmlns="" xmlns:a16="http://schemas.microsoft.com/office/drawing/2014/main" id="{237F87A4-C6BA-48FF-97F6-D55F2D8B0B31}"/>
+                  <a16:creationId xmlns:a16="http://schemas.microsoft.com/office/drawing/2014/main" xmlns="" id="{237F87A4-C6BA-48FF-97F6-D55F2D8B0B31}"/>
                 </a:ext>
               </a:extLst>
             </p:cNvPr>
@@ -10852,7 +11013,7 @@
             <p:cNvPr id="52" name="直接箭头连接符 51">
               <a:extLst>
                 <a:ext uri="{FF2B5EF4-FFF2-40B4-BE49-F238E27FC236}">
-                  <a16:creationId xmlns="" xmlns:a16="http://schemas.microsoft.com/office/drawing/2014/main" id="{22ECF350-4564-49DC-98CD-F8825053E871}"/>
+                  <a16:creationId xmlns:a16="http://schemas.microsoft.com/office/drawing/2014/main" xmlns="" id="{22ECF350-4564-49DC-98CD-F8825053E871}"/>
                 </a:ext>
               </a:extLst>
             </p:cNvPr>
@@ -10895,7 +11056,7 @@
           <p:cNvPr id="61" name="文本框 60">
             <a:extLst>
               <a:ext uri="{FF2B5EF4-FFF2-40B4-BE49-F238E27FC236}">
-                <a16:creationId xmlns="" xmlns:a16="http://schemas.microsoft.com/office/drawing/2014/main" id="{F21A5795-F290-4143-B443-28B09DE65C16}"/>
+                <a16:creationId xmlns:a16="http://schemas.microsoft.com/office/drawing/2014/main" xmlns="" id="{F21A5795-F290-4143-B443-28B09DE65C16}"/>
               </a:ext>
             </a:extLst>
           </p:cNvPr>
@@ -11650,7 +11811,35 @@
                 <a:latin typeface="Times New Roman" panose="02020603050405020304" pitchFamily="18" charset="0"/>
                 <a:cs typeface="Times New Roman" panose="02020603050405020304" pitchFamily="18" charset="0"/>
               </a:rPr>
-              <a:t>。主要原因是卷积神经网络算法是平等的对待每一种类别。后续将对检出率做一些优化。</a:t>
+              <a:t>。主要原因是卷积神经网络</a:t>
+            </a:r>
+            <a:r>
+              <a:rPr lang="zh-CN" altLang="zh-CN" sz="2200" kern="100" dirty="0" smtClean="0">
+                <a:latin typeface="Times New Roman" panose="02020603050405020304" pitchFamily="18" charset="0"/>
+                <a:cs typeface="Times New Roman" panose="02020603050405020304" pitchFamily="18" charset="0"/>
+              </a:rPr>
+              <a:t>算法</a:t>
+            </a:r>
+            <a:r>
+              <a:rPr lang="zh-CN" altLang="en-US" sz="2200" kern="100" dirty="0" smtClean="0">
+                <a:latin typeface="Times New Roman" panose="02020603050405020304" pitchFamily="18" charset="0"/>
+                <a:cs typeface="Times New Roman" panose="02020603050405020304" pitchFamily="18" charset="0"/>
+              </a:rPr>
+              <a:t>对样本数量比较敏感</a:t>
+            </a:r>
+            <a:r>
+              <a:rPr lang="zh-CN" altLang="zh-CN" sz="2200" kern="100" dirty="0" smtClean="0">
+                <a:latin typeface="Times New Roman" panose="02020603050405020304" pitchFamily="18" charset="0"/>
+                <a:cs typeface="Times New Roman" panose="02020603050405020304" pitchFamily="18" charset="0"/>
+              </a:rPr>
+              <a:t>。</a:t>
+            </a:r>
+            <a:r>
+              <a:rPr lang="zh-CN" altLang="zh-CN" sz="2200" kern="100" dirty="0">
+                <a:latin typeface="Times New Roman" panose="02020603050405020304" pitchFamily="18" charset="0"/>
+                <a:cs typeface="Times New Roman" panose="02020603050405020304" pitchFamily="18" charset="0"/>
+              </a:rPr>
+              <a:t>后续将对检出率做一些优化。</a:t>
             </a:r>
           </a:p>
         </p:txBody>
@@ -11749,7 +11938,7 @@
           <p:nvPr>
             <p:extLst>
               <p:ext uri="{D42A27DB-BD31-4B8C-83A1-F6EECF244321}">
-                <p14:modId xmlns:p14="http://schemas.microsoft.com/office/powerpoint/2010/main" val="447223796"/>
+                <p14:modId xmlns:p14="http://schemas.microsoft.com/office/powerpoint/2010/main" val="2250740985"/>
               </p:ext>
             </p:extLst>
           </p:nvPr>
@@ -12308,7 +12497,7 @@
                         </a:spcAft>
                       </a:pPr>
                       <a:r>
-                        <a:rPr lang="en-US" sz="2000" kern="100" dirty="0">
+                        <a:rPr lang="en-US" sz="2000" kern="100" dirty="0" smtClean="0">
                           <a:solidFill>
                             <a:schemeClr val="tx1"/>
                           </a:solidFill>
@@ -12317,7 +12506,7 @@
                           <a:ea typeface="宋体" panose="02010600030101010101" pitchFamily="2" charset="-122"/>
                           <a:cs typeface="Times New Roman" panose="02020603050405020304" pitchFamily="18" charset="0"/>
                         </a:rPr>
-                        <a:t>2.35%</a:t>
+                        <a:t>-</a:t>
                       </a:r>
                       <a:endParaRPr lang="zh-CN" sz="2000" kern="100" dirty="0">
                         <a:solidFill>
@@ -12810,7 +12999,7 @@
                         </a:spcAft>
                       </a:pPr>
                       <a:r>
-                        <a:rPr lang="en-US" sz="2000" kern="100">
+                        <a:rPr lang="en-US" sz="2000" kern="100" dirty="0">
                           <a:solidFill>
                             <a:schemeClr val="tx1"/>
                           </a:solidFill>
@@ -12821,7 +13010,7 @@
                         </a:rPr>
                         <a:t>0%</a:t>
                       </a:r>
-                      <a:endParaRPr lang="zh-CN" sz="2000" kern="100">
+                      <a:endParaRPr lang="zh-CN" sz="2000" kern="100" dirty="0">
                         <a:solidFill>
                           <a:schemeClr val="tx1"/>
                         </a:solidFill>
@@ -13058,7 +13247,7 @@
                         </a:spcAft>
                       </a:pPr>
                       <a:r>
-                        <a:rPr lang="en-US" sz="2000" kern="100" dirty="0">
+                        <a:rPr lang="en-US" altLang="zh-CN" sz="2000" kern="100" dirty="0" smtClean="0">
                           <a:solidFill>
                             <a:schemeClr val="tx1"/>
                           </a:solidFill>
@@ -13067,7 +13256,7 @@
                           <a:ea typeface="宋体" panose="02010600030101010101" pitchFamily="2" charset="-122"/>
                           <a:cs typeface="Times New Roman" panose="02020603050405020304" pitchFamily="18" charset="0"/>
                         </a:rPr>
-                        <a:t>0.47%</a:t>
+                        <a:t>0.69%</a:t>
                       </a:r>
                       <a:endParaRPr lang="zh-CN" sz="2000" kern="100" dirty="0">
                         <a:solidFill>
@@ -17127,7 +17316,17 @@
                 <a:latin typeface="+mn-ea"/>
                 <a:cs typeface="Times New Roman" panose="02020603050405020304" pitchFamily="18" charset="0"/>
               </a:rPr>
-              <a:t>工业</a:t>
+              <a:t>工业检测</a:t>
+            </a:r>
+            <a:r>
+              <a:rPr lang="zh-CN" altLang="en-US" sz="2400" kern="100" dirty="0" smtClean="0">
+                <a:solidFill>
+                  <a:srgbClr val="231F20"/>
+                </a:solidFill>
+                <a:latin typeface="+mn-ea"/>
+                <a:cs typeface="Times New Roman" panose="02020603050405020304" pitchFamily="18" charset="0"/>
+              </a:rPr>
+              <a:t>的</a:t>
             </a:r>
             <a:r>
               <a:rPr lang="zh-CN" altLang="zh-CN" sz="2400" kern="100" dirty="0" smtClean="0">
@@ -17137,7 +17336,27 @@
                 <a:latin typeface="+mn-ea"/>
                 <a:cs typeface="Times New Roman" panose="02020603050405020304" pitchFamily="18" charset="0"/>
               </a:rPr>
-              <a:t>检测</a:t>
+              <a:t>特点研究</a:t>
+            </a:r>
+            <a:r>
+              <a:rPr lang="zh-CN" altLang="zh-CN" sz="2400" kern="100" dirty="0">
+                <a:solidFill>
+                  <a:srgbClr val="231F20"/>
+                </a:solidFill>
+                <a:latin typeface="+mn-ea"/>
+                <a:cs typeface="Times New Roman" panose="02020603050405020304" pitchFamily="18" charset="0"/>
+              </a:rPr>
+              <a:t>基于深度学习</a:t>
+            </a:r>
+            <a:r>
+              <a:rPr lang="zh-CN" altLang="zh-CN" sz="2400" kern="100" dirty="0" smtClean="0">
+                <a:solidFill>
+                  <a:srgbClr val="231F20"/>
+                </a:solidFill>
+                <a:latin typeface="+mn-ea"/>
+                <a:cs typeface="Times New Roman" panose="02020603050405020304" pitchFamily="18" charset="0"/>
+              </a:rPr>
+              <a:t>的</a:t>
             </a:r>
             <a:r>
               <a:rPr lang="zh-CN" altLang="en-US" sz="2400" kern="100" dirty="0" smtClean="0">
@@ -17147,7 +17366,7 @@
                 <a:latin typeface="+mn-ea"/>
                 <a:cs typeface="Times New Roman" panose="02020603050405020304" pitchFamily="18" charset="0"/>
               </a:rPr>
-              <a:t>的</a:t>
+              <a:t>检测</a:t>
             </a:r>
             <a:r>
               <a:rPr lang="zh-CN" altLang="zh-CN" sz="2400" kern="100" dirty="0" smtClean="0">
@@ -17157,57 +17376,7 @@
                 <a:latin typeface="+mn-ea"/>
                 <a:cs typeface="Times New Roman" panose="02020603050405020304" pitchFamily="18" charset="0"/>
               </a:rPr>
-              <a:t>特点研究</a:t>
-            </a:r>
-            <a:r>
-              <a:rPr lang="zh-CN" altLang="zh-CN" sz="2400" kern="100" dirty="0">
-                <a:solidFill>
-                  <a:srgbClr val="231F20"/>
-                </a:solidFill>
-                <a:latin typeface="+mn-ea"/>
-                <a:cs typeface="Times New Roman" panose="02020603050405020304" pitchFamily="18" charset="0"/>
-              </a:rPr>
-              <a:t>基于深度学习</a:t>
-            </a:r>
-            <a:r>
-              <a:rPr lang="zh-CN" altLang="zh-CN" sz="2400" kern="100" dirty="0" smtClean="0">
-                <a:solidFill>
-                  <a:srgbClr val="231F20"/>
-                </a:solidFill>
-                <a:latin typeface="+mn-ea"/>
-                <a:cs typeface="Times New Roman" panose="02020603050405020304" pitchFamily="18" charset="0"/>
-              </a:rPr>
-              <a:t>的</a:t>
-            </a:r>
-            <a:r>
-              <a:rPr lang="zh-CN" altLang="en-US" sz="2400" kern="100" dirty="0" smtClean="0">
-                <a:solidFill>
-                  <a:srgbClr val="231F20"/>
-                </a:solidFill>
-                <a:latin typeface="+mn-ea"/>
-                <a:cs typeface="Times New Roman" panose="02020603050405020304" pitchFamily="18" charset="0"/>
-              </a:rPr>
-              <a:t>检测</a:t>
-            </a:r>
-            <a:r>
-              <a:rPr lang="zh-CN" altLang="zh-CN" sz="2400" kern="100" dirty="0" smtClean="0">
-                <a:solidFill>
-                  <a:srgbClr val="231F20"/>
-                </a:solidFill>
-                <a:latin typeface="+mn-ea"/>
-                <a:cs typeface="Times New Roman" panose="02020603050405020304" pitchFamily="18" charset="0"/>
-              </a:rPr>
-              <a:t>算法</a:t>
-            </a:r>
-            <a:r>
-              <a:rPr lang="zh-CN" altLang="zh-CN" sz="2400" kern="100" dirty="0" smtClean="0">
-                <a:solidFill>
-                  <a:srgbClr val="231F20"/>
-                </a:solidFill>
-                <a:latin typeface="+mn-ea"/>
-                <a:cs typeface="Times New Roman" panose="02020603050405020304" pitchFamily="18" charset="0"/>
-              </a:rPr>
-              <a:t>。</a:t>
+              <a:t>算法。</a:t>
             </a:r>
             <a:endParaRPr lang="en-US" altLang="zh-CN" sz="2400" kern="100" dirty="0">
               <a:latin typeface="+mn-ea"/>
@@ -17651,7 +17820,17 @@
                 <a:latin typeface="+mn-ea"/>
                 <a:cs typeface="Times New Roman" panose="02020603050405020304" pitchFamily="18" charset="0"/>
               </a:rPr>
-              <a:t>设计了相应的检测</a:t>
+              <a:t>初步设计</a:t>
+            </a:r>
+            <a:r>
+              <a:rPr lang="zh-CN" altLang="en-US" sz="2400" b="1" kern="100" dirty="0" smtClean="0">
+                <a:solidFill>
+                  <a:srgbClr val="231F20"/>
+                </a:solidFill>
+                <a:latin typeface="+mn-ea"/>
+                <a:cs typeface="Times New Roman" panose="02020603050405020304" pitchFamily="18" charset="0"/>
+              </a:rPr>
+              <a:t>了相应的检测</a:t>
             </a:r>
             <a:r>
               <a:rPr lang="zh-CN" altLang="en-US" sz="2400" b="1" kern="100" dirty="0">
@@ -17945,7 +18124,7 @@
           <p:nvPr>
             <p:extLst>
               <p:ext uri="{D42A27DB-BD31-4B8C-83A1-F6EECF244321}">
-                <p14:modId xmlns:p14="http://schemas.microsoft.com/office/powerpoint/2010/main" val="3077190082"/>
+                <p14:modId xmlns:p14="http://schemas.microsoft.com/office/powerpoint/2010/main" val="291840060"/>
               </p:ext>
             </p:extLst>
           </p:nvPr>
@@ -17981,14 +18160,20 @@
                         </a:spcAft>
                       </a:pPr>
                       <a:r>
-                        <a:rPr lang="zh-CN" sz="2000" kern="100" dirty="0">
+                        <a:rPr lang="zh-CN" sz="2000" kern="100" dirty="0" smtClean="0">
                           <a:effectLst/>
                           <a:latin typeface="Times New Roman" panose="02020603050405020304" pitchFamily="18" charset="0"/>
                           <a:ea typeface="宋体" panose="02010600030101010101" pitchFamily="2" charset="-122"/>
                           <a:cs typeface="Times New Roman" panose="02020603050405020304" pitchFamily="18" charset="0"/>
                         </a:rPr>
-                        <a:t>不良类别</a:t>
+                        <a:t>类别</a:t>
                       </a:r>
+                      <a:endParaRPr lang="zh-CN" sz="2000" kern="100" dirty="0">
+                        <a:effectLst/>
+                        <a:latin typeface="Times New Roman" panose="02020603050405020304" pitchFamily="18" charset="0"/>
+                        <a:ea typeface="宋体" panose="02010600030101010101" pitchFamily="2" charset="-122"/>
+                        <a:cs typeface="Times New Roman" panose="02020603050405020304" pitchFamily="18" charset="0"/>
+                      </a:endParaRPr>
                     </a:p>
                   </a:txBody>
                   <a:tcPr marL="68580" marR="68580" marT="0" marB="0">
@@ -19800,7 +19985,6 @@
               <a:rPr lang="zh-CN" altLang="en-US" sz="2000" dirty="0"/>
               <a:t>金属丝位置检测</a:t>
             </a:r>
-            <a:endParaRPr lang="zh-CN" altLang="en-US" sz="2000" dirty="0"/>
           </a:p>
         </p:txBody>
       </p:sp>
